--- a/Présentation1.pptx
+++ b/Présentation1.pptx
@@ -13,7 +13,6 @@
     <p:sldId id="263" r:id="rId7"/>
     <p:sldId id="257" r:id="rId8"/>
     <p:sldId id="259" r:id="rId9"/>
-    <p:sldId id="262" r:id="rId10"/>
   </p:sldIdLst>
   <p:sldSz cx="12192000" cy="6858000"/>
   <p:notesSz cx="6858000" cy="9144000"/>
@@ -123,7 +122,7 @@
 <file path=ppt/revisionInfo.xml><?xml version="1.0" encoding="utf-8"?>
 <p1510:revInfo xmlns:a="http://schemas.openxmlformats.org/drawingml/2006/main" xmlns:r="http://schemas.openxmlformats.org/officeDocument/2006/relationships" xmlns:p1510="http://schemas.microsoft.com/office/powerpoint/2015/10/main">
   <p1510:revLst>
-    <p1510:client id="{76F3F3C5-C065-4337-9213-454AADB02544}" v="248" dt="2021-11-01T22:24:49.063"/>
+    <p1510:client id="{21327920-D34F-430C-817D-58B3F73ADF4B}" v="27" dt="2021-11-08T10:27:22.401"/>
   </p1510:revLst>
 </p1510:revInfo>
 </file>
@@ -2663,6 +2662,420 @@
             <ac:picMk id="19" creationId="{6EF6DB4B-DFE4-4F19-AC40-5B6D5B1DC666}"/>
           </ac:picMkLst>
         </pc:picChg>
+      </pc:sldChg>
+    </pc:docChg>
+  </pc:docChgLst>
+  <pc:docChgLst>
+    <pc:chgData name="Tristan Querton" userId="5e662bd8dc5173d5" providerId="LiveId" clId="{21327920-D34F-430C-817D-58B3F73ADF4B}"/>
+    <pc:docChg chg="delSld modSld">
+      <pc:chgData name="Tristan Querton" userId="5e662bd8dc5173d5" providerId="LiveId" clId="{21327920-D34F-430C-817D-58B3F73ADF4B}" dt="2021-11-08T10:27:34.119" v="88" actId="47"/>
+      <pc:docMkLst>
+        <pc:docMk/>
+      </pc:docMkLst>
+      <pc:sldChg chg="addSp delSp modSp mod">
+        <pc:chgData name="Tristan Querton" userId="5e662bd8dc5173d5" providerId="LiveId" clId="{21327920-D34F-430C-817D-58B3F73ADF4B}" dt="2021-11-08T10:26:42.764" v="68" actId="164"/>
+        <pc:sldMkLst>
+          <pc:docMk/>
+          <pc:sldMk cId="3256424680" sldId="257"/>
+        </pc:sldMkLst>
+        <pc:spChg chg="mod">
+          <ac:chgData name="Tristan Querton" userId="5e662bd8dc5173d5" providerId="LiveId" clId="{21327920-D34F-430C-817D-58B3F73ADF4B}" dt="2021-11-08T10:25:48.324" v="62" actId="1076"/>
+          <ac:spMkLst>
+            <pc:docMk/>
+            <pc:sldMk cId="3256424680" sldId="257"/>
+            <ac:spMk id="10" creationId="{4C8FAA2A-EFD6-4659-8CA7-5D16032C4B5E}"/>
+          </ac:spMkLst>
+        </pc:spChg>
+        <pc:spChg chg="add mod ord">
+          <ac:chgData name="Tristan Querton" userId="5e662bd8dc5173d5" providerId="LiveId" clId="{21327920-D34F-430C-817D-58B3F73ADF4B}" dt="2021-11-08T10:26:33.610" v="67" actId="164"/>
+          <ac:spMkLst>
+            <pc:docMk/>
+            <pc:sldMk cId="3256424680" sldId="257"/>
+            <ac:spMk id="33" creationId="{1CB44CE9-99E5-4022-874C-70F239822459}"/>
+          </ac:spMkLst>
+        </pc:spChg>
+        <pc:spChg chg="mod">
+          <ac:chgData name="Tristan Querton" userId="5e662bd8dc5173d5" providerId="LiveId" clId="{21327920-D34F-430C-817D-58B3F73ADF4B}" dt="2021-11-08T10:24:16.442" v="40"/>
+          <ac:spMkLst>
+            <pc:docMk/>
+            <pc:sldMk cId="3256424680" sldId="257"/>
+            <ac:spMk id="37" creationId="{3171B9DC-437F-47A1-9687-D230CF7653F1}"/>
+          </ac:spMkLst>
+        </pc:spChg>
+        <pc:spChg chg="mod">
+          <ac:chgData name="Tristan Querton" userId="5e662bd8dc5173d5" providerId="LiveId" clId="{21327920-D34F-430C-817D-58B3F73ADF4B}" dt="2021-11-08T10:24:16.442" v="40"/>
+          <ac:spMkLst>
+            <pc:docMk/>
+            <pc:sldMk cId="3256424680" sldId="257"/>
+            <ac:spMk id="38" creationId="{EAB4A10B-DB58-4567-817D-C3692C1681DC}"/>
+          </ac:spMkLst>
+        </pc:spChg>
+        <pc:spChg chg="mod">
+          <ac:chgData name="Tristan Querton" userId="5e662bd8dc5173d5" providerId="LiveId" clId="{21327920-D34F-430C-817D-58B3F73ADF4B}" dt="2021-11-08T10:24:22.044" v="42"/>
+          <ac:spMkLst>
+            <pc:docMk/>
+            <pc:sldMk cId="3256424680" sldId="257"/>
+            <ac:spMk id="42" creationId="{6FAF9835-DC82-4AA2-A5A0-C5D086FD8F4D}"/>
+          </ac:spMkLst>
+        </pc:spChg>
+        <pc:spChg chg="mod">
+          <ac:chgData name="Tristan Querton" userId="5e662bd8dc5173d5" providerId="LiveId" clId="{21327920-D34F-430C-817D-58B3F73ADF4B}" dt="2021-11-08T10:24:22.044" v="42"/>
+          <ac:spMkLst>
+            <pc:docMk/>
+            <pc:sldMk cId="3256424680" sldId="257"/>
+            <ac:spMk id="43" creationId="{940D1C31-A851-4C53-ADCF-5266880F3C36}"/>
+          </ac:spMkLst>
+        </pc:spChg>
+        <pc:spChg chg="add mod ord">
+          <ac:chgData name="Tristan Querton" userId="5e662bd8dc5173d5" providerId="LiveId" clId="{21327920-D34F-430C-817D-58B3F73ADF4B}" dt="2021-11-08T10:26:24.452" v="66" actId="164"/>
+          <ac:spMkLst>
+            <pc:docMk/>
+            <pc:sldMk cId="3256424680" sldId="257"/>
+            <ac:spMk id="44" creationId="{BBE9E853-392A-49F2-8A6C-43607B67CC94}"/>
+          </ac:spMkLst>
+        </pc:spChg>
+        <pc:spChg chg="add mod ord">
+          <ac:chgData name="Tristan Querton" userId="5e662bd8dc5173d5" providerId="LiveId" clId="{21327920-D34F-430C-817D-58B3F73ADF4B}" dt="2021-11-08T10:25:56.843" v="63" actId="164"/>
+          <ac:spMkLst>
+            <pc:docMk/>
+            <pc:sldMk cId="3256424680" sldId="257"/>
+            <ac:spMk id="45" creationId="{B7BE64DF-7D91-46DB-96B5-9689BD1C5CB6}"/>
+          </ac:spMkLst>
+        </pc:spChg>
+        <pc:spChg chg="add mod ord">
+          <ac:chgData name="Tristan Querton" userId="5e662bd8dc5173d5" providerId="LiveId" clId="{21327920-D34F-430C-817D-58B3F73ADF4B}" dt="2021-11-08T10:26:42.764" v="68" actId="164"/>
+          <ac:spMkLst>
+            <pc:docMk/>
+            <pc:sldMk cId="3256424680" sldId="257"/>
+            <ac:spMk id="46" creationId="{CDBD5ABC-A4B6-42D7-8CCD-BE54C2051767}"/>
+          </ac:spMkLst>
+        </pc:spChg>
+        <pc:spChg chg="add mod ord">
+          <ac:chgData name="Tristan Querton" userId="5e662bd8dc5173d5" providerId="LiveId" clId="{21327920-D34F-430C-817D-58B3F73ADF4B}" dt="2021-11-08T10:26:10.587" v="65" actId="164"/>
+          <ac:spMkLst>
+            <pc:docMk/>
+            <pc:sldMk cId="3256424680" sldId="257"/>
+            <ac:spMk id="47" creationId="{BA94A7CB-6DBD-49AE-9AC1-4E1B9BB0007D}"/>
+          </ac:spMkLst>
+        </pc:spChg>
+        <pc:spChg chg="add mod ord">
+          <ac:chgData name="Tristan Querton" userId="5e662bd8dc5173d5" providerId="LiveId" clId="{21327920-D34F-430C-817D-58B3F73ADF4B}" dt="2021-11-08T10:26:03.480" v="64" actId="164"/>
+          <ac:spMkLst>
+            <pc:docMk/>
+            <pc:sldMk cId="3256424680" sldId="257"/>
+            <ac:spMk id="48" creationId="{15AEFDE3-DD42-473D-A5A1-43A07BD95446}"/>
+          </ac:spMkLst>
+        </pc:spChg>
+        <pc:grpChg chg="add mod">
+          <ac:chgData name="Tristan Querton" userId="5e662bd8dc5173d5" providerId="LiveId" clId="{21327920-D34F-430C-817D-58B3F73ADF4B}" dt="2021-11-08T10:25:56.843" v="63" actId="164"/>
+          <ac:grpSpMkLst>
+            <pc:docMk/>
+            <pc:sldMk cId="3256424680" sldId="257"/>
+            <ac:grpSpMk id="2" creationId="{1FD4E10B-96FD-45A3-8462-E365008F1F4D}"/>
+          </ac:grpSpMkLst>
+        </pc:grpChg>
+        <pc:grpChg chg="add mod">
+          <ac:chgData name="Tristan Querton" userId="5e662bd8dc5173d5" providerId="LiveId" clId="{21327920-D34F-430C-817D-58B3F73ADF4B}" dt="2021-11-08T10:26:03.480" v="64" actId="164"/>
+          <ac:grpSpMkLst>
+            <pc:docMk/>
+            <pc:sldMk cId="3256424680" sldId="257"/>
+            <ac:grpSpMk id="3" creationId="{4ED9068B-F457-4EE3-AADA-95E1A50B9C14}"/>
+          </ac:grpSpMkLst>
+        </pc:grpChg>
+        <pc:grpChg chg="mod">
+          <ac:chgData name="Tristan Querton" userId="5e662bd8dc5173d5" providerId="LiveId" clId="{21327920-D34F-430C-817D-58B3F73ADF4B}" dt="2021-11-08T10:26:33.610" v="67" actId="164"/>
+          <ac:grpSpMkLst>
+            <pc:docMk/>
+            <pc:sldMk cId="3256424680" sldId="257"/>
+            <ac:grpSpMk id="8" creationId="{1DD050E9-8744-40BF-A96A-98D33D703B9A}"/>
+          </ac:grpSpMkLst>
+        </pc:grpChg>
+        <pc:grpChg chg="mod">
+          <ac:chgData name="Tristan Querton" userId="5e662bd8dc5173d5" providerId="LiveId" clId="{21327920-D34F-430C-817D-58B3F73ADF4B}" dt="2021-11-08T10:26:24.452" v="66" actId="164"/>
+          <ac:grpSpMkLst>
+            <pc:docMk/>
+            <pc:sldMk cId="3256424680" sldId="257"/>
+            <ac:grpSpMk id="9" creationId="{2E7DD8EC-948C-4CD1-8104-DB4B1B00E07E}"/>
+          </ac:grpSpMkLst>
+        </pc:grpChg>
+        <pc:grpChg chg="mod">
+          <ac:chgData name="Tristan Querton" userId="5e662bd8dc5173d5" providerId="LiveId" clId="{21327920-D34F-430C-817D-58B3F73ADF4B}" dt="2021-11-08T10:26:10.587" v="65" actId="164"/>
+          <ac:grpSpMkLst>
+            <pc:docMk/>
+            <pc:sldMk cId="3256424680" sldId="257"/>
+            <ac:grpSpMk id="11" creationId="{F8708887-AE6A-486A-8242-6E69224AB0F1}"/>
+          </ac:grpSpMkLst>
+        </pc:grpChg>
+        <pc:grpChg chg="mod">
+          <ac:chgData name="Tristan Querton" userId="5e662bd8dc5173d5" providerId="LiveId" clId="{21327920-D34F-430C-817D-58B3F73ADF4B}" dt="2021-11-08T10:26:03.480" v="64" actId="164"/>
+          <ac:grpSpMkLst>
+            <pc:docMk/>
+            <pc:sldMk cId="3256424680" sldId="257"/>
+            <ac:grpSpMk id="12" creationId="{C80E4534-190F-4A47-90A3-24B31BE12A2C}"/>
+          </ac:grpSpMkLst>
+        </pc:grpChg>
+        <pc:grpChg chg="mod">
+          <ac:chgData name="Tristan Querton" userId="5e662bd8dc5173d5" providerId="LiveId" clId="{21327920-D34F-430C-817D-58B3F73ADF4B}" dt="2021-11-08T10:25:56.843" v="63" actId="164"/>
+          <ac:grpSpMkLst>
+            <pc:docMk/>
+            <pc:sldMk cId="3256424680" sldId="257"/>
+            <ac:grpSpMk id="13" creationId="{BAF9F672-60D7-4482-BE4F-F6924EA8BDEC}"/>
+          </ac:grpSpMkLst>
+        </pc:grpChg>
+        <pc:grpChg chg="mod">
+          <ac:chgData name="Tristan Querton" userId="5e662bd8dc5173d5" providerId="LiveId" clId="{21327920-D34F-430C-817D-58B3F73ADF4B}" dt="2021-11-08T10:26:42.764" v="68" actId="164"/>
+          <ac:grpSpMkLst>
+            <pc:docMk/>
+            <pc:sldMk cId="3256424680" sldId="257"/>
+            <ac:grpSpMk id="29" creationId="{951370C7-833B-44AF-B4B1-3745EF22135F}"/>
+          </ac:grpSpMkLst>
+        </pc:grpChg>
+        <pc:grpChg chg="add mod">
+          <ac:chgData name="Tristan Querton" userId="5e662bd8dc5173d5" providerId="LiveId" clId="{21327920-D34F-430C-817D-58B3F73ADF4B}" dt="2021-11-08T10:26:10.587" v="65" actId="164"/>
+          <ac:grpSpMkLst>
+            <pc:docMk/>
+            <pc:sldMk cId="3256424680" sldId="257"/>
+            <ac:grpSpMk id="30" creationId="{DCD3F23B-84F0-48FF-966A-2B1233AA0CE9}"/>
+          </ac:grpSpMkLst>
+        </pc:grpChg>
+        <pc:grpChg chg="add mod">
+          <ac:chgData name="Tristan Querton" userId="5e662bd8dc5173d5" providerId="LiveId" clId="{21327920-D34F-430C-817D-58B3F73ADF4B}" dt="2021-11-08T10:26:24.452" v="66" actId="164"/>
+          <ac:grpSpMkLst>
+            <pc:docMk/>
+            <pc:sldMk cId="3256424680" sldId="257"/>
+            <ac:grpSpMk id="31" creationId="{593EB6F9-E2EF-4ED0-99FE-0B8AC9EC22B8}"/>
+          </ac:grpSpMkLst>
+        </pc:grpChg>
+        <pc:grpChg chg="add mod">
+          <ac:chgData name="Tristan Querton" userId="5e662bd8dc5173d5" providerId="LiveId" clId="{21327920-D34F-430C-817D-58B3F73ADF4B}" dt="2021-11-08T10:26:33.610" v="67" actId="164"/>
+          <ac:grpSpMkLst>
+            <pc:docMk/>
+            <pc:sldMk cId="3256424680" sldId="257"/>
+            <ac:grpSpMk id="32" creationId="{631D38F3-CF1A-4D67-8581-35998AFCFD42}"/>
+          </ac:grpSpMkLst>
+        </pc:grpChg>
+        <pc:grpChg chg="add del mod">
+          <ac:chgData name="Tristan Querton" userId="5e662bd8dc5173d5" providerId="LiveId" clId="{21327920-D34F-430C-817D-58B3F73ADF4B}" dt="2021-11-08T10:24:17.569" v="41"/>
+          <ac:grpSpMkLst>
+            <pc:docMk/>
+            <pc:sldMk cId="3256424680" sldId="257"/>
+            <ac:grpSpMk id="34" creationId="{E9ADA458-C283-4659-BF24-C74C0FE46756}"/>
+          </ac:grpSpMkLst>
+        </pc:grpChg>
+        <pc:grpChg chg="mod">
+          <ac:chgData name="Tristan Querton" userId="5e662bd8dc5173d5" providerId="LiveId" clId="{21327920-D34F-430C-817D-58B3F73ADF4B}" dt="2021-11-08T10:24:16.442" v="40"/>
+          <ac:grpSpMkLst>
+            <pc:docMk/>
+            <pc:sldMk cId="3256424680" sldId="257"/>
+            <ac:grpSpMk id="35" creationId="{7680D719-B1E6-4EDD-92C7-6D63A2AF472C}"/>
+          </ac:grpSpMkLst>
+        </pc:grpChg>
+        <pc:grpChg chg="add del mod">
+          <ac:chgData name="Tristan Querton" userId="5e662bd8dc5173d5" providerId="LiveId" clId="{21327920-D34F-430C-817D-58B3F73ADF4B}" dt="2021-11-08T10:24:23.154" v="43"/>
+          <ac:grpSpMkLst>
+            <pc:docMk/>
+            <pc:sldMk cId="3256424680" sldId="257"/>
+            <ac:grpSpMk id="39" creationId="{14DA6F80-7DD9-4027-B61F-64A6E507E20F}"/>
+          </ac:grpSpMkLst>
+        </pc:grpChg>
+        <pc:grpChg chg="mod">
+          <ac:chgData name="Tristan Querton" userId="5e662bd8dc5173d5" providerId="LiveId" clId="{21327920-D34F-430C-817D-58B3F73ADF4B}" dt="2021-11-08T10:24:22.044" v="42"/>
+          <ac:grpSpMkLst>
+            <pc:docMk/>
+            <pc:sldMk cId="3256424680" sldId="257"/>
+            <ac:grpSpMk id="40" creationId="{689B39BE-71E5-4AB0-B3C6-FAB6A45151F5}"/>
+          </ac:grpSpMkLst>
+        </pc:grpChg>
+        <pc:grpChg chg="add mod">
+          <ac:chgData name="Tristan Querton" userId="5e662bd8dc5173d5" providerId="LiveId" clId="{21327920-D34F-430C-817D-58B3F73ADF4B}" dt="2021-11-08T10:26:42.764" v="68" actId="164"/>
+          <ac:grpSpMkLst>
+            <pc:docMk/>
+            <pc:sldMk cId="3256424680" sldId="257"/>
+            <ac:grpSpMk id="49" creationId="{E3FBD8FF-A66E-401B-B265-1963196CF4AC}"/>
+          </ac:grpSpMkLst>
+        </pc:grpChg>
+        <pc:picChg chg="mod">
+          <ac:chgData name="Tristan Querton" userId="5e662bd8dc5173d5" providerId="LiveId" clId="{21327920-D34F-430C-817D-58B3F73ADF4B}" dt="2021-11-08T10:24:16.442" v="40"/>
+          <ac:picMkLst>
+            <pc:docMk/>
+            <pc:sldMk cId="3256424680" sldId="257"/>
+            <ac:picMk id="36" creationId="{6C64E79B-24CF-4137-B62A-0B87C3099388}"/>
+          </ac:picMkLst>
+        </pc:picChg>
+        <pc:picChg chg="mod">
+          <ac:chgData name="Tristan Querton" userId="5e662bd8dc5173d5" providerId="LiveId" clId="{21327920-D34F-430C-817D-58B3F73ADF4B}" dt="2021-11-08T10:24:22.044" v="42"/>
+          <ac:picMkLst>
+            <pc:docMk/>
+            <pc:sldMk cId="3256424680" sldId="257"/>
+            <ac:picMk id="41" creationId="{96F7DF0B-3F4F-418C-BFE6-6076A6AD4339}"/>
+          </ac:picMkLst>
+        </pc:picChg>
+      </pc:sldChg>
+      <pc:sldChg chg="addSp modSp mod">
+        <pc:chgData name="Tristan Querton" userId="5e662bd8dc5173d5" providerId="LiveId" clId="{21327920-D34F-430C-817D-58B3F73ADF4B}" dt="2021-11-08T10:27:22.401" v="74" actId="164"/>
+        <pc:sldMkLst>
+          <pc:docMk/>
+          <pc:sldMk cId="1607036625" sldId="259"/>
+        </pc:sldMkLst>
+        <pc:spChg chg="add mod ord">
+          <ac:chgData name="Tristan Querton" userId="5e662bd8dc5173d5" providerId="LiveId" clId="{21327920-D34F-430C-817D-58B3F73ADF4B}" dt="2021-11-08T10:27:22.401" v="74" actId="164"/>
+          <ac:spMkLst>
+            <pc:docMk/>
+            <pc:sldMk cId="1607036625" sldId="259"/>
+            <ac:spMk id="2" creationId="{D1241477-00AE-4FC4-98D6-149C9316AEE4}"/>
+          </ac:spMkLst>
+        </pc:spChg>
+        <pc:spChg chg="add mod ord">
+          <ac:chgData name="Tristan Querton" userId="5e662bd8dc5173d5" providerId="LiveId" clId="{21327920-D34F-430C-817D-58B3F73ADF4B}" dt="2021-11-08T10:27:15.699" v="73" actId="164"/>
+          <ac:spMkLst>
+            <pc:docMk/>
+            <pc:sldMk cId="1607036625" sldId="259"/>
+            <ac:spMk id="48" creationId="{D2581EFE-A528-4EB2-BBDD-3567F188A1FA}"/>
+          </ac:spMkLst>
+        </pc:spChg>
+        <pc:spChg chg="add mod ord">
+          <ac:chgData name="Tristan Querton" userId="5e662bd8dc5173d5" providerId="LiveId" clId="{21327920-D34F-430C-817D-58B3F73ADF4B}" dt="2021-11-08T10:27:09.117" v="72" actId="164"/>
+          <ac:spMkLst>
+            <pc:docMk/>
+            <pc:sldMk cId="1607036625" sldId="259"/>
+            <ac:spMk id="49" creationId="{D9BC97DC-C869-4274-9606-EBA3042A4BC5}"/>
+          </ac:spMkLst>
+        </pc:spChg>
+        <pc:spChg chg="add mod ord">
+          <ac:chgData name="Tristan Querton" userId="5e662bd8dc5173d5" providerId="LiveId" clId="{21327920-D34F-430C-817D-58B3F73ADF4B}" dt="2021-11-08T10:26:57.688" v="70" actId="164"/>
+          <ac:spMkLst>
+            <pc:docMk/>
+            <pc:sldMk cId="1607036625" sldId="259"/>
+            <ac:spMk id="50" creationId="{7902E6B5-5310-48C5-8F99-1632AC9515FE}"/>
+          </ac:spMkLst>
+        </pc:spChg>
+        <pc:spChg chg="add mod ord">
+          <ac:chgData name="Tristan Querton" userId="5e662bd8dc5173d5" providerId="LiveId" clId="{21327920-D34F-430C-817D-58B3F73ADF4B}" dt="2021-11-08T10:26:52.491" v="69" actId="164"/>
+          <ac:spMkLst>
+            <pc:docMk/>
+            <pc:sldMk cId="1607036625" sldId="259"/>
+            <ac:spMk id="51" creationId="{6AF743D2-8C42-4029-A855-5BAEA5AE919D}"/>
+          </ac:spMkLst>
+        </pc:spChg>
+        <pc:spChg chg="add mod ord">
+          <ac:chgData name="Tristan Querton" userId="5e662bd8dc5173d5" providerId="LiveId" clId="{21327920-D34F-430C-817D-58B3F73ADF4B}" dt="2021-11-08T10:27:02.503" v="71" actId="164"/>
+          <ac:spMkLst>
+            <pc:docMk/>
+            <pc:sldMk cId="1607036625" sldId="259"/>
+            <ac:spMk id="52" creationId="{5FD21BC0-90DD-4E45-8A29-A7007F106088}"/>
+          </ac:spMkLst>
+        </pc:spChg>
+        <pc:grpChg chg="add mod">
+          <ac:chgData name="Tristan Querton" userId="5e662bd8dc5173d5" providerId="LiveId" clId="{21327920-D34F-430C-817D-58B3F73ADF4B}" dt="2021-11-08T10:26:52.491" v="69" actId="164"/>
+          <ac:grpSpMkLst>
+            <pc:docMk/>
+            <pc:sldMk cId="1607036625" sldId="259"/>
+            <ac:grpSpMk id="3" creationId="{2CF7A541-1269-4073-B50D-F6B274C4CA23}"/>
+          </ac:grpSpMkLst>
+        </pc:grpChg>
+        <pc:grpChg chg="add mod">
+          <ac:chgData name="Tristan Querton" userId="5e662bd8dc5173d5" providerId="LiveId" clId="{21327920-D34F-430C-817D-58B3F73ADF4B}" dt="2021-11-08T10:26:57.688" v="70" actId="164"/>
+          <ac:grpSpMkLst>
+            <pc:docMk/>
+            <pc:sldMk cId="1607036625" sldId="259"/>
+            <ac:grpSpMk id="5" creationId="{D9A7CAF1-2D3A-4B4E-9C97-884CE57DC785}"/>
+          </ac:grpSpMkLst>
+        </pc:grpChg>
+        <pc:grpChg chg="mod">
+          <ac:chgData name="Tristan Querton" userId="5e662bd8dc5173d5" providerId="LiveId" clId="{21327920-D34F-430C-817D-58B3F73ADF4B}" dt="2021-11-08T10:27:22.401" v="74" actId="164"/>
+          <ac:grpSpMkLst>
+            <pc:docMk/>
+            <pc:sldMk cId="1607036625" sldId="259"/>
+            <ac:grpSpMk id="6" creationId="{8119F177-97C8-4E57-B387-97E06F45B93C}"/>
+          </ac:grpSpMkLst>
+        </pc:grpChg>
+        <pc:grpChg chg="mod">
+          <ac:chgData name="Tristan Querton" userId="5e662bd8dc5173d5" providerId="LiveId" clId="{21327920-D34F-430C-817D-58B3F73ADF4B}" dt="2021-11-08T10:27:15.699" v="73" actId="164"/>
+          <ac:grpSpMkLst>
+            <pc:docMk/>
+            <pc:sldMk cId="1607036625" sldId="259"/>
+            <ac:grpSpMk id="7" creationId="{9F4516A6-1801-4DED-8EC3-78CF59EC2E9A}"/>
+          </ac:grpSpMkLst>
+        </pc:grpChg>
+        <pc:grpChg chg="mod">
+          <ac:chgData name="Tristan Querton" userId="5e662bd8dc5173d5" providerId="LiveId" clId="{21327920-D34F-430C-817D-58B3F73ADF4B}" dt="2021-11-08T10:27:09.117" v="72" actId="164"/>
+          <ac:grpSpMkLst>
+            <pc:docMk/>
+            <pc:sldMk cId="1607036625" sldId="259"/>
+            <ac:grpSpMk id="8" creationId="{E20B2545-0F4C-4700-9F05-69D1D7B27CB6}"/>
+          </ac:grpSpMkLst>
+        </pc:grpChg>
+        <pc:grpChg chg="mod">
+          <ac:chgData name="Tristan Querton" userId="5e662bd8dc5173d5" providerId="LiveId" clId="{21327920-D34F-430C-817D-58B3F73ADF4B}" dt="2021-11-08T10:27:02.503" v="71" actId="164"/>
+          <ac:grpSpMkLst>
+            <pc:docMk/>
+            <pc:sldMk cId="1607036625" sldId="259"/>
+            <ac:grpSpMk id="9" creationId="{6F330687-F36C-4A1D-9E78-C01C7587DBA2}"/>
+          </ac:grpSpMkLst>
+        </pc:grpChg>
+        <pc:grpChg chg="mod">
+          <ac:chgData name="Tristan Querton" userId="5e662bd8dc5173d5" providerId="LiveId" clId="{21327920-D34F-430C-817D-58B3F73ADF4B}" dt="2021-11-08T10:26:57.688" v="70" actId="164"/>
+          <ac:grpSpMkLst>
+            <pc:docMk/>
+            <pc:sldMk cId="1607036625" sldId="259"/>
+            <ac:grpSpMk id="10" creationId="{2FCC740B-9FA6-4782-9E09-A453C2DF4281}"/>
+          </ac:grpSpMkLst>
+        </pc:grpChg>
+        <pc:grpChg chg="mod">
+          <ac:chgData name="Tristan Querton" userId="5e662bd8dc5173d5" providerId="LiveId" clId="{21327920-D34F-430C-817D-58B3F73ADF4B}" dt="2021-11-08T10:26:52.491" v="69" actId="164"/>
+          <ac:grpSpMkLst>
+            <pc:docMk/>
+            <pc:sldMk cId="1607036625" sldId="259"/>
+            <ac:grpSpMk id="11" creationId="{6DDD52BD-A565-474A-AC37-0121186A9C71}"/>
+          </ac:grpSpMkLst>
+        </pc:grpChg>
+        <pc:grpChg chg="add mod">
+          <ac:chgData name="Tristan Querton" userId="5e662bd8dc5173d5" providerId="LiveId" clId="{21327920-D34F-430C-817D-58B3F73ADF4B}" dt="2021-11-08T10:27:02.503" v="71" actId="164"/>
+          <ac:grpSpMkLst>
+            <pc:docMk/>
+            <pc:sldMk cId="1607036625" sldId="259"/>
+            <ac:grpSpMk id="15" creationId="{5B93BA78-0EB6-49F0-A0BF-3C055A5C744F}"/>
+          </ac:grpSpMkLst>
+        </pc:grpChg>
+        <pc:grpChg chg="add mod">
+          <ac:chgData name="Tristan Querton" userId="5e662bd8dc5173d5" providerId="LiveId" clId="{21327920-D34F-430C-817D-58B3F73ADF4B}" dt="2021-11-08T10:27:09.117" v="72" actId="164"/>
+          <ac:grpSpMkLst>
+            <pc:docMk/>
+            <pc:sldMk cId="1607036625" sldId="259"/>
+            <ac:grpSpMk id="16" creationId="{B74425E8-A2A6-4519-8C07-F556E04597A9}"/>
+          </ac:grpSpMkLst>
+        </pc:grpChg>
+        <pc:grpChg chg="add mod">
+          <ac:chgData name="Tristan Querton" userId="5e662bd8dc5173d5" providerId="LiveId" clId="{21327920-D34F-430C-817D-58B3F73ADF4B}" dt="2021-11-08T10:27:15.699" v="73" actId="164"/>
+          <ac:grpSpMkLst>
+            <pc:docMk/>
+            <pc:sldMk cId="1607036625" sldId="259"/>
+            <ac:grpSpMk id="17" creationId="{A835F14D-B89A-4501-8C1E-6F4342D6AFB0}"/>
+          </ac:grpSpMkLst>
+        </pc:grpChg>
+        <pc:grpChg chg="add mod">
+          <ac:chgData name="Tristan Querton" userId="5e662bd8dc5173d5" providerId="LiveId" clId="{21327920-D34F-430C-817D-58B3F73ADF4B}" dt="2021-11-08T10:27:22.401" v="74" actId="164"/>
+          <ac:grpSpMkLst>
+            <pc:docMk/>
+            <pc:sldMk cId="1607036625" sldId="259"/>
+            <ac:grpSpMk id="18" creationId="{0E56DF8E-B10C-49C7-A514-7A6635E7B51A}"/>
+          </ac:grpSpMkLst>
+        </pc:grpChg>
+      </pc:sldChg>
+      <pc:sldChg chg="modSp del mod">
+        <pc:chgData name="Tristan Querton" userId="5e662bd8dc5173d5" providerId="LiveId" clId="{21327920-D34F-430C-817D-58B3F73ADF4B}" dt="2021-11-08T10:27:34.119" v="88" actId="47"/>
+        <pc:sldMkLst>
+          <pc:docMk/>
+          <pc:sldMk cId="4064733446" sldId="262"/>
+        </pc:sldMkLst>
+        <pc:spChg chg="mod">
+          <ac:chgData name="Tristan Querton" userId="5e662bd8dc5173d5" providerId="LiveId" clId="{21327920-D34F-430C-817D-58B3F73ADF4B}" dt="2021-11-08T10:27:32.299" v="87" actId="5793"/>
+          <ac:spMkLst>
+            <pc:docMk/>
+            <pc:sldMk cId="4064733446" sldId="262"/>
+            <ac:spMk id="3" creationId="{0E70394A-35F6-4242-BD2F-EB5FF26F1BE2}"/>
+          </ac:spMkLst>
+        </pc:spChg>
       </pc:sldChg>
     </pc:docChg>
   </pc:docChgLst>
@@ -2816,7 +3229,7 @@
           <a:p>
             <a:fld id="{A2544AB6-E9A9-4468-9DA0-80FC342AAA74}" type="datetimeFigureOut">
               <a:rPr lang="fr-FR" smtClean="0"/>
-              <a:t>01/11/2021</a:t>
+              <a:t>08/11/2021</a:t>
             </a:fld>
             <a:endParaRPr lang="fr-FR"/>
           </a:p>
@@ -3014,7 +3427,7 @@
           <a:p>
             <a:fld id="{A2544AB6-E9A9-4468-9DA0-80FC342AAA74}" type="datetimeFigureOut">
               <a:rPr lang="fr-FR" smtClean="0"/>
-              <a:t>01/11/2021</a:t>
+              <a:t>08/11/2021</a:t>
             </a:fld>
             <a:endParaRPr lang="fr-FR"/>
           </a:p>
@@ -3222,7 +3635,7 @@
           <a:p>
             <a:fld id="{A2544AB6-E9A9-4468-9DA0-80FC342AAA74}" type="datetimeFigureOut">
               <a:rPr lang="fr-FR" smtClean="0"/>
-              <a:t>01/11/2021</a:t>
+              <a:t>08/11/2021</a:t>
             </a:fld>
             <a:endParaRPr lang="fr-FR"/>
           </a:p>
@@ -3420,7 +3833,7 @@
           <a:p>
             <a:fld id="{A2544AB6-E9A9-4468-9DA0-80FC342AAA74}" type="datetimeFigureOut">
               <a:rPr lang="fr-FR" smtClean="0"/>
-              <a:t>01/11/2021</a:t>
+              <a:t>08/11/2021</a:t>
             </a:fld>
             <a:endParaRPr lang="fr-FR"/>
           </a:p>
@@ -3695,7 +4108,7 @@
           <a:p>
             <a:fld id="{A2544AB6-E9A9-4468-9DA0-80FC342AAA74}" type="datetimeFigureOut">
               <a:rPr lang="fr-FR" smtClean="0"/>
-              <a:t>01/11/2021</a:t>
+              <a:t>08/11/2021</a:t>
             </a:fld>
             <a:endParaRPr lang="fr-FR"/>
           </a:p>
@@ -3960,7 +4373,7 @@
           <a:p>
             <a:fld id="{A2544AB6-E9A9-4468-9DA0-80FC342AAA74}" type="datetimeFigureOut">
               <a:rPr lang="fr-FR" smtClean="0"/>
-              <a:t>01/11/2021</a:t>
+              <a:t>08/11/2021</a:t>
             </a:fld>
             <a:endParaRPr lang="fr-FR"/>
           </a:p>
@@ -4372,7 +4785,7 @@
           <a:p>
             <a:fld id="{A2544AB6-E9A9-4468-9DA0-80FC342AAA74}" type="datetimeFigureOut">
               <a:rPr lang="fr-FR" smtClean="0"/>
-              <a:t>01/11/2021</a:t>
+              <a:t>08/11/2021</a:t>
             </a:fld>
             <a:endParaRPr lang="fr-FR"/>
           </a:p>
@@ -4513,7 +4926,7 @@
           <a:p>
             <a:fld id="{A2544AB6-E9A9-4468-9DA0-80FC342AAA74}" type="datetimeFigureOut">
               <a:rPr lang="fr-FR" smtClean="0"/>
-              <a:t>01/11/2021</a:t>
+              <a:t>08/11/2021</a:t>
             </a:fld>
             <a:endParaRPr lang="fr-FR"/>
           </a:p>
@@ -4626,7 +5039,7 @@
           <a:p>
             <a:fld id="{A2544AB6-E9A9-4468-9DA0-80FC342AAA74}" type="datetimeFigureOut">
               <a:rPr lang="fr-FR" smtClean="0"/>
-              <a:t>01/11/2021</a:t>
+              <a:t>08/11/2021</a:t>
             </a:fld>
             <a:endParaRPr lang="fr-FR"/>
           </a:p>
@@ -4937,7 +5350,7 @@
           <a:p>
             <a:fld id="{A2544AB6-E9A9-4468-9DA0-80FC342AAA74}" type="datetimeFigureOut">
               <a:rPr lang="fr-FR" smtClean="0"/>
-              <a:t>01/11/2021</a:t>
+              <a:t>08/11/2021</a:t>
             </a:fld>
             <a:endParaRPr lang="fr-FR"/>
           </a:p>
@@ -5225,7 +5638,7 @@
           <a:p>
             <a:fld id="{A2544AB6-E9A9-4468-9DA0-80FC342AAA74}" type="datetimeFigureOut">
               <a:rPr lang="fr-FR" smtClean="0"/>
-              <a:t>01/11/2021</a:t>
+              <a:t>08/11/2021</a:t>
             </a:fld>
             <a:endParaRPr lang="fr-FR"/>
           </a:p>
@@ -5466,7 +5879,7 @@
           <a:p>
             <a:fld id="{A2544AB6-E9A9-4468-9DA0-80FC342AAA74}" type="datetimeFigureOut">
               <a:rPr lang="fr-FR" smtClean="0"/>
-              <a:t>01/11/2021</a:t>
+              <a:t>08/11/2021</a:t>
             </a:fld>
             <a:endParaRPr lang="fr-FR"/>
           </a:p>
@@ -17258,10 +17671,10 @@
       </p:grpSpPr>
       <p:grpSp>
         <p:nvGrpSpPr>
-          <p:cNvPr id="9" name="Groupe 8">
+          <p:cNvPr id="31" name="Groupe 30">
             <a:extLst>
               <a:ext uri="{FF2B5EF4-FFF2-40B4-BE49-F238E27FC236}">
-                <a16:creationId xmlns:a16="http://schemas.microsoft.com/office/drawing/2014/main" id="{2E7DD8EC-948C-4CD1-8104-DB4B1B00E07E}"/>
+                <a16:creationId xmlns:a16="http://schemas.microsoft.com/office/drawing/2014/main" id="{593EB6F9-E2EF-4ED0-99FE-0B8AC9EC22B8}"/>
               </a:ext>
             </a:extLst>
           </p:cNvPr>
@@ -17272,16 +17685,68 @@
           <a:xfrm>
             <a:off x="4461050" y="865679"/>
             <a:ext cx="3409950" cy="2782332"/>
-            <a:chOff x="4710777" y="865679"/>
+            <a:chOff x="4461050" y="865679"/>
             <a:chExt cx="3409950" cy="2782332"/>
           </a:xfrm>
         </p:grpSpPr>
+        <p:sp>
+          <p:nvSpPr>
+            <p:cNvPr id="44" name="Rectangle 43">
+              <a:extLst>
+                <a:ext uri="{FF2B5EF4-FFF2-40B4-BE49-F238E27FC236}">
+                  <a16:creationId xmlns:a16="http://schemas.microsoft.com/office/drawing/2014/main" id="{BBE9E853-392A-49F2-8A6C-43607B67CC94}"/>
+                </a:ext>
+              </a:extLst>
+            </p:cNvPr>
+            <p:cNvSpPr/>
+            <p:nvPr/>
+          </p:nvSpPr>
+          <p:spPr>
+            <a:xfrm>
+              <a:off x="4461050" y="865679"/>
+              <a:ext cx="3409950" cy="2782332"/>
+            </a:xfrm>
+            <a:prstGeom prst="rect">
+              <a:avLst/>
+            </a:prstGeom>
+            <a:solidFill>
+              <a:srgbClr val="FF00FF"/>
+            </a:solidFill>
+            <a:ln>
+              <a:noFill/>
+            </a:ln>
+          </p:spPr>
+          <p:style>
+            <a:lnRef idx="2">
+              <a:schemeClr val="accent1">
+                <a:shade val="50000"/>
+              </a:schemeClr>
+            </a:lnRef>
+            <a:fillRef idx="1">
+              <a:schemeClr val="accent1"/>
+            </a:fillRef>
+            <a:effectRef idx="0">
+              <a:schemeClr val="accent1"/>
+            </a:effectRef>
+            <a:fontRef idx="minor">
+              <a:schemeClr val="lt1"/>
+            </a:fontRef>
+          </p:style>
+          <p:txBody>
+            <a:bodyPr rtlCol="0" anchor="ctr"/>
+            <a:lstStyle/>
+            <a:p>
+              <a:pPr algn="ctr"/>
+              <a:endParaRPr lang="fr-FR" dirty="0"/>
+            </a:p>
+          </p:txBody>
+        </p:sp>
         <p:grpSp>
           <p:nvGrpSpPr>
-            <p:cNvPr id="14" name="Groupe 13">
+            <p:cNvPr id="9" name="Groupe 8">
               <a:extLst>
                 <a:ext uri="{FF2B5EF4-FFF2-40B4-BE49-F238E27FC236}">
-                  <a16:creationId xmlns:a16="http://schemas.microsoft.com/office/drawing/2014/main" id="{EE56D8B0-D207-4D8E-B9D5-9DCFD8288FDC}"/>
+                  <a16:creationId xmlns:a16="http://schemas.microsoft.com/office/drawing/2014/main" id="{2E7DD8EC-948C-4CD1-8104-DB4B1B00E07E}"/>
                 </a:ext>
               </a:extLst>
             </p:cNvPr>
@@ -17290,153 +17755,174 @@
           </p:nvGrpSpPr>
           <p:grpSpPr>
             <a:xfrm>
-              <a:off x="4710777" y="865679"/>
+              <a:off x="4461050" y="865679"/>
               <a:ext cx="3409950" cy="2782332"/>
-              <a:chOff x="571039" y="865679"/>
+              <a:chOff x="4710777" y="865679"/>
               <a:chExt cx="3409950" cy="2782332"/>
             </a:xfrm>
           </p:grpSpPr>
-          <p:sp>
-            <p:nvSpPr>
-              <p:cNvPr id="15" name="Rectangle : coins arrondis 14">
+          <p:grpSp>
+            <p:nvGrpSpPr>
+              <p:cNvPr id="14" name="Groupe 13">
                 <a:extLst>
                   <a:ext uri="{FF2B5EF4-FFF2-40B4-BE49-F238E27FC236}">
-                    <a16:creationId xmlns:a16="http://schemas.microsoft.com/office/drawing/2014/main" id="{A38CD1AC-5B91-48E2-875A-B43B3F7B686B}"/>
+                    <a16:creationId xmlns:a16="http://schemas.microsoft.com/office/drawing/2014/main" id="{EE56D8B0-D207-4D8E-B9D5-9DCFD8288FDC}"/>
                   </a:ext>
                 </a:extLst>
               </p:cNvPr>
-              <p:cNvSpPr/>
+              <p:cNvGrpSpPr/>
               <p:nvPr/>
-            </p:nvSpPr>
-            <p:spPr>
+            </p:nvGrpSpPr>
+            <p:grpSpPr>
               <a:xfrm>
-                <a:off x="571039" y="865679"/>
+                <a:off x="4710777" y="865679"/>
                 <a:ext cx="3409950" cy="2782332"/>
+                <a:chOff x="571039" y="865679"/>
+                <a:chExt cx="3409950" cy="2782332"/>
+              </a:xfrm>
+            </p:grpSpPr>
+            <p:sp>
+              <p:nvSpPr>
+                <p:cNvPr id="15" name="Rectangle : coins arrondis 14">
+                  <a:extLst>
+                    <a:ext uri="{FF2B5EF4-FFF2-40B4-BE49-F238E27FC236}">
+                      <a16:creationId xmlns:a16="http://schemas.microsoft.com/office/drawing/2014/main" id="{A38CD1AC-5B91-48E2-875A-B43B3F7B686B}"/>
+                    </a:ext>
+                  </a:extLst>
+                </p:cNvPr>
+                <p:cNvSpPr/>
+                <p:nvPr/>
+              </p:nvSpPr>
+              <p:spPr>
+                <a:xfrm>
+                  <a:off x="571039" y="865679"/>
+                  <a:ext cx="3409950" cy="2782332"/>
+                </a:xfrm>
+                <a:prstGeom prst="roundRect">
+                  <a:avLst/>
+                </a:prstGeom>
+                <a:solidFill>
+                  <a:srgbClr val="C00000"/>
+                </a:solidFill>
+                <a:ln>
+                  <a:noFill/>
+                </a:ln>
+              </p:spPr>
+              <p:style>
+                <a:lnRef idx="2">
+                  <a:schemeClr val="accent1">
+                    <a:shade val="50000"/>
+                  </a:schemeClr>
+                </a:lnRef>
+                <a:fillRef idx="1">
+                  <a:schemeClr val="accent1"/>
+                </a:fillRef>
+                <a:effectRef idx="0">
+                  <a:schemeClr val="accent1"/>
+                </a:effectRef>
+                <a:fontRef idx="minor">
+                  <a:schemeClr val="lt1"/>
+                </a:fontRef>
+              </p:style>
+              <p:txBody>
+                <a:bodyPr rtlCol="0" anchor="ctr"/>
+                <a:lstStyle/>
+                <a:p>
+                  <a:pPr algn="ctr"/>
+                  <a:endParaRPr lang="fr-FR" dirty="0"/>
+                </a:p>
+              </p:txBody>
+            </p:sp>
+            <p:sp>
+              <p:nvSpPr>
+                <p:cNvPr id="16" name="ZoneTexte 15">
+                  <a:extLst>
+                    <a:ext uri="{FF2B5EF4-FFF2-40B4-BE49-F238E27FC236}">
+                      <a16:creationId xmlns:a16="http://schemas.microsoft.com/office/drawing/2014/main" id="{63B3CC8C-A6DB-409D-A799-FE3106A9F76B}"/>
+                    </a:ext>
+                  </a:extLst>
+                </p:cNvPr>
+                <p:cNvSpPr txBox="1"/>
+                <p:nvPr/>
+              </p:nvSpPr>
+              <p:spPr>
+                <a:xfrm>
+                  <a:off x="571039" y="3278679"/>
+                  <a:ext cx="3409950" cy="369332"/>
+                </a:xfrm>
+                <a:prstGeom prst="rect">
+                  <a:avLst/>
+                </a:prstGeom>
+                <a:noFill/>
+              </p:spPr>
+              <p:txBody>
+                <a:bodyPr wrap="square" rtlCol="0">
+                  <a:spAutoFit/>
+                </a:bodyPr>
+                <a:lstStyle/>
+                <a:p>
+                  <a:pPr algn="ctr"/>
+                  <a:r>
+                    <a:rPr lang="fr-FR" dirty="0"/>
+                    <a:t>ARME : porte</a:t>
+                  </a:r>
+                </a:p>
+              </p:txBody>
+            </p:sp>
+          </p:grpSp>
+          <p:pic>
+            <p:nvPicPr>
+              <p:cNvPr id="2050" name="Picture 2" descr="Paris-Metro 4-Porte De Clignancourt - YouTube">
+                <a:extLst>
+                  <a:ext uri="{FF2B5EF4-FFF2-40B4-BE49-F238E27FC236}">
+                    <a16:creationId xmlns:a16="http://schemas.microsoft.com/office/drawing/2014/main" id="{F1774642-C2DD-4B32-BF49-C9C3E347EDE9}"/>
+                  </a:ext>
+                </a:extLst>
+              </p:cNvPr>
+              <p:cNvPicPr>
+                <a:picLocks noChangeAspect="1" noChangeArrowheads="1"/>
+              </p:cNvPicPr>
+              <p:nvPr/>
+            </p:nvPicPr>
+            <p:blipFill rotWithShape="1">
+              <a:blip r:embed="rId2">
+                <a:extLst>
+                  <a:ext uri="{28A0092B-C50C-407E-A947-70E740481C1C}">
+                    <a14:useLocalDpi xmlns:a14="http://schemas.microsoft.com/office/drawing/2010/main" val="0"/>
+                  </a:ext>
+                </a:extLst>
+              </a:blip>
+              <a:srcRect t="11053" r="47041" b="22281"/>
+              <a:stretch/>
+            </p:blipFill>
+            <p:spPr bwMode="auto">
+              <a:xfrm>
+                <a:off x="4710777" y="865679"/>
+                <a:ext cx="3409950" cy="2413000"/>
               </a:xfrm>
               <a:prstGeom prst="roundRect">
                 <a:avLst/>
               </a:prstGeom>
-              <a:solidFill>
-                <a:srgbClr val="C00000"/>
-              </a:solidFill>
-              <a:ln>
-                <a:noFill/>
-              </a:ln>
-            </p:spPr>
-            <p:style>
-              <a:lnRef idx="2">
-                <a:schemeClr val="accent1">
-                  <a:shade val="50000"/>
-                </a:schemeClr>
-              </a:lnRef>
-              <a:fillRef idx="1">
-                <a:schemeClr val="accent1"/>
-              </a:fillRef>
-              <a:effectRef idx="0">
-                <a:schemeClr val="accent1"/>
-              </a:effectRef>
-              <a:fontRef idx="minor">
-                <a:schemeClr val="lt1"/>
-              </a:fontRef>
-            </p:style>
-            <p:txBody>
-              <a:bodyPr rtlCol="0" anchor="ctr"/>
-              <a:lstStyle/>
-              <a:p>
-                <a:pPr algn="ctr"/>
-                <a:endParaRPr lang="fr-FR" dirty="0"/>
-              </a:p>
-            </p:txBody>
-          </p:sp>
-          <p:sp>
-            <p:nvSpPr>
-              <p:cNvPr id="16" name="ZoneTexte 15">
-                <a:extLst>
-                  <a:ext uri="{FF2B5EF4-FFF2-40B4-BE49-F238E27FC236}">
-                    <a16:creationId xmlns:a16="http://schemas.microsoft.com/office/drawing/2014/main" id="{63B3CC8C-A6DB-409D-A799-FE3106A9F76B}"/>
-                  </a:ext>
-                </a:extLst>
-              </p:cNvPr>
-              <p:cNvSpPr txBox="1"/>
-              <p:nvPr/>
-            </p:nvSpPr>
-            <p:spPr>
-              <a:xfrm>
-                <a:off x="571039" y="3278679"/>
-                <a:ext cx="3409950" cy="369332"/>
-              </a:xfrm>
-              <a:prstGeom prst="rect">
-                <a:avLst/>
-              </a:prstGeom>
               <a:noFill/>
-            </p:spPr>
-            <p:txBody>
-              <a:bodyPr wrap="square" rtlCol="0">
-                <a:spAutoFit/>
-              </a:bodyPr>
-              <a:lstStyle/>
-              <a:p>
-                <a:pPr algn="ctr"/>
-                <a:r>
-                  <a:rPr lang="fr-FR" dirty="0"/>
-                  <a:t>ARME : porte</a:t>
-                </a:r>
-              </a:p>
-            </p:txBody>
-          </p:sp>
-        </p:grpSp>
-        <p:pic>
-          <p:nvPicPr>
-            <p:cNvPr id="2050" name="Picture 2" descr="Paris-Metro 4-Porte De Clignancourt - YouTube">
               <a:extLst>
-                <a:ext uri="{FF2B5EF4-FFF2-40B4-BE49-F238E27FC236}">
-                  <a16:creationId xmlns:a16="http://schemas.microsoft.com/office/drawing/2014/main" id="{F1774642-C2DD-4B32-BF49-C9C3E347EDE9}"/>
+                <a:ext uri="{909E8E84-426E-40DD-AFC4-6F175D3DCCD1}">
+                  <a14:hiddenFill xmlns:a14="http://schemas.microsoft.com/office/drawing/2010/main">
+                    <a:solidFill>
+                      <a:srgbClr val="FFFFFF"/>
+                    </a:solidFill>
+                  </a14:hiddenFill>
                 </a:ext>
               </a:extLst>
-            </p:cNvPr>
-            <p:cNvPicPr>
-              <a:picLocks noChangeAspect="1" noChangeArrowheads="1"/>
-            </p:cNvPicPr>
-            <p:nvPr/>
-          </p:nvPicPr>
-          <p:blipFill rotWithShape="1">
-            <a:blip r:embed="rId2">
-              <a:extLst>
-                <a:ext uri="{28A0092B-C50C-407E-A947-70E740481C1C}">
-                  <a14:useLocalDpi xmlns:a14="http://schemas.microsoft.com/office/drawing/2010/main" val="0"/>
-                </a:ext>
-              </a:extLst>
-            </a:blip>
-            <a:srcRect t="11053" r="47041" b="22281"/>
-            <a:stretch/>
-          </p:blipFill>
-          <p:spPr bwMode="auto">
-            <a:xfrm>
-              <a:off x="4710777" y="865679"/>
-              <a:ext cx="3409950" cy="2413000"/>
-            </a:xfrm>
-            <a:prstGeom prst="roundRect">
-              <a:avLst/>
-            </a:prstGeom>
-            <a:noFill/>
-            <a:extLst>
-              <a:ext uri="{909E8E84-426E-40DD-AFC4-6F175D3DCCD1}">
-                <a14:hiddenFill xmlns:a14="http://schemas.microsoft.com/office/drawing/2010/main">
-                  <a:solidFill>
-                    <a:srgbClr val="FFFFFF"/>
-                  </a:solidFill>
-                </a14:hiddenFill>
-              </a:ext>
-            </a:extLst>
-          </p:spPr>
-        </p:pic>
+            </p:spPr>
+          </p:pic>
+        </p:grpSp>
       </p:grpSp>
       <p:grpSp>
         <p:nvGrpSpPr>
-          <p:cNvPr id="11" name="Groupe 10">
+          <p:cNvPr id="30" name="Groupe 29">
             <a:extLst>
               <a:ext uri="{FF2B5EF4-FFF2-40B4-BE49-F238E27FC236}">
-                <a16:creationId xmlns:a16="http://schemas.microsoft.com/office/drawing/2014/main" id="{F8708887-AE6A-486A-8242-6E69224AB0F1}"/>
+                <a16:creationId xmlns:a16="http://schemas.microsoft.com/office/drawing/2014/main" id="{DCD3F23B-84F0-48FF-966A-2B1233AA0CE9}"/>
               </a:ext>
             </a:extLst>
           </p:cNvPr>
@@ -17451,12 +17937,64 @@
             <a:chExt cx="3409950" cy="2782332"/>
           </a:xfrm>
         </p:grpSpPr>
+        <p:sp>
+          <p:nvSpPr>
+            <p:cNvPr id="47" name="Rectangle 46">
+              <a:extLst>
+                <a:ext uri="{FF2B5EF4-FFF2-40B4-BE49-F238E27FC236}">
+                  <a16:creationId xmlns:a16="http://schemas.microsoft.com/office/drawing/2014/main" id="{BA94A7CB-6DBD-49AE-9AC1-4E1B9BB0007D}"/>
+                </a:ext>
+              </a:extLst>
+            </p:cNvPr>
+            <p:cNvSpPr/>
+            <p:nvPr/>
+          </p:nvSpPr>
+          <p:spPr>
+            <a:xfrm>
+              <a:off x="8419177" y="865679"/>
+              <a:ext cx="3409950" cy="2782332"/>
+            </a:xfrm>
+            <a:prstGeom prst="rect">
+              <a:avLst/>
+            </a:prstGeom>
+            <a:solidFill>
+              <a:srgbClr val="FF00FF"/>
+            </a:solidFill>
+            <a:ln>
+              <a:noFill/>
+            </a:ln>
+          </p:spPr>
+          <p:style>
+            <a:lnRef idx="2">
+              <a:schemeClr val="accent1">
+                <a:shade val="50000"/>
+              </a:schemeClr>
+            </a:lnRef>
+            <a:fillRef idx="1">
+              <a:schemeClr val="accent1"/>
+            </a:fillRef>
+            <a:effectRef idx="0">
+              <a:schemeClr val="accent1"/>
+            </a:effectRef>
+            <a:fontRef idx="minor">
+              <a:schemeClr val="lt1"/>
+            </a:fontRef>
+          </p:style>
+          <p:txBody>
+            <a:bodyPr rtlCol="0" anchor="ctr"/>
+            <a:lstStyle/>
+            <a:p>
+              <a:pPr algn="ctr"/>
+              <a:endParaRPr lang="fr-FR" dirty="0"/>
+            </a:p>
+          </p:txBody>
+        </p:sp>
         <p:grpSp>
           <p:nvGrpSpPr>
-            <p:cNvPr id="20" name="Groupe 19">
+            <p:cNvPr id="11" name="Groupe 10">
               <a:extLst>
                 <a:ext uri="{FF2B5EF4-FFF2-40B4-BE49-F238E27FC236}">
-                  <a16:creationId xmlns:a16="http://schemas.microsoft.com/office/drawing/2014/main" id="{F3831AAC-FE9C-4B27-A956-26C5E03B8F95}"/>
+                  <a16:creationId xmlns:a16="http://schemas.microsoft.com/office/drawing/2014/main" id="{F8708887-AE6A-486A-8242-6E69224AB0F1}"/>
                 </a:ext>
               </a:extLst>
             </p:cNvPr>
@@ -17467,151 +18005,172 @@
             <a:xfrm>
               <a:off x="8419177" y="865679"/>
               <a:ext cx="3409950" cy="2782332"/>
-              <a:chOff x="571039" y="865679"/>
+              <a:chOff x="8419177" y="865679"/>
               <a:chExt cx="3409950" cy="2782332"/>
             </a:xfrm>
           </p:grpSpPr>
-          <p:sp>
-            <p:nvSpPr>
-              <p:cNvPr id="21" name="Rectangle : coins arrondis 20">
+          <p:grpSp>
+            <p:nvGrpSpPr>
+              <p:cNvPr id="20" name="Groupe 19">
                 <a:extLst>
                   <a:ext uri="{FF2B5EF4-FFF2-40B4-BE49-F238E27FC236}">
-                    <a16:creationId xmlns:a16="http://schemas.microsoft.com/office/drawing/2014/main" id="{7741E194-5FF7-4308-AEB1-4B47F261B8E5}"/>
+                    <a16:creationId xmlns:a16="http://schemas.microsoft.com/office/drawing/2014/main" id="{F3831AAC-FE9C-4B27-A956-26C5E03B8F95}"/>
                   </a:ext>
                 </a:extLst>
               </p:cNvPr>
-              <p:cNvSpPr/>
+              <p:cNvGrpSpPr/>
               <p:nvPr/>
-            </p:nvSpPr>
-            <p:spPr>
+            </p:nvGrpSpPr>
+            <p:grpSpPr>
               <a:xfrm>
-                <a:off x="571039" y="865679"/>
+                <a:off x="8419177" y="865679"/>
                 <a:ext cx="3409950" cy="2782332"/>
+                <a:chOff x="571039" y="865679"/>
+                <a:chExt cx="3409950" cy="2782332"/>
+              </a:xfrm>
+            </p:grpSpPr>
+            <p:sp>
+              <p:nvSpPr>
+                <p:cNvPr id="21" name="Rectangle : coins arrondis 20">
+                  <a:extLst>
+                    <a:ext uri="{FF2B5EF4-FFF2-40B4-BE49-F238E27FC236}">
+                      <a16:creationId xmlns:a16="http://schemas.microsoft.com/office/drawing/2014/main" id="{7741E194-5FF7-4308-AEB1-4B47F261B8E5}"/>
+                    </a:ext>
+                  </a:extLst>
+                </p:cNvPr>
+                <p:cNvSpPr/>
+                <p:nvPr/>
+              </p:nvSpPr>
+              <p:spPr>
+                <a:xfrm>
+                  <a:off x="571039" y="865679"/>
+                  <a:ext cx="3409950" cy="2782332"/>
+                </a:xfrm>
+                <a:prstGeom prst="roundRect">
+                  <a:avLst/>
+                </a:prstGeom>
+                <a:solidFill>
+                  <a:srgbClr val="C00000"/>
+                </a:solidFill>
+                <a:ln>
+                  <a:noFill/>
+                </a:ln>
+              </p:spPr>
+              <p:style>
+                <a:lnRef idx="2">
+                  <a:schemeClr val="accent1">
+                    <a:shade val="50000"/>
+                  </a:schemeClr>
+                </a:lnRef>
+                <a:fillRef idx="1">
+                  <a:schemeClr val="accent1"/>
+                </a:fillRef>
+                <a:effectRef idx="0">
+                  <a:schemeClr val="accent1"/>
+                </a:effectRef>
+                <a:fontRef idx="minor">
+                  <a:schemeClr val="lt1"/>
+                </a:fontRef>
+              </p:style>
+              <p:txBody>
+                <a:bodyPr rtlCol="0" anchor="ctr"/>
+                <a:lstStyle/>
+                <a:p>
+                  <a:pPr algn="ctr"/>
+                  <a:endParaRPr lang="fr-FR" dirty="0"/>
+                </a:p>
+              </p:txBody>
+            </p:sp>
+            <p:sp>
+              <p:nvSpPr>
+                <p:cNvPr id="22" name="ZoneTexte 21">
+                  <a:extLst>
+                    <a:ext uri="{FF2B5EF4-FFF2-40B4-BE49-F238E27FC236}">
+                      <a16:creationId xmlns:a16="http://schemas.microsoft.com/office/drawing/2014/main" id="{41308E84-3F24-4A1E-9102-ED8DC0AEDFF9}"/>
+                    </a:ext>
+                  </a:extLst>
+                </p:cNvPr>
+                <p:cNvSpPr txBox="1"/>
+                <p:nvPr/>
+              </p:nvSpPr>
+              <p:spPr>
+                <a:xfrm>
+                  <a:off x="571039" y="3278679"/>
+                  <a:ext cx="3409950" cy="369332"/>
+                </a:xfrm>
+                <a:prstGeom prst="rect">
+                  <a:avLst/>
+                </a:prstGeom>
+                <a:noFill/>
+              </p:spPr>
+              <p:txBody>
+                <a:bodyPr wrap="square" rtlCol="0">
+                  <a:spAutoFit/>
+                </a:bodyPr>
+                <a:lstStyle/>
+                <a:p>
+                  <a:pPr algn="ctr"/>
+                  <a:r>
+                    <a:rPr lang="fr-FR" dirty="0"/>
+                    <a:t>ARME : barre</a:t>
+                  </a:r>
+                </a:p>
+              </p:txBody>
+            </p:sp>
+          </p:grpSp>
+          <p:pic>
+            <p:nvPicPr>
+              <p:cNvPr id="5" name="Picture 2" descr="Hors des lieux communs » Les couleurs du métro de Montréal">
+                <a:extLst>
+                  <a:ext uri="{FF2B5EF4-FFF2-40B4-BE49-F238E27FC236}">
+                    <a16:creationId xmlns:a16="http://schemas.microsoft.com/office/drawing/2014/main" id="{7DE48104-DDD0-4822-A326-EDCE689D9D70}"/>
+                  </a:ext>
+                </a:extLst>
+              </p:cNvPr>
+              <p:cNvPicPr>
+                <a:picLocks noChangeAspect="1" noChangeArrowheads="1"/>
+              </p:cNvPicPr>
+              <p:nvPr/>
+            </p:nvPicPr>
+            <p:blipFill rotWithShape="1">
+              <a:blip r:embed="rId3">
+                <a:extLst>
+                  <a:ext uri="{28A0092B-C50C-407E-A947-70E740481C1C}">
+                    <a14:useLocalDpi xmlns:a14="http://schemas.microsoft.com/office/drawing/2010/main" val="0"/>
+                  </a:ext>
+                </a:extLst>
+              </a:blip>
+              <a:srcRect r="22174" b="26667"/>
+              <a:stretch/>
+            </p:blipFill>
+            <p:spPr bwMode="auto">
+              <a:xfrm>
+                <a:off x="8419177" y="865679"/>
+                <a:ext cx="3409950" cy="2413000"/>
               </a:xfrm>
               <a:prstGeom prst="roundRect">
                 <a:avLst/>
               </a:prstGeom>
-              <a:solidFill>
-                <a:srgbClr val="C00000"/>
-              </a:solidFill>
-              <a:ln>
-                <a:noFill/>
-              </a:ln>
-            </p:spPr>
-            <p:style>
-              <a:lnRef idx="2">
-                <a:schemeClr val="accent1">
-                  <a:shade val="50000"/>
-                </a:schemeClr>
-              </a:lnRef>
-              <a:fillRef idx="1">
-                <a:schemeClr val="accent1"/>
-              </a:fillRef>
-              <a:effectRef idx="0">
-                <a:schemeClr val="accent1"/>
-              </a:effectRef>
-              <a:fontRef idx="minor">
-                <a:schemeClr val="lt1"/>
-              </a:fontRef>
-            </p:style>
-            <p:txBody>
-              <a:bodyPr rtlCol="0" anchor="ctr"/>
-              <a:lstStyle/>
-              <a:p>
-                <a:pPr algn="ctr"/>
-                <a:endParaRPr lang="fr-FR" dirty="0"/>
-              </a:p>
-            </p:txBody>
-          </p:sp>
-          <p:sp>
-            <p:nvSpPr>
-              <p:cNvPr id="22" name="ZoneTexte 21">
-                <a:extLst>
-                  <a:ext uri="{FF2B5EF4-FFF2-40B4-BE49-F238E27FC236}">
-                    <a16:creationId xmlns:a16="http://schemas.microsoft.com/office/drawing/2014/main" id="{41308E84-3F24-4A1E-9102-ED8DC0AEDFF9}"/>
-                  </a:ext>
-                </a:extLst>
-              </p:cNvPr>
-              <p:cNvSpPr txBox="1"/>
-              <p:nvPr/>
-            </p:nvSpPr>
-            <p:spPr>
-              <a:xfrm>
-                <a:off x="571039" y="3278679"/>
-                <a:ext cx="3409950" cy="369332"/>
-              </a:xfrm>
-              <a:prstGeom prst="rect">
-                <a:avLst/>
-              </a:prstGeom>
               <a:noFill/>
-            </p:spPr>
-            <p:txBody>
-              <a:bodyPr wrap="square" rtlCol="0">
-                <a:spAutoFit/>
-              </a:bodyPr>
-              <a:lstStyle/>
-              <a:p>
-                <a:pPr algn="ctr"/>
-                <a:r>
-                  <a:rPr lang="fr-FR" dirty="0"/>
-                  <a:t>ARME : barre</a:t>
-                </a:r>
-              </a:p>
-            </p:txBody>
-          </p:sp>
-        </p:grpSp>
-        <p:pic>
-          <p:nvPicPr>
-            <p:cNvPr id="5" name="Picture 2" descr="Hors des lieux communs » Les couleurs du métro de Montréal">
               <a:extLst>
-                <a:ext uri="{FF2B5EF4-FFF2-40B4-BE49-F238E27FC236}">
-                  <a16:creationId xmlns:a16="http://schemas.microsoft.com/office/drawing/2014/main" id="{7DE48104-DDD0-4822-A326-EDCE689D9D70}"/>
+                <a:ext uri="{909E8E84-426E-40DD-AFC4-6F175D3DCCD1}">
+                  <a14:hiddenFill xmlns:a14="http://schemas.microsoft.com/office/drawing/2010/main">
+                    <a:solidFill>
+                      <a:srgbClr val="FFFFFF"/>
+                    </a:solidFill>
+                  </a14:hiddenFill>
                 </a:ext>
               </a:extLst>
-            </p:cNvPr>
-            <p:cNvPicPr>
-              <a:picLocks noChangeAspect="1" noChangeArrowheads="1"/>
-            </p:cNvPicPr>
-            <p:nvPr/>
-          </p:nvPicPr>
-          <p:blipFill rotWithShape="1">
-            <a:blip r:embed="rId3">
-              <a:extLst>
-                <a:ext uri="{28A0092B-C50C-407E-A947-70E740481C1C}">
-                  <a14:useLocalDpi xmlns:a14="http://schemas.microsoft.com/office/drawing/2010/main" val="0"/>
-                </a:ext>
-              </a:extLst>
-            </a:blip>
-            <a:srcRect r="22174" b="26667"/>
-            <a:stretch/>
-          </p:blipFill>
-          <p:spPr bwMode="auto">
-            <a:xfrm>
-              <a:off x="8419177" y="865679"/>
-              <a:ext cx="3409950" cy="2413000"/>
-            </a:xfrm>
-            <a:prstGeom prst="roundRect">
-              <a:avLst/>
-            </a:prstGeom>
-            <a:noFill/>
-            <a:extLst>
-              <a:ext uri="{909E8E84-426E-40DD-AFC4-6F175D3DCCD1}">
-                <a14:hiddenFill xmlns:a14="http://schemas.microsoft.com/office/drawing/2010/main">
-                  <a:solidFill>
-                    <a:srgbClr val="FFFFFF"/>
-                  </a:solidFill>
-                </a14:hiddenFill>
-              </a:ext>
-            </a:extLst>
-          </p:spPr>
-        </p:pic>
+            </p:spPr>
+          </p:pic>
+        </p:grpSp>
       </p:grpSp>
       <p:grpSp>
         <p:nvGrpSpPr>
-          <p:cNvPr id="12" name="Groupe 11">
+          <p:cNvPr id="3" name="Groupe 2">
             <a:extLst>
               <a:ext uri="{FF2B5EF4-FFF2-40B4-BE49-F238E27FC236}">
-                <a16:creationId xmlns:a16="http://schemas.microsoft.com/office/drawing/2014/main" id="{C80E4534-190F-4A47-90A3-24B31BE12A2C}"/>
+                <a16:creationId xmlns:a16="http://schemas.microsoft.com/office/drawing/2014/main" id="{4ED9068B-F457-4EE3-AADA-95E1A50B9C14}"/>
               </a:ext>
             </a:extLst>
           </p:cNvPr>
@@ -17626,12 +18185,64 @@
             <a:chExt cx="3409950" cy="2782332"/>
           </a:xfrm>
         </p:grpSpPr>
+        <p:sp>
+          <p:nvSpPr>
+            <p:cNvPr id="48" name="Rectangle 47">
+              <a:extLst>
+                <a:ext uri="{FF2B5EF4-FFF2-40B4-BE49-F238E27FC236}">
+                  <a16:creationId xmlns:a16="http://schemas.microsoft.com/office/drawing/2014/main" id="{15AEFDE3-DD42-473D-A5A1-43A07BD95446}"/>
+                </a:ext>
+              </a:extLst>
+            </p:cNvPr>
+            <p:cNvSpPr/>
+            <p:nvPr/>
+          </p:nvSpPr>
+          <p:spPr>
+            <a:xfrm>
+              <a:off x="8419177" y="3855490"/>
+              <a:ext cx="3409950" cy="2782332"/>
+            </a:xfrm>
+            <a:prstGeom prst="rect">
+              <a:avLst/>
+            </a:prstGeom>
+            <a:solidFill>
+              <a:srgbClr val="FF00FF"/>
+            </a:solidFill>
+            <a:ln>
+              <a:noFill/>
+            </a:ln>
+          </p:spPr>
+          <p:style>
+            <a:lnRef idx="2">
+              <a:schemeClr val="accent1">
+                <a:shade val="50000"/>
+              </a:schemeClr>
+            </a:lnRef>
+            <a:fillRef idx="1">
+              <a:schemeClr val="accent1"/>
+            </a:fillRef>
+            <a:effectRef idx="0">
+              <a:schemeClr val="accent1"/>
+            </a:effectRef>
+            <a:fontRef idx="minor">
+              <a:schemeClr val="lt1"/>
+            </a:fontRef>
+          </p:style>
+          <p:txBody>
+            <a:bodyPr rtlCol="0" anchor="ctr"/>
+            <a:lstStyle/>
+            <a:p>
+              <a:pPr algn="ctr"/>
+              <a:endParaRPr lang="fr-FR" dirty="0"/>
+            </a:p>
+          </p:txBody>
+        </p:sp>
         <p:grpSp>
           <p:nvGrpSpPr>
-            <p:cNvPr id="23" name="Groupe 22">
+            <p:cNvPr id="12" name="Groupe 11">
               <a:extLst>
                 <a:ext uri="{FF2B5EF4-FFF2-40B4-BE49-F238E27FC236}">
-                  <a16:creationId xmlns:a16="http://schemas.microsoft.com/office/drawing/2014/main" id="{D0A9FC63-CBD9-4A08-A739-A288CCE2DAB0}"/>
+                  <a16:creationId xmlns:a16="http://schemas.microsoft.com/office/drawing/2014/main" id="{C80E4534-190F-4A47-90A3-24B31BE12A2C}"/>
                 </a:ext>
               </a:extLst>
             </p:cNvPr>
@@ -17642,151 +18253,172 @@
             <a:xfrm>
               <a:off x="8419177" y="3855490"/>
               <a:ext cx="3409950" cy="2782332"/>
-              <a:chOff x="571039" y="865679"/>
+              <a:chOff x="8419177" y="3855490"/>
               <a:chExt cx="3409950" cy="2782332"/>
             </a:xfrm>
           </p:grpSpPr>
-          <p:sp>
-            <p:nvSpPr>
-              <p:cNvPr id="24" name="Rectangle : coins arrondis 23">
+          <p:grpSp>
+            <p:nvGrpSpPr>
+              <p:cNvPr id="23" name="Groupe 22">
                 <a:extLst>
                   <a:ext uri="{FF2B5EF4-FFF2-40B4-BE49-F238E27FC236}">
-                    <a16:creationId xmlns:a16="http://schemas.microsoft.com/office/drawing/2014/main" id="{3B2FFD92-AF10-4813-BEAD-81E55378D110}"/>
+                    <a16:creationId xmlns:a16="http://schemas.microsoft.com/office/drawing/2014/main" id="{D0A9FC63-CBD9-4A08-A739-A288CCE2DAB0}"/>
                   </a:ext>
                 </a:extLst>
               </p:cNvPr>
-              <p:cNvSpPr/>
+              <p:cNvGrpSpPr/>
               <p:nvPr/>
-            </p:nvSpPr>
-            <p:spPr>
+            </p:nvGrpSpPr>
+            <p:grpSpPr>
               <a:xfrm>
-                <a:off x="571039" y="865679"/>
+                <a:off x="8419177" y="3855490"/>
                 <a:ext cx="3409950" cy="2782332"/>
+                <a:chOff x="571039" y="865679"/>
+                <a:chExt cx="3409950" cy="2782332"/>
+              </a:xfrm>
+            </p:grpSpPr>
+            <p:sp>
+              <p:nvSpPr>
+                <p:cNvPr id="24" name="Rectangle : coins arrondis 23">
+                  <a:extLst>
+                    <a:ext uri="{FF2B5EF4-FFF2-40B4-BE49-F238E27FC236}">
+                      <a16:creationId xmlns:a16="http://schemas.microsoft.com/office/drawing/2014/main" id="{3B2FFD92-AF10-4813-BEAD-81E55378D110}"/>
+                    </a:ext>
+                  </a:extLst>
+                </p:cNvPr>
+                <p:cNvSpPr/>
+                <p:nvPr/>
+              </p:nvSpPr>
+              <p:spPr>
+                <a:xfrm>
+                  <a:off x="571039" y="865679"/>
+                  <a:ext cx="3409950" cy="2782332"/>
+                </a:xfrm>
+                <a:prstGeom prst="roundRect">
+                  <a:avLst/>
+                </a:prstGeom>
+                <a:solidFill>
+                  <a:srgbClr val="C00000"/>
+                </a:solidFill>
+                <a:ln>
+                  <a:noFill/>
+                </a:ln>
+              </p:spPr>
+              <p:style>
+                <a:lnRef idx="2">
+                  <a:schemeClr val="accent1">
+                    <a:shade val="50000"/>
+                  </a:schemeClr>
+                </a:lnRef>
+                <a:fillRef idx="1">
+                  <a:schemeClr val="accent1"/>
+                </a:fillRef>
+                <a:effectRef idx="0">
+                  <a:schemeClr val="accent1"/>
+                </a:effectRef>
+                <a:fontRef idx="minor">
+                  <a:schemeClr val="lt1"/>
+                </a:fontRef>
+              </p:style>
+              <p:txBody>
+                <a:bodyPr rtlCol="0" anchor="ctr"/>
+                <a:lstStyle/>
+                <a:p>
+                  <a:pPr algn="ctr"/>
+                  <a:endParaRPr lang="fr-FR" dirty="0"/>
+                </a:p>
+              </p:txBody>
+            </p:sp>
+            <p:sp>
+              <p:nvSpPr>
+                <p:cNvPr id="25" name="ZoneTexte 24">
+                  <a:extLst>
+                    <a:ext uri="{FF2B5EF4-FFF2-40B4-BE49-F238E27FC236}">
+                      <a16:creationId xmlns:a16="http://schemas.microsoft.com/office/drawing/2014/main" id="{081E26A5-9E23-44F3-AC10-ABA5CC6ACF33}"/>
+                    </a:ext>
+                  </a:extLst>
+                </p:cNvPr>
+                <p:cNvSpPr txBox="1"/>
+                <p:nvPr/>
+              </p:nvSpPr>
+              <p:spPr>
+                <a:xfrm>
+                  <a:off x="571039" y="3278679"/>
+                  <a:ext cx="3409950" cy="369332"/>
+                </a:xfrm>
+                <a:prstGeom prst="rect">
+                  <a:avLst/>
+                </a:prstGeom>
+                <a:noFill/>
+              </p:spPr>
+              <p:txBody>
+                <a:bodyPr wrap="square" rtlCol="0">
+                  <a:spAutoFit/>
+                </a:bodyPr>
+                <a:lstStyle/>
+                <a:p>
+                  <a:pPr algn="ctr"/>
+                  <a:r>
+                    <a:rPr lang="fr-FR" dirty="0"/>
+                    <a:t>ARME : strapontin</a:t>
+                  </a:r>
+                </a:p>
+              </p:txBody>
+            </p:sp>
+          </p:grpSp>
+          <p:pic>
+            <p:nvPicPr>
+              <p:cNvPr id="2052" name="Picture 4" descr="Vu dans le Métro: Petits potins sur les strapontins">
+                <a:extLst>
+                  <a:ext uri="{FF2B5EF4-FFF2-40B4-BE49-F238E27FC236}">
+                    <a16:creationId xmlns:a16="http://schemas.microsoft.com/office/drawing/2014/main" id="{3F45E25C-0D40-4816-A6DE-B2407A4B14FE}"/>
+                  </a:ext>
+                </a:extLst>
+              </p:cNvPr>
+              <p:cNvPicPr>
+                <a:picLocks noChangeAspect="1" noChangeArrowheads="1"/>
+              </p:cNvPicPr>
+              <p:nvPr/>
+            </p:nvPicPr>
+            <p:blipFill rotWithShape="1">
+              <a:blip r:embed="rId4">
+                <a:extLst>
+                  <a:ext uri="{28A0092B-C50C-407E-A947-70E740481C1C}">
+                    <a14:useLocalDpi xmlns:a14="http://schemas.microsoft.com/office/drawing/2010/main" val="0"/>
+                  </a:ext>
+                </a:extLst>
+              </a:blip>
+              <a:srcRect l="8152" r="21237" b="33333"/>
+              <a:stretch/>
+            </p:blipFill>
+            <p:spPr bwMode="auto">
+              <a:xfrm>
+                <a:off x="8419177" y="3855490"/>
+                <a:ext cx="3409950" cy="2413000"/>
               </a:xfrm>
               <a:prstGeom prst="roundRect">
                 <a:avLst/>
               </a:prstGeom>
-              <a:solidFill>
-                <a:srgbClr val="C00000"/>
-              </a:solidFill>
-              <a:ln>
-                <a:noFill/>
-              </a:ln>
-            </p:spPr>
-            <p:style>
-              <a:lnRef idx="2">
-                <a:schemeClr val="accent1">
-                  <a:shade val="50000"/>
-                </a:schemeClr>
-              </a:lnRef>
-              <a:fillRef idx="1">
-                <a:schemeClr val="accent1"/>
-              </a:fillRef>
-              <a:effectRef idx="0">
-                <a:schemeClr val="accent1"/>
-              </a:effectRef>
-              <a:fontRef idx="minor">
-                <a:schemeClr val="lt1"/>
-              </a:fontRef>
-            </p:style>
-            <p:txBody>
-              <a:bodyPr rtlCol="0" anchor="ctr"/>
-              <a:lstStyle/>
-              <a:p>
-                <a:pPr algn="ctr"/>
-                <a:endParaRPr lang="fr-FR" dirty="0"/>
-              </a:p>
-            </p:txBody>
-          </p:sp>
-          <p:sp>
-            <p:nvSpPr>
-              <p:cNvPr id="25" name="ZoneTexte 24">
-                <a:extLst>
-                  <a:ext uri="{FF2B5EF4-FFF2-40B4-BE49-F238E27FC236}">
-                    <a16:creationId xmlns:a16="http://schemas.microsoft.com/office/drawing/2014/main" id="{081E26A5-9E23-44F3-AC10-ABA5CC6ACF33}"/>
-                  </a:ext>
-                </a:extLst>
-              </p:cNvPr>
-              <p:cNvSpPr txBox="1"/>
-              <p:nvPr/>
-            </p:nvSpPr>
-            <p:spPr>
-              <a:xfrm>
-                <a:off x="571039" y="3278679"/>
-                <a:ext cx="3409950" cy="369332"/>
-              </a:xfrm>
-              <a:prstGeom prst="rect">
-                <a:avLst/>
-              </a:prstGeom>
               <a:noFill/>
-            </p:spPr>
-            <p:txBody>
-              <a:bodyPr wrap="square" rtlCol="0">
-                <a:spAutoFit/>
-              </a:bodyPr>
-              <a:lstStyle/>
-              <a:p>
-                <a:pPr algn="ctr"/>
-                <a:r>
-                  <a:rPr lang="fr-FR" dirty="0"/>
-                  <a:t>ARME : strapontin</a:t>
-                </a:r>
-              </a:p>
-            </p:txBody>
-          </p:sp>
-        </p:grpSp>
-        <p:pic>
-          <p:nvPicPr>
-            <p:cNvPr id="2052" name="Picture 4" descr="Vu dans le Métro: Petits potins sur les strapontins">
               <a:extLst>
-                <a:ext uri="{FF2B5EF4-FFF2-40B4-BE49-F238E27FC236}">
-                  <a16:creationId xmlns:a16="http://schemas.microsoft.com/office/drawing/2014/main" id="{3F45E25C-0D40-4816-A6DE-B2407A4B14FE}"/>
+                <a:ext uri="{909E8E84-426E-40DD-AFC4-6F175D3DCCD1}">
+                  <a14:hiddenFill xmlns:a14="http://schemas.microsoft.com/office/drawing/2010/main">
+                    <a:solidFill>
+                      <a:srgbClr val="FFFFFF"/>
+                    </a:solidFill>
+                  </a14:hiddenFill>
                 </a:ext>
               </a:extLst>
-            </p:cNvPr>
-            <p:cNvPicPr>
-              <a:picLocks noChangeAspect="1" noChangeArrowheads="1"/>
-            </p:cNvPicPr>
-            <p:nvPr/>
-          </p:nvPicPr>
-          <p:blipFill rotWithShape="1">
-            <a:blip r:embed="rId4">
-              <a:extLst>
-                <a:ext uri="{28A0092B-C50C-407E-A947-70E740481C1C}">
-                  <a14:useLocalDpi xmlns:a14="http://schemas.microsoft.com/office/drawing/2010/main" val="0"/>
-                </a:ext>
-              </a:extLst>
-            </a:blip>
-            <a:srcRect l="8152" r="21237" b="33333"/>
-            <a:stretch/>
-          </p:blipFill>
-          <p:spPr bwMode="auto">
-            <a:xfrm>
-              <a:off x="8419177" y="3855490"/>
-              <a:ext cx="3409950" cy="2413000"/>
-            </a:xfrm>
-            <a:prstGeom prst="roundRect">
-              <a:avLst/>
-            </a:prstGeom>
-            <a:noFill/>
-            <a:extLst>
-              <a:ext uri="{909E8E84-426E-40DD-AFC4-6F175D3DCCD1}">
-                <a14:hiddenFill xmlns:a14="http://schemas.microsoft.com/office/drawing/2010/main">
-                  <a:solidFill>
-                    <a:srgbClr val="FFFFFF"/>
-                  </a:solidFill>
-                </a14:hiddenFill>
-              </a:ext>
-            </a:extLst>
-          </p:spPr>
-        </p:pic>
+            </p:spPr>
+          </p:pic>
+        </p:grpSp>
       </p:grpSp>
       <p:grpSp>
         <p:nvGrpSpPr>
-          <p:cNvPr id="13" name="Groupe 12">
+          <p:cNvPr id="2" name="Groupe 1">
             <a:extLst>
               <a:ext uri="{FF2B5EF4-FFF2-40B4-BE49-F238E27FC236}">
-                <a16:creationId xmlns:a16="http://schemas.microsoft.com/office/drawing/2014/main" id="{BAF9F672-60D7-4482-BE4F-F6924EA8BDEC}"/>
+                <a16:creationId xmlns:a16="http://schemas.microsoft.com/office/drawing/2014/main" id="{1FD4E10B-96FD-45A3-8462-E365008F1F4D}"/>
               </a:ext>
             </a:extLst>
           </p:cNvPr>
@@ -17801,12 +18433,64 @@
             <a:chExt cx="3409950" cy="2782332"/>
           </a:xfrm>
         </p:grpSpPr>
+        <p:sp>
+          <p:nvSpPr>
+            <p:cNvPr id="45" name="Rectangle 44">
+              <a:extLst>
+                <a:ext uri="{FF2B5EF4-FFF2-40B4-BE49-F238E27FC236}">
+                  <a16:creationId xmlns:a16="http://schemas.microsoft.com/office/drawing/2014/main" id="{B7BE64DF-7D91-46DB-96B5-9689BD1C5CB6}"/>
+                </a:ext>
+              </a:extLst>
+            </p:cNvPr>
+            <p:cNvSpPr/>
+            <p:nvPr/>
+          </p:nvSpPr>
+          <p:spPr>
+            <a:xfrm>
+              <a:off x="4710777" y="3855490"/>
+              <a:ext cx="3409950" cy="2782332"/>
+            </a:xfrm>
+            <a:prstGeom prst="rect">
+              <a:avLst/>
+            </a:prstGeom>
+            <a:solidFill>
+              <a:srgbClr val="FF00FF"/>
+            </a:solidFill>
+            <a:ln>
+              <a:noFill/>
+            </a:ln>
+          </p:spPr>
+          <p:style>
+            <a:lnRef idx="2">
+              <a:schemeClr val="accent1">
+                <a:shade val="50000"/>
+              </a:schemeClr>
+            </a:lnRef>
+            <a:fillRef idx="1">
+              <a:schemeClr val="accent1"/>
+            </a:fillRef>
+            <a:effectRef idx="0">
+              <a:schemeClr val="accent1"/>
+            </a:effectRef>
+            <a:fontRef idx="minor">
+              <a:schemeClr val="lt1"/>
+            </a:fontRef>
+          </p:style>
+          <p:txBody>
+            <a:bodyPr rtlCol="0" anchor="ctr"/>
+            <a:lstStyle/>
+            <a:p>
+              <a:pPr algn="ctr"/>
+              <a:endParaRPr lang="fr-FR" dirty="0"/>
+            </a:p>
+          </p:txBody>
+        </p:sp>
         <p:grpSp>
           <p:nvGrpSpPr>
-            <p:cNvPr id="17" name="Groupe 16">
+            <p:cNvPr id="13" name="Groupe 12">
               <a:extLst>
                 <a:ext uri="{FF2B5EF4-FFF2-40B4-BE49-F238E27FC236}">
-                  <a16:creationId xmlns:a16="http://schemas.microsoft.com/office/drawing/2014/main" id="{FF89C3C5-9AEF-401F-8CCA-793B92F92D95}"/>
+                  <a16:creationId xmlns:a16="http://schemas.microsoft.com/office/drawing/2014/main" id="{BAF9F672-60D7-4482-BE4F-F6924EA8BDEC}"/>
                 </a:ext>
               </a:extLst>
             </p:cNvPr>
@@ -17817,151 +18501,172 @@
             <a:xfrm>
               <a:off x="4710777" y="3855490"/>
               <a:ext cx="3409950" cy="2782332"/>
-              <a:chOff x="571039" y="865679"/>
+              <a:chOff x="4710777" y="3855490"/>
               <a:chExt cx="3409950" cy="2782332"/>
             </a:xfrm>
           </p:grpSpPr>
-          <p:sp>
-            <p:nvSpPr>
-              <p:cNvPr id="18" name="Rectangle : coins arrondis 17">
+          <p:grpSp>
+            <p:nvGrpSpPr>
+              <p:cNvPr id="17" name="Groupe 16">
                 <a:extLst>
                   <a:ext uri="{FF2B5EF4-FFF2-40B4-BE49-F238E27FC236}">
-                    <a16:creationId xmlns:a16="http://schemas.microsoft.com/office/drawing/2014/main" id="{B60847AE-5E97-4ED3-8957-A8D48FA1C595}"/>
+                    <a16:creationId xmlns:a16="http://schemas.microsoft.com/office/drawing/2014/main" id="{FF89C3C5-9AEF-401F-8CCA-793B92F92D95}"/>
                   </a:ext>
                 </a:extLst>
               </p:cNvPr>
-              <p:cNvSpPr/>
+              <p:cNvGrpSpPr/>
               <p:nvPr/>
-            </p:nvSpPr>
-            <p:spPr>
+            </p:nvGrpSpPr>
+            <p:grpSpPr>
               <a:xfrm>
-                <a:off x="571039" y="865679"/>
+                <a:off x="4710777" y="3855490"/>
                 <a:ext cx="3409950" cy="2782332"/>
+                <a:chOff x="571039" y="865679"/>
+                <a:chExt cx="3409950" cy="2782332"/>
+              </a:xfrm>
+            </p:grpSpPr>
+            <p:sp>
+              <p:nvSpPr>
+                <p:cNvPr id="18" name="Rectangle : coins arrondis 17">
+                  <a:extLst>
+                    <a:ext uri="{FF2B5EF4-FFF2-40B4-BE49-F238E27FC236}">
+                      <a16:creationId xmlns:a16="http://schemas.microsoft.com/office/drawing/2014/main" id="{B60847AE-5E97-4ED3-8957-A8D48FA1C595}"/>
+                    </a:ext>
+                  </a:extLst>
+                </p:cNvPr>
+                <p:cNvSpPr/>
+                <p:nvPr/>
+              </p:nvSpPr>
+              <p:spPr>
+                <a:xfrm>
+                  <a:off x="571039" y="865679"/>
+                  <a:ext cx="3409950" cy="2782332"/>
+                </a:xfrm>
+                <a:prstGeom prst="roundRect">
+                  <a:avLst/>
+                </a:prstGeom>
+                <a:solidFill>
+                  <a:srgbClr val="C00000"/>
+                </a:solidFill>
+                <a:ln>
+                  <a:noFill/>
+                </a:ln>
+              </p:spPr>
+              <p:style>
+                <a:lnRef idx="2">
+                  <a:schemeClr val="accent1">
+                    <a:shade val="50000"/>
+                  </a:schemeClr>
+                </a:lnRef>
+                <a:fillRef idx="1">
+                  <a:schemeClr val="accent1"/>
+                </a:fillRef>
+                <a:effectRef idx="0">
+                  <a:schemeClr val="accent1"/>
+                </a:effectRef>
+                <a:fontRef idx="minor">
+                  <a:schemeClr val="lt1"/>
+                </a:fontRef>
+              </p:style>
+              <p:txBody>
+                <a:bodyPr rtlCol="0" anchor="ctr"/>
+                <a:lstStyle/>
+                <a:p>
+                  <a:pPr algn="ctr"/>
+                  <a:endParaRPr lang="fr-FR" dirty="0"/>
+                </a:p>
+              </p:txBody>
+            </p:sp>
+            <p:sp>
+              <p:nvSpPr>
+                <p:cNvPr id="19" name="ZoneTexte 18">
+                  <a:extLst>
+                    <a:ext uri="{FF2B5EF4-FFF2-40B4-BE49-F238E27FC236}">
+                      <a16:creationId xmlns:a16="http://schemas.microsoft.com/office/drawing/2014/main" id="{AFDFC102-84F3-4A21-A679-8D4FD4A7F6B0}"/>
+                    </a:ext>
+                  </a:extLst>
+                </p:cNvPr>
+                <p:cNvSpPr txBox="1"/>
+                <p:nvPr/>
+              </p:nvSpPr>
+              <p:spPr>
+                <a:xfrm>
+                  <a:off x="571039" y="3278679"/>
+                  <a:ext cx="3409950" cy="369332"/>
+                </a:xfrm>
+                <a:prstGeom prst="rect">
+                  <a:avLst/>
+                </a:prstGeom>
+                <a:noFill/>
+              </p:spPr>
+              <p:txBody>
+                <a:bodyPr wrap="square" rtlCol="0">
+                  <a:spAutoFit/>
+                </a:bodyPr>
+                <a:lstStyle/>
+                <a:p>
+                  <a:pPr algn="ctr"/>
+                  <a:r>
+                    <a:rPr lang="fr-FR" dirty="0"/>
+                    <a:t>ARME : ticket</a:t>
+                  </a:r>
+                </a:p>
+              </p:txBody>
+            </p:sp>
+          </p:grpSp>
+          <p:pic>
+            <p:nvPicPr>
+              <p:cNvPr id="2054" name="Picture 6" descr="À Paris, la disparition annoncée du ticket de métro">
+                <a:extLst>
+                  <a:ext uri="{FF2B5EF4-FFF2-40B4-BE49-F238E27FC236}">
+                    <a16:creationId xmlns:a16="http://schemas.microsoft.com/office/drawing/2014/main" id="{A587C44B-4D36-408D-AAAE-AD50DF484E9E}"/>
+                  </a:ext>
+                </a:extLst>
+              </p:cNvPr>
+              <p:cNvPicPr>
+                <a:picLocks noChangeAspect="1" noChangeArrowheads="1"/>
+              </p:cNvPicPr>
+              <p:nvPr/>
+            </p:nvPicPr>
+            <p:blipFill rotWithShape="1">
+              <a:blip r:embed="rId5">
+                <a:extLst>
+                  <a:ext uri="{28A0092B-C50C-407E-A947-70E740481C1C}">
+                    <a14:useLocalDpi xmlns:a14="http://schemas.microsoft.com/office/drawing/2010/main" val="0"/>
+                  </a:ext>
+                </a:extLst>
+              </a:blip>
+              <a:srcRect l="9283" r="15190" b="4762"/>
+              <a:stretch/>
+            </p:blipFill>
+            <p:spPr bwMode="auto">
+              <a:xfrm>
+                <a:off x="4710777" y="3855490"/>
+                <a:ext cx="3409950" cy="2413000"/>
               </a:xfrm>
               <a:prstGeom prst="roundRect">
                 <a:avLst/>
               </a:prstGeom>
-              <a:solidFill>
-                <a:srgbClr val="C00000"/>
-              </a:solidFill>
-              <a:ln>
-                <a:noFill/>
-              </a:ln>
-            </p:spPr>
-            <p:style>
-              <a:lnRef idx="2">
-                <a:schemeClr val="accent1">
-                  <a:shade val="50000"/>
-                </a:schemeClr>
-              </a:lnRef>
-              <a:fillRef idx="1">
-                <a:schemeClr val="accent1"/>
-              </a:fillRef>
-              <a:effectRef idx="0">
-                <a:schemeClr val="accent1"/>
-              </a:effectRef>
-              <a:fontRef idx="minor">
-                <a:schemeClr val="lt1"/>
-              </a:fontRef>
-            </p:style>
-            <p:txBody>
-              <a:bodyPr rtlCol="0" anchor="ctr"/>
-              <a:lstStyle/>
-              <a:p>
-                <a:pPr algn="ctr"/>
-                <a:endParaRPr lang="fr-FR" dirty="0"/>
-              </a:p>
-            </p:txBody>
-          </p:sp>
-          <p:sp>
-            <p:nvSpPr>
-              <p:cNvPr id="19" name="ZoneTexte 18">
-                <a:extLst>
-                  <a:ext uri="{FF2B5EF4-FFF2-40B4-BE49-F238E27FC236}">
-                    <a16:creationId xmlns:a16="http://schemas.microsoft.com/office/drawing/2014/main" id="{AFDFC102-84F3-4A21-A679-8D4FD4A7F6B0}"/>
-                  </a:ext>
-                </a:extLst>
-              </p:cNvPr>
-              <p:cNvSpPr txBox="1"/>
-              <p:nvPr/>
-            </p:nvSpPr>
-            <p:spPr>
-              <a:xfrm>
-                <a:off x="571039" y="3278679"/>
-                <a:ext cx="3409950" cy="369332"/>
-              </a:xfrm>
-              <a:prstGeom prst="rect">
-                <a:avLst/>
-              </a:prstGeom>
               <a:noFill/>
-            </p:spPr>
-            <p:txBody>
-              <a:bodyPr wrap="square" rtlCol="0">
-                <a:spAutoFit/>
-              </a:bodyPr>
-              <a:lstStyle/>
-              <a:p>
-                <a:pPr algn="ctr"/>
-                <a:r>
-                  <a:rPr lang="fr-FR" dirty="0"/>
-                  <a:t>ARME : ticket</a:t>
-                </a:r>
-              </a:p>
-            </p:txBody>
-          </p:sp>
-        </p:grpSp>
-        <p:pic>
-          <p:nvPicPr>
-            <p:cNvPr id="2054" name="Picture 6" descr="À Paris, la disparition annoncée du ticket de métro">
               <a:extLst>
-                <a:ext uri="{FF2B5EF4-FFF2-40B4-BE49-F238E27FC236}">
-                  <a16:creationId xmlns:a16="http://schemas.microsoft.com/office/drawing/2014/main" id="{A587C44B-4D36-408D-AAAE-AD50DF484E9E}"/>
+                <a:ext uri="{909E8E84-426E-40DD-AFC4-6F175D3DCCD1}">
+                  <a14:hiddenFill xmlns:a14="http://schemas.microsoft.com/office/drawing/2010/main">
+                    <a:solidFill>
+                      <a:srgbClr val="FFFFFF"/>
+                    </a:solidFill>
+                  </a14:hiddenFill>
                 </a:ext>
               </a:extLst>
-            </p:cNvPr>
-            <p:cNvPicPr>
-              <a:picLocks noChangeAspect="1" noChangeArrowheads="1"/>
-            </p:cNvPicPr>
-            <p:nvPr/>
-          </p:nvPicPr>
-          <p:blipFill rotWithShape="1">
-            <a:blip r:embed="rId5">
-              <a:extLst>
-                <a:ext uri="{28A0092B-C50C-407E-A947-70E740481C1C}">
-                  <a14:useLocalDpi xmlns:a14="http://schemas.microsoft.com/office/drawing/2010/main" val="0"/>
-                </a:ext>
-              </a:extLst>
-            </a:blip>
-            <a:srcRect l="9283" r="15190" b="4762"/>
-            <a:stretch/>
-          </p:blipFill>
-          <p:spPr bwMode="auto">
-            <a:xfrm>
-              <a:off x="4710777" y="3855490"/>
-              <a:ext cx="3409950" cy="2413000"/>
-            </a:xfrm>
-            <a:prstGeom prst="roundRect">
-              <a:avLst/>
-            </a:prstGeom>
-            <a:noFill/>
-            <a:extLst>
-              <a:ext uri="{909E8E84-426E-40DD-AFC4-6F175D3DCCD1}">
-                <a14:hiddenFill xmlns:a14="http://schemas.microsoft.com/office/drawing/2010/main">
-                  <a:solidFill>
-                    <a:srgbClr val="FFFFFF"/>
-                  </a:solidFill>
-                </a14:hiddenFill>
-              </a:ext>
-            </a:extLst>
-          </p:spPr>
-        </p:pic>
+            </p:spPr>
+          </p:pic>
+        </p:grpSp>
       </p:grpSp>
       <p:grpSp>
         <p:nvGrpSpPr>
-          <p:cNvPr id="29" name="Groupe 28">
+          <p:cNvPr id="49" name="Groupe 48">
             <a:extLst>
               <a:ext uri="{FF2B5EF4-FFF2-40B4-BE49-F238E27FC236}">
-                <a16:creationId xmlns:a16="http://schemas.microsoft.com/office/drawing/2014/main" id="{951370C7-833B-44AF-B4B1-3745EF22135F}"/>
+                <a16:creationId xmlns:a16="http://schemas.microsoft.com/office/drawing/2014/main" id="{E3FBD8FF-A66E-401B-B265-1963196CF4AC}"/>
               </a:ext>
             </a:extLst>
           </p:cNvPr>
@@ -17970,18 +18675,70 @@
         </p:nvGrpSpPr>
         <p:grpSpPr>
           <a:xfrm>
-            <a:off x="571039" y="3855490"/>
-            <a:ext cx="3416589" cy="2782332"/>
-            <a:chOff x="571039" y="3855490"/>
-            <a:chExt cx="3416589" cy="2782332"/>
+            <a:off x="564399" y="3855490"/>
+            <a:ext cx="3423229" cy="2782332"/>
+            <a:chOff x="564399" y="3855490"/>
+            <a:chExt cx="3423229" cy="2782332"/>
           </a:xfrm>
         </p:grpSpPr>
+        <p:sp>
+          <p:nvSpPr>
+            <p:cNvPr id="46" name="Rectangle 45">
+              <a:extLst>
+                <a:ext uri="{FF2B5EF4-FFF2-40B4-BE49-F238E27FC236}">
+                  <a16:creationId xmlns:a16="http://schemas.microsoft.com/office/drawing/2014/main" id="{CDBD5ABC-A4B6-42D7-8CCD-BE54C2051767}"/>
+                </a:ext>
+              </a:extLst>
+            </p:cNvPr>
+            <p:cNvSpPr/>
+            <p:nvPr/>
+          </p:nvSpPr>
+          <p:spPr>
+            <a:xfrm>
+              <a:off x="564399" y="3855490"/>
+              <a:ext cx="3416589" cy="2782332"/>
+            </a:xfrm>
+            <a:prstGeom prst="rect">
+              <a:avLst/>
+            </a:prstGeom>
+            <a:solidFill>
+              <a:srgbClr val="FF00FF"/>
+            </a:solidFill>
+            <a:ln>
+              <a:noFill/>
+            </a:ln>
+          </p:spPr>
+          <p:style>
+            <a:lnRef idx="2">
+              <a:schemeClr val="accent1">
+                <a:shade val="50000"/>
+              </a:schemeClr>
+            </a:lnRef>
+            <a:fillRef idx="1">
+              <a:schemeClr val="accent1"/>
+            </a:fillRef>
+            <a:effectRef idx="0">
+              <a:schemeClr val="accent1"/>
+            </a:effectRef>
+            <a:fontRef idx="minor">
+              <a:schemeClr val="lt1"/>
+            </a:fontRef>
+          </p:style>
+          <p:txBody>
+            <a:bodyPr rtlCol="0" anchor="ctr"/>
+            <a:lstStyle/>
+            <a:p>
+              <a:pPr algn="ctr"/>
+              <a:endParaRPr lang="fr-FR" dirty="0"/>
+            </a:p>
+          </p:txBody>
+        </p:sp>
         <p:grpSp>
           <p:nvGrpSpPr>
-            <p:cNvPr id="26" name="Groupe 25">
+            <p:cNvPr id="29" name="Groupe 28">
               <a:extLst>
                 <a:ext uri="{FF2B5EF4-FFF2-40B4-BE49-F238E27FC236}">
-                  <a16:creationId xmlns:a16="http://schemas.microsoft.com/office/drawing/2014/main" id="{3FD754FE-B6D6-4565-B760-CBB4C1DD85D4}"/>
+                  <a16:creationId xmlns:a16="http://schemas.microsoft.com/office/drawing/2014/main" id="{951370C7-833B-44AF-B4B1-3745EF22135F}"/>
                 </a:ext>
               </a:extLst>
             </p:cNvPr>
@@ -17990,153 +18747,174 @@
           </p:nvGrpSpPr>
           <p:grpSpPr>
             <a:xfrm>
-              <a:off x="577678" y="3855490"/>
-              <a:ext cx="3409950" cy="2782332"/>
-              <a:chOff x="571039" y="865679"/>
-              <a:chExt cx="3409950" cy="2782332"/>
+              <a:off x="571039" y="3855490"/>
+              <a:ext cx="3416589" cy="2782332"/>
+              <a:chOff x="571039" y="3855490"/>
+              <a:chExt cx="3416589" cy="2782332"/>
             </a:xfrm>
           </p:grpSpPr>
-          <p:sp>
-            <p:nvSpPr>
-              <p:cNvPr id="27" name="Rectangle : coins arrondis 26">
+          <p:grpSp>
+            <p:nvGrpSpPr>
+              <p:cNvPr id="26" name="Groupe 25">
                 <a:extLst>
                   <a:ext uri="{FF2B5EF4-FFF2-40B4-BE49-F238E27FC236}">
-                    <a16:creationId xmlns:a16="http://schemas.microsoft.com/office/drawing/2014/main" id="{7B4D3F3E-866B-44BF-B72A-BD590A4A1AE7}"/>
+                    <a16:creationId xmlns:a16="http://schemas.microsoft.com/office/drawing/2014/main" id="{3FD754FE-B6D6-4565-B760-CBB4C1DD85D4}"/>
                   </a:ext>
                 </a:extLst>
               </p:cNvPr>
-              <p:cNvSpPr/>
+              <p:cNvGrpSpPr/>
               <p:nvPr/>
-            </p:nvSpPr>
-            <p:spPr>
+            </p:nvGrpSpPr>
+            <p:grpSpPr>
               <a:xfrm>
-                <a:off x="571039" y="865679"/>
+                <a:off x="577678" y="3855490"/>
                 <a:ext cx="3409950" cy="2782332"/>
+                <a:chOff x="571039" y="865679"/>
+                <a:chExt cx="3409950" cy="2782332"/>
+              </a:xfrm>
+            </p:grpSpPr>
+            <p:sp>
+              <p:nvSpPr>
+                <p:cNvPr id="27" name="Rectangle : coins arrondis 26">
+                  <a:extLst>
+                    <a:ext uri="{FF2B5EF4-FFF2-40B4-BE49-F238E27FC236}">
+                      <a16:creationId xmlns:a16="http://schemas.microsoft.com/office/drawing/2014/main" id="{7B4D3F3E-866B-44BF-B72A-BD590A4A1AE7}"/>
+                    </a:ext>
+                  </a:extLst>
+                </p:cNvPr>
+                <p:cNvSpPr/>
+                <p:nvPr/>
+              </p:nvSpPr>
+              <p:spPr>
+                <a:xfrm>
+                  <a:off x="571039" y="865679"/>
+                  <a:ext cx="3409950" cy="2782332"/>
+                </a:xfrm>
+                <a:prstGeom prst="roundRect">
+                  <a:avLst/>
+                </a:prstGeom>
+                <a:solidFill>
+                  <a:srgbClr val="C00000"/>
+                </a:solidFill>
+                <a:ln>
+                  <a:noFill/>
+                </a:ln>
+              </p:spPr>
+              <p:style>
+                <a:lnRef idx="2">
+                  <a:schemeClr val="accent1">
+                    <a:shade val="50000"/>
+                  </a:schemeClr>
+                </a:lnRef>
+                <a:fillRef idx="1">
+                  <a:schemeClr val="accent1"/>
+                </a:fillRef>
+                <a:effectRef idx="0">
+                  <a:schemeClr val="accent1"/>
+                </a:effectRef>
+                <a:fontRef idx="minor">
+                  <a:schemeClr val="lt1"/>
+                </a:fontRef>
+              </p:style>
+              <p:txBody>
+                <a:bodyPr rtlCol="0" anchor="ctr"/>
+                <a:lstStyle/>
+                <a:p>
+                  <a:pPr algn="ctr"/>
+                  <a:endParaRPr lang="fr-FR" dirty="0"/>
+                </a:p>
+              </p:txBody>
+            </p:sp>
+            <p:sp>
+              <p:nvSpPr>
+                <p:cNvPr id="28" name="ZoneTexte 27">
+                  <a:extLst>
+                    <a:ext uri="{FF2B5EF4-FFF2-40B4-BE49-F238E27FC236}">
+                      <a16:creationId xmlns:a16="http://schemas.microsoft.com/office/drawing/2014/main" id="{B269B613-05E4-4AC9-80A9-87583C6ABD27}"/>
+                    </a:ext>
+                  </a:extLst>
+                </p:cNvPr>
+                <p:cNvSpPr txBox="1"/>
+                <p:nvPr/>
+              </p:nvSpPr>
+              <p:spPr>
+                <a:xfrm>
+                  <a:off x="571039" y="3278679"/>
+                  <a:ext cx="3409950" cy="369332"/>
+                </a:xfrm>
+                <a:prstGeom prst="rect">
+                  <a:avLst/>
+                </a:prstGeom>
+                <a:noFill/>
+              </p:spPr>
+              <p:txBody>
+                <a:bodyPr wrap="square" rtlCol="0">
+                  <a:spAutoFit/>
+                </a:bodyPr>
+                <a:lstStyle/>
+                <a:p>
+                  <a:pPr algn="ctr"/>
+                  <a:r>
+                    <a:rPr lang="fr-FR" dirty="0"/>
+                    <a:t>ARME : tourniquet</a:t>
+                  </a:r>
+                </a:p>
+              </p:txBody>
+            </p:sp>
+          </p:grpSp>
+          <p:pic>
+            <p:nvPicPr>
+              <p:cNvPr id="2056" name="Picture 8" descr="Public transport in Paris (Metro, RER, bus, tram)">
+                <a:extLst>
+                  <a:ext uri="{FF2B5EF4-FFF2-40B4-BE49-F238E27FC236}">
+                    <a16:creationId xmlns:a16="http://schemas.microsoft.com/office/drawing/2014/main" id="{49DE6074-0D32-48EB-BA60-2255FBA8D737}"/>
+                  </a:ext>
+                </a:extLst>
+              </p:cNvPr>
+              <p:cNvPicPr>
+                <a:picLocks noChangeAspect="1" noChangeArrowheads="1"/>
+              </p:cNvPicPr>
+              <p:nvPr/>
+            </p:nvPicPr>
+            <p:blipFill rotWithShape="1">
+              <a:blip r:embed="rId6">
+                <a:extLst>
+                  <a:ext uri="{28A0092B-C50C-407E-A947-70E740481C1C}">
+                    <a14:useLocalDpi xmlns:a14="http://schemas.microsoft.com/office/drawing/2010/main" val="0"/>
+                  </a:ext>
+                </a:extLst>
+              </a:blip>
+              <a:srcRect r="48857" b="10166"/>
+              <a:stretch/>
+            </p:blipFill>
+            <p:spPr bwMode="auto">
+              <a:xfrm>
+                <a:off x="571039" y="3855490"/>
+                <a:ext cx="3409950" cy="2413000"/>
               </a:xfrm>
               <a:prstGeom prst="roundRect">
                 <a:avLst/>
               </a:prstGeom>
-              <a:solidFill>
-                <a:srgbClr val="C00000"/>
-              </a:solidFill>
-              <a:ln>
-                <a:noFill/>
-              </a:ln>
-            </p:spPr>
-            <p:style>
-              <a:lnRef idx="2">
-                <a:schemeClr val="accent1">
-                  <a:shade val="50000"/>
-                </a:schemeClr>
-              </a:lnRef>
-              <a:fillRef idx="1">
-                <a:schemeClr val="accent1"/>
-              </a:fillRef>
-              <a:effectRef idx="0">
-                <a:schemeClr val="accent1"/>
-              </a:effectRef>
-              <a:fontRef idx="minor">
-                <a:schemeClr val="lt1"/>
-              </a:fontRef>
-            </p:style>
-            <p:txBody>
-              <a:bodyPr rtlCol="0" anchor="ctr"/>
-              <a:lstStyle/>
-              <a:p>
-                <a:pPr algn="ctr"/>
-                <a:endParaRPr lang="fr-FR" dirty="0"/>
-              </a:p>
-            </p:txBody>
-          </p:sp>
-          <p:sp>
-            <p:nvSpPr>
-              <p:cNvPr id="28" name="ZoneTexte 27">
-                <a:extLst>
-                  <a:ext uri="{FF2B5EF4-FFF2-40B4-BE49-F238E27FC236}">
-                    <a16:creationId xmlns:a16="http://schemas.microsoft.com/office/drawing/2014/main" id="{B269B613-05E4-4AC9-80A9-87583C6ABD27}"/>
-                  </a:ext>
-                </a:extLst>
-              </p:cNvPr>
-              <p:cNvSpPr txBox="1"/>
-              <p:nvPr/>
-            </p:nvSpPr>
-            <p:spPr>
-              <a:xfrm>
-                <a:off x="571039" y="3278679"/>
-                <a:ext cx="3409950" cy="369332"/>
-              </a:xfrm>
-              <a:prstGeom prst="rect">
-                <a:avLst/>
-              </a:prstGeom>
               <a:noFill/>
-            </p:spPr>
-            <p:txBody>
-              <a:bodyPr wrap="square" rtlCol="0">
-                <a:spAutoFit/>
-              </a:bodyPr>
-              <a:lstStyle/>
-              <a:p>
-                <a:pPr algn="ctr"/>
-                <a:r>
-                  <a:rPr lang="fr-FR" dirty="0"/>
-                  <a:t>ARME : tourniquet</a:t>
-                </a:r>
-              </a:p>
-            </p:txBody>
-          </p:sp>
-        </p:grpSp>
-        <p:pic>
-          <p:nvPicPr>
-            <p:cNvPr id="2056" name="Picture 8" descr="Public transport in Paris (Metro, RER, bus, tram)">
               <a:extLst>
-                <a:ext uri="{FF2B5EF4-FFF2-40B4-BE49-F238E27FC236}">
-                  <a16:creationId xmlns:a16="http://schemas.microsoft.com/office/drawing/2014/main" id="{49DE6074-0D32-48EB-BA60-2255FBA8D737}"/>
+                <a:ext uri="{909E8E84-426E-40DD-AFC4-6F175D3DCCD1}">
+                  <a14:hiddenFill xmlns:a14="http://schemas.microsoft.com/office/drawing/2010/main">
+                    <a:solidFill>
+                      <a:srgbClr val="FFFFFF"/>
+                    </a:solidFill>
+                  </a14:hiddenFill>
                 </a:ext>
               </a:extLst>
-            </p:cNvPr>
-            <p:cNvPicPr>
-              <a:picLocks noChangeAspect="1" noChangeArrowheads="1"/>
-            </p:cNvPicPr>
-            <p:nvPr/>
-          </p:nvPicPr>
-          <p:blipFill rotWithShape="1">
-            <a:blip r:embed="rId6">
-              <a:extLst>
-                <a:ext uri="{28A0092B-C50C-407E-A947-70E740481C1C}">
-                  <a14:useLocalDpi xmlns:a14="http://schemas.microsoft.com/office/drawing/2010/main" val="0"/>
-                </a:ext>
-              </a:extLst>
-            </a:blip>
-            <a:srcRect r="48857" b="10166"/>
-            <a:stretch/>
-          </p:blipFill>
-          <p:spPr bwMode="auto">
-            <a:xfrm>
-              <a:off x="571039" y="3855490"/>
-              <a:ext cx="3409950" cy="2413000"/>
-            </a:xfrm>
-            <a:prstGeom prst="roundRect">
-              <a:avLst/>
-            </a:prstGeom>
-            <a:noFill/>
-            <a:extLst>
-              <a:ext uri="{909E8E84-426E-40DD-AFC4-6F175D3DCCD1}">
-                <a14:hiddenFill xmlns:a14="http://schemas.microsoft.com/office/drawing/2010/main">
-                  <a:solidFill>
-                    <a:srgbClr val="FFFFFF"/>
-                  </a:solidFill>
-                </a14:hiddenFill>
-              </a:ext>
-            </a:extLst>
-          </p:spPr>
-        </p:pic>
+            </p:spPr>
+          </p:pic>
+        </p:grpSp>
       </p:grpSp>
       <p:grpSp>
         <p:nvGrpSpPr>
-          <p:cNvPr id="8" name="Groupe 7">
+          <p:cNvPr id="32" name="Groupe 31">
             <a:extLst>
               <a:ext uri="{FF2B5EF4-FFF2-40B4-BE49-F238E27FC236}">
-                <a16:creationId xmlns:a16="http://schemas.microsoft.com/office/drawing/2014/main" id="{1DD050E9-8744-40BF-A96A-98D33D703B9A}"/>
+                <a16:creationId xmlns:a16="http://schemas.microsoft.com/office/drawing/2014/main" id="{631D38F3-CF1A-4D67-8581-35998AFCFD42}"/>
               </a:ext>
             </a:extLst>
           </p:cNvPr>
@@ -18151,12 +18929,64 @@
             <a:chExt cx="3409950" cy="2782332"/>
           </a:xfrm>
         </p:grpSpPr>
+        <p:sp>
+          <p:nvSpPr>
+            <p:cNvPr id="33" name="Rectangle 32">
+              <a:extLst>
+                <a:ext uri="{FF2B5EF4-FFF2-40B4-BE49-F238E27FC236}">
+                  <a16:creationId xmlns:a16="http://schemas.microsoft.com/office/drawing/2014/main" id="{1CB44CE9-99E5-4022-874C-70F239822459}"/>
+                </a:ext>
+              </a:extLst>
+            </p:cNvPr>
+            <p:cNvSpPr/>
+            <p:nvPr/>
+          </p:nvSpPr>
+          <p:spPr>
+            <a:xfrm>
+              <a:off x="571039" y="865679"/>
+              <a:ext cx="3409950" cy="2782332"/>
+            </a:xfrm>
+            <a:prstGeom prst="rect">
+              <a:avLst/>
+            </a:prstGeom>
+            <a:solidFill>
+              <a:srgbClr val="FF00FF"/>
+            </a:solidFill>
+            <a:ln>
+              <a:noFill/>
+            </a:ln>
+          </p:spPr>
+          <p:style>
+            <a:lnRef idx="2">
+              <a:schemeClr val="accent1">
+                <a:shade val="50000"/>
+              </a:schemeClr>
+            </a:lnRef>
+            <a:fillRef idx="1">
+              <a:schemeClr val="accent1"/>
+            </a:fillRef>
+            <a:effectRef idx="0">
+              <a:schemeClr val="accent1"/>
+            </a:effectRef>
+            <a:fontRef idx="minor">
+              <a:schemeClr val="lt1"/>
+            </a:fontRef>
+          </p:style>
+          <p:txBody>
+            <a:bodyPr rtlCol="0" anchor="ctr"/>
+            <a:lstStyle/>
+            <a:p>
+              <a:pPr algn="ctr"/>
+              <a:endParaRPr lang="fr-FR" dirty="0"/>
+            </a:p>
+          </p:txBody>
+        </p:sp>
         <p:grpSp>
           <p:nvGrpSpPr>
-            <p:cNvPr id="7" name="Groupe 6">
+            <p:cNvPr id="8" name="Groupe 7">
               <a:extLst>
                 <a:ext uri="{FF2B5EF4-FFF2-40B4-BE49-F238E27FC236}">
-                  <a16:creationId xmlns:a16="http://schemas.microsoft.com/office/drawing/2014/main" id="{B922519C-08BE-4225-A8AA-274522742CED}"/>
+                  <a16:creationId xmlns:a16="http://schemas.microsoft.com/office/drawing/2014/main" id="{1DD050E9-8744-40BF-A96A-98D33D703B9A}"/>
                 </a:ext>
               </a:extLst>
             </p:cNvPr>
@@ -18171,140 +19001,161 @@
               <a:chExt cx="3409950" cy="2782332"/>
             </a:xfrm>
           </p:grpSpPr>
-          <p:sp>
-            <p:nvSpPr>
-              <p:cNvPr id="4" name="Rectangle : coins arrondis 3">
+          <p:grpSp>
+            <p:nvGrpSpPr>
+              <p:cNvPr id="7" name="Groupe 6">
                 <a:extLst>
                   <a:ext uri="{FF2B5EF4-FFF2-40B4-BE49-F238E27FC236}">
-                    <a16:creationId xmlns:a16="http://schemas.microsoft.com/office/drawing/2014/main" id="{6AEC0843-4344-4A5C-A890-EB8E0ECD6D13}"/>
+                    <a16:creationId xmlns:a16="http://schemas.microsoft.com/office/drawing/2014/main" id="{B922519C-08BE-4225-A8AA-274522742CED}"/>
                   </a:ext>
                 </a:extLst>
               </p:cNvPr>
-              <p:cNvSpPr/>
+              <p:cNvGrpSpPr/>
               <p:nvPr/>
-            </p:nvSpPr>
-            <p:spPr>
+            </p:nvGrpSpPr>
+            <p:grpSpPr>
               <a:xfrm>
                 <a:off x="571039" y="865679"/>
                 <a:ext cx="3409950" cy="2782332"/>
+                <a:chOff x="571039" y="865679"/>
+                <a:chExt cx="3409950" cy="2782332"/>
+              </a:xfrm>
+            </p:grpSpPr>
+            <p:sp>
+              <p:nvSpPr>
+                <p:cNvPr id="4" name="Rectangle : coins arrondis 3">
+                  <a:extLst>
+                    <a:ext uri="{FF2B5EF4-FFF2-40B4-BE49-F238E27FC236}">
+                      <a16:creationId xmlns:a16="http://schemas.microsoft.com/office/drawing/2014/main" id="{6AEC0843-4344-4A5C-A890-EB8E0ECD6D13}"/>
+                    </a:ext>
+                  </a:extLst>
+                </p:cNvPr>
+                <p:cNvSpPr/>
+                <p:nvPr/>
+              </p:nvSpPr>
+              <p:spPr>
+                <a:xfrm>
+                  <a:off x="571039" y="865679"/>
+                  <a:ext cx="3409950" cy="2782332"/>
+                </a:xfrm>
+                <a:prstGeom prst="roundRect">
+                  <a:avLst/>
+                </a:prstGeom>
+                <a:solidFill>
+                  <a:srgbClr val="C00000"/>
+                </a:solidFill>
+                <a:ln>
+                  <a:noFill/>
+                </a:ln>
+              </p:spPr>
+              <p:style>
+                <a:lnRef idx="2">
+                  <a:schemeClr val="accent1">
+                    <a:shade val="50000"/>
+                  </a:schemeClr>
+                </a:lnRef>
+                <a:fillRef idx="1">
+                  <a:schemeClr val="accent1"/>
+                </a:fillRef>
+                <a:effectRef idx="0">
+                  <a:schemeClr val="accent1"/>
+                </a:effectRef>
+                <a:fontRef idx="minor">
+                  <a:schemeClr val="lt1"/>
+                </a:fontRef>
+              </p:style>
+              <p:txBody>
+                <a:bodyPr rtlCol="0" anchor="ctr"/>
+                <a:lstStyle/>
+                <a:p>
+                  <a:pPr algn="ctr"/>
+                  <a:endParaRPr lang="fr-FR" dirty="0"/>
+                </a:p>
+              </p:txBody>
+            </p:sp>
+            <p:sp>
+              <p:nvSpPr>
+                <p:cNvPr id="6" name="ZoneTexte 5">
+                  <a:extLst>
+                    <a:ext uri="{FF2B5EF4-FFF2-40B4-BE49-F238E27FC236}">
+                      <a16:creationId xmlns:a16="http://schemas.microsoft.com/office/drawing/2014/main" id="{21B1179E-41B2-44A1-AECF-B2CFCE5E21B4}"/>
+                    </a:ext>
+                  </a:extLst>
+                </p:cNvPr>
+                <p:cNvSpPr txBox="1"/>
+                <p:nvPr/>
+              </p:nvSpPr>
+              <p:spPr>
+                <a:xfrm>
+                  <a:off x="571039" y="3278679"/>
+                  <a:ext cx="3409950" cy="369332"/>
+                </a:xfrm>
+                <a:prstGeom prst="rect">
+                  <a:avLst/>
+                </a:prstGeom>
+                <a:noFill/>
+              </p:spPr>
+              <p:txBody>
+                <a:bodyPr wrap="square" rtlCol="0">
+                  <a:spAutoFit/>
+                </a:bodyPr>
+                <a:lstStyle/>
+                <a:p>
+                  <a:pPr algn="ctr"/>
+                  <a:r>
+                    <a:rPr lang="fr-FR" dirty="0"/>
+                    <a:t>ARME : rails</a:t>
+                  </a:r>
+                </a:p>
+              </p:txBody>
+            </p:sp>
+          </p:grpSp>
+          <p:pic>
+            <p:nvPicPr>
+              <p:cNvPr id="2058" name="Picture 10" descr="Métro, RER, tramway, bus : la RATP sur les rails de 2020 ...">
+                <a:extLst>
+                  <a:ext uri="{FF2B5EF4-FFF2-40B4-BE49-F238E27FC236}">
+                    <a16:creationId xmlns:a16="http://schemas.microsoft.com/office/drawing/2014/main" id="{C9771DE5-9E6C-4659-BE10-A77955840E6D}"/>
+                  </a:ext>
+                </a:extLst>
+              </p:cNvPr>
+              <p:cNvPicPr>
+                <a:picLocks noChangeAspect="1" noChangeArrowheads="1"/>
+              </p:cNvPicPr>
+              <p:nvPr/>
+            </p:nvPicPr>
+            <p:blipFill rotWithShape="1">
+              <a:blip r:embed="rId7">
+                <a:extLst>
+                  <a:ext uri="{28A0092B-C50C-407E-A947-70E740481C1C}">
+                    <a14:useLocalDpi xmlns:a14="http://schemas.microsoft.com/office/drawing/2010/main" val="0"/>
+                  </a:ext>
+                </a:extLst>
+              </a:blip>
+              <a:srcRect t="33333" r="36749"/>
+              <a:stretch/>
+            </p:blipFill>
+            <p:spPr bwMode="auto">
+              <a:xfrm>
+                <a:off x="571039" y="865679"/>
+                <a:ext cx="3409950" cy="2413000"/>
               </a:xfrm>
               <a:prstGeom prst="roundRect">
                 <a:avLst/>
               </a:prstGeom>
-              <a:solidFill>
-                <a:srgbClr val="C00000"/>
-              </a:solidFill>
-              <a:ln>
-                <a:noFill/>
-              </a:ln>
-            </p:spPr>
-            <p:style>
-              <a:lnRef idx="2">
-                <a:schemeClr val="accent1">
-                  <a:shade val="50000"/>
-                </a:schemeClr>
-              </a:lnRef>
-              <a:fillRef idx="1">
-                <a:schemeClr val="accent1"/>
-              </a:fillRef>
-              <a:effectRef idx="0">
-                <a:schemeClr val="accent1"/>
-              </a:effectRef>
-              <a:fontRef idx="minor">
-                <a:schemeClr val="lt1"/>
-              </a:fontRef>
-            </p:style>
-            <p:txBody>
-              <a:bodyPr rtlCol="0" anchor="ctr"/>
-              <a:lstStyle/>
-              <a:p>
-                <a:pPr algn="ctr"/>
-                <a:endParaRPr lang="fr-FR" dirty="0"/>
-              </a:p>
-            </p:txBody>
-          </p:sp>
-          <p:sp>
-            <p:nvSpPr>
-              <p:cNvPr id="6" name="ZoneTexte 5">
-                <a:extLst>
-                  <a:ext uri="{FF2B5EF4-FFF2-40B4-BE49-F238E27FC236}">
-                    <a16:creationId xmlns:a16="http://schemas.microsoft.com/office/drawing/2014/main" id="{21B1179E-41B2-44A1-AECF-B2CFCE5E21B4}"/>
-                  </a:ext>
-                </a:extLst>
-              </p:cNvPr>
-              <p:cNvSpPr txBox="1"/>
-              <p:nvPr/>
-            </p:nvSpPr>
-            <p:spPr>
-              <a:xfrm>
-                <a:off x="571039" y="3278679"/>
-                <a:ext cx="3409950" cy="369332"/>
-              </a:xfrm>
-              <a:prstGeom prst="rect">
-                <a:avLst/>
-              </a:prstGeom>
               <a:noFill/>
-            </p:spPr>
-            <p:txBody>
-              <a:bodyPr wrap="square" rtlCol="0">
-                <a:spAutoFit/>
-              </a:bodyPr>
-              <a:lstStyle/>
-              <a:p>
-                <a:pPr algn="ctr"/>
-                <a:r>
-                  <a:rPr lang="fr-FR" dirty="0"/>
-                  <a:t>ARME : rails</a:t>
-                </a:r>
-              </a:p>
-            </p:txBody>
-          </p:sp>
-        </p:grpSp>
-        <p:pic>
-          <p:nvPicPr>
-            <p:cNvPr id="2058" name="Picture 10" descr="Métro, RER, tramway, bus : la RATP sur les rails de 2020 ...">
               <a:extLst>
-                <a:ext uri="{FF2B5EF4-FFF2-40B4-BE49-F238E27FC236}">
-                  <a16:creationId xmlns:a16="http://schemas.microsoft.com/office/drawing/2014/main" id="{C9771DE5-9E6C-4659-BE10-A77955840E6D}"/>
+                <a:ext uri="{909E8E84-426E-40DD-AFC4-6F175D3DCCD1}">
+                  <a14:hiddenFill xmlns:a14="http://schemas.microsoft.com/office/drawing/2010/main">
+                    <a:solidFill>
+                      <a:srgbClr val="FFFFFF"/>
+                    </a:solidFill>
+                  </a14:hiddenFill>
                 </a:ext>
               </a:extLst>
-            </p:cNvPr>
-            <p:cNvPicPr>
-              <a:picLocks noChangeAspect="1" noChangeArrowheads="1"/>
-            </p:cNvPicPr>
-            <p:nvPr/>
-          </p:nvPicPr>
-          <p:blipFill rotWithShape="1">
-            <a:blip r:embed="rId7">
-              <a:extLst>
-                <a:ext uri="{28A0092B-C50C-407E-A947-70E740481C1C}">
-                  <a14:useLocalDpi xmlns:a14="http://schemas.microsoft.com/office/drawing/2010/main" val="0"/>
-                </a:ext>
-              </a:extLst>
-            </a:blip>
-            <a:srcRect t="33333" r="36749"/>
-            <a:stretch/>
-          </p:blipFill>
-          <p:spPr bwMode="auto">
-            <a:xfrm>
-              <a:off x="571039" y="865679"/>
-              <a:ext cx="3409950" cy="2413000"/>
-            </a:xfrm>
-            <a:prstGeom prst="roundRect">
-              <a:avLst/>
-            </a:prstGeom>
-            <a:noFill/>
-            <a:extLst>
-              <a:ext uri="{909E8E84-426E-40DD-AFC4-6F175D3DCCD1}">
-                <a14:hiddenFill xmlns:a14="http://schemas.microsoft.com/office/drawing/2010/main">
-                  <a:solidFill>
-                    <a:srgbClr val="FFFFFF"/>
-                  </a:solidFill>
-                </a14:hiddenFill>
-              </a:ext>
-            </a:extLst>
-          </p:spPr>
-        </p:pic>
+            </p:spPr>
+          </p:pic>
+        </p:grpSp>
       </p:grpSp>
       <p:sp>
         <p:nvSpPr>
@@ -18320,7 +19171,7 @@
         </p:nvSpPr>
         <p:spPr>
           <a:xfrm>
-            <a:off x="720668" y="288868"/>
+            <a:off x="564399" y="496347"/>
             <a:ext cx="5454592" cy="369332"/>
           </a:xfrm>
           <a:prstGeom prst="rect">
@@ -18373,10 +19224,10 @@
       </p:grpSpPr>
       <p:grpSp>
         <p:nvGrpSpPr>
-          <p:cNvPr id="6" name="Groupe 5">
+          <p:cNvPr id="18" name="Groupe 17">
             <a:extLst>
               <a:ext uri="{FF2B5EF4-FFF2-40B4-BE49-F238E27FC236}">
-                <a16:creationId xmlns:a16="http://schemas.microsoft.com/office/drawing/2014/main" id="{8119F177-97C8-4E57-B387-97E06F45B93C}"/>
+                <a16:creationId xmlns:a16="http://schemas.microsoft.com/office/drawing/2014/main" id="{0E56DF8E-B10C-49C7-A514-7A6635E7B51A}"/>
               </a:ext>
             </a:extLst>
           </p:cNvPr>
@@ -18391,12 +19242,64 @@
             <a:chExt cx="3409950" cy="2782332"/>
           </a:xfrm>
         </p:grpSpPr>
+        <p:sp>
+          <p:nvSpPr>
+            <p:cNvPr id="2" name="Rectangle 1">
+              <a:extLst>
+                <a:ext uri="{FF2B5EF4-FFF2-40B4-BE49-F238E27FC236}">
+                  <a16:creationId xmlns:a16="http://schemas.microsoft.com/office/drawing/2014/main" id="{D1241477-00AE-4FC4-98D6-149C9316AEE4}"/>
+                </a:ext>
+              </a:extLst>
+            </p:cNvPr>
+            <p:cNvSpPr/>
+            <p:nvPr/>
+          </p:nvSpPr>
+          <p:spPr>
+            <a:xfrm>
+              <a:off x="590756" y="854277"/>
+              <a:ext cx="3409950" cy="2782332"/>
+            </a:xfrm>
+            <a:prstGeom prst="rect">
+              <a:avLst/>
+            </a:prstGeom>
+            <a:solidFill>
+              <a:srgbClr val="FF00FF"/>
+            </a:solidFill>
+            <a:ln>
+              <a:noFill/>
+            </a:ln>
+          </p:spPr>
+          <p:style>
+            <a:lnRef idx="2">
+              <a:schemeClr val="accent1">
+                <a:shade val="50000"/>
+              </a:schemeClr>
+            </a:lnRef>
+            <a:fillRef idx="1">
+              <a:schemeClr val="accent1"/>
+            </a:fillRef>
+            <a:effectRef idx="0">
+              <a:schemeClr val="accent1"/>
+            </a:effectRef>
+            <a:fontRef idx="minor">
+              <a:schemeClr val="lt1"/>
+            </a:fontRef>
+          </p:style>
+          <p:txBody>
+            <a:bodyPr rtlCol="0" anchor="ctr"/>
+            <a:lstStyle/>
+            <a:p>
+              <a:pPr algn="ctr"/>
+              <a:endParaRPr lang="fr-FR"/>
+            </a:p>
+          </p:txBody>
+        </p:sp>
         <p:grpSp>
           <p:nvGrpSpPr>
-            <p:cNvPr id="12" name="Groupe 11">
+            <p:cNvPr id="6" name="Groupe 5">
               <a:extLst>
                 <a:ext uri="{FF2B5EF4-FFF2-40B4-BE49-F238E27FC236}">
-                  <a16:creationId xmlns:a16="http://schemas.microsoft.com/office/drawing/2014/main" id="{EF39426D-8C1E-4DB9-ABC2-172887E93E44}"/>
+                  <a16:creationId xmlns:a16="http://schemas.microsoft.com/office/drawing/2014/main" id="{8119F177-97C8-4E57-B387-97E06F45B93C}"/>
                 </a:ext>
               </a:extLst>
             </p:cNvPr>
@@ -18407,151 +19310,172 @@
             <a:xfrm>
               <a:off x="590756" y="854277"/>
               <a:ext cx="3409950" cy="2782332"/>
-              <a:chOff x="571039" y="865679"/>
+              <a:chOff x="590756" y="854277"/>
               <a:chExt cx="3409950" cy="2782332"/>
             </a:xfrm>
           </p:grpSpPr>
-          <p:sp>
-            <p:nvSpPr>
-              <p:cNvPr id="13" name="Rectangle : coins arrondis 12">
+          <p:grpSp>
+            <p:nvGrpSpPr>
+              <p:cNvPr id="12" name="Groupe 11">
                 <a:extLst>
                   <a:ext uri="{FF2B5EF4-FFF2-40B4-BE49-F238E27FC236}">
-                    <a16:creationId xmlns:a16="http://schemas.microsoft.com/office/drawing/2014/main" id="{E538F325-D538-4778-B1FC-95C3E960CB19}"/>
+                    <a16:creationId xmlns:a16="http://schemas.microsoft.com/office/drawing/2014/main" id="{EF39426D-8C1E-4DB9-ABC2-172887E93E44}"/>
                   </a:ext>
                 </a:extLst>
               </p:cNvPr>
-              <p:cNvSpPr/>
+              <p:cNvGrpSpPr/>
               <p:nvPr/>
-            </p:nvSpPr>
-            <p:spPr>
+            </p:nvGrpSpPr>
+            <p:grpSpPr>
               <a:xfrm>
-                <a:off x="571039" y="865679"/>
+                <a:off x="590756" y="854277"/>
                 <a:ext cx="3409950" cy="2782332"/>
+                <a:chOff x="571039" y="865679"/>
+                <a:chExt cx="3409950" cy="2782332"/>
+              </a:xfrm>
+            </p:grpSpPr>
+            <p:sp>
+              <p:nvSpPr>
+                <p:cNvPr id="13" name="Rectangle : coins arrondis 12">
+                  <a:extLst>
+                    <a:ext uri="{FF2B5EF4-FFF2-40B4-BE49-F238E27FC236}">
+                      <a16:creationId xmlns:a16="http://schemas.microsoft.com/office/drawing/2014/main" id="{E538F325-D538-4778-B1FC-95C3E960CB19}"/>
+                    </a:ext>
+                  </a:extLst>
+                </p:cNvPr>
+                <p:cNvSpPr/>
+                <p:nvPr/>
+              </p:nvSpPr>
+              <p:spPr>
+                <a:xfrm>
+                  <a:off x="571039" y="865679"/>
+                  <a:ext cx="3409950" cy="2782332"/>
+                </a:xfrm>
+                <a:prstGeom prst="roundRect">
+                  <a:avLst/>
+                </a:prstGeom>
+                <a:solidFill>
+                  <a:srgbClr val="FFC000"/>
+                </a:solidFill>
+                <a:ln>
+                  <a:noFill/>
+                </a:ln>
+              </p:spPr>
+              <p:style>
+                <a:lnRef idx="2">
+                  <a:schemeClr val="accent1">
+                    <a:shade val="50000"/>
+                  </a:schemeClr>
+                </a:lnRef>
+                <a:fillRef idx="1">
+                  <a:schemeClr val="accent1"/>
+                </a:fillRef>
+                <a:effectRef idx="0">
+                  <a:schemeClr val="accent1"/>
+                </a:effectRef>
+                <a:fontRef idx="minor">
+                  <a:schemeClr val="lt1"/>
+                </a:fontRef>
+              </p:style>
+              <p:txBody>
+                <a:bodyPr rtlCol="0" anchor="ctr"/>
+                <a:lstStyle/>
+                <a:p>
+                  <a:pPr algn="ctr"/>
+                  <a:endParaRPr lang="fr-FR" dirty="0"/>
+                </a:p>
+              </p:txBody>
+            </p:sp>
+            <p:sp>
+              <p:nvSpPr>
+                <p:cNvPr id="14" name="ZoneTexte 13">
+                  <a:extLst>
+                    <a:ext uri="{FF2B5EF4-FFF2-40B4-BE49-F238E27FC236}">
+                      <a16:creationId xmlns:a16="http://schemas.microsoft.com/office/drawing/2014/main" id="{D6E3EC0B-2537-40BD-BE36-8C1134B54F00}"/>
+                    </a:ext>
+                  </a:extLst>
+                </p:cNvPr>
+                <p:cNvSpPr txBox="1"/>
+                <p:nvPr/>
+              </p:nvSpPr>
+              <p:spPr>
+                <a:xfrm>
+                  <a:off x="571039" y="3278679"/>
+                  <a:ext cx="3409950" cy="369332"/>
+                </a:xfrm>
+                <a:prstGeom prst="rect">
+                  <a:avLst/>
+                </a:prstGeom>
+                <a:noFill/>
+              </p:spPr>
+              <p:txBody>
+                <a:bodyPr wrap="square" rtlCol="0">
+                  <a:spAutoFit/>
+                </a:bodyPr>
+                <a:lstStyle/>
+                <a:p>
+                  <a:pPr algn="ctr"/>
+                  <a:r>
+                    <a:rPr lang="fr-FR" dirty="0"/>
+                    <a:t>SUSPECT : contrôleur</a:t>
+                  </a:r>
+                </a:p>
+              </p:txBody>
+            </p:sp>
+          </p:grpSp>
+          <p:pic>
+            <p:nvPicPr>
+              <p:cNvPr id="4098" name="Picture 2" descr="Pourquoi c’est cool de prendre le métro à Paris">
+                <a:extLst>
+                  <a:ext uri="{FF2B5EF4-FFF2-40B4-BE49-F238E27FC236}">
+                    <a16:creationId xmlns:a16="http://schemas.microsoft.com/office/drawing/2014/main" id="{1AF0A569-603F-486C-B5F3-B1A40589BEFB}"/>
+                  </a:ext>
+                </a:extLst>
+              </p:cNvPr>
+              <p:cNvPicPr>
+                <a:picLocks noChangeAspect="1" noChangeArrowheads="1"/>
+              </p:cNvPicPr>
+              <p:nvPr/>
+            </p:nvPicPr>
+            <p:blipFill rotWithShape="1">
+              <a:blip r:embed="rId2">
+                <a:extLst>
+                  <a:ext uri="{28A0092B-C50C-407E-A947-70E740481C1C}">
+                    <a14:useLocalDpi xmlns:a14="http://schemas.microsoft.com/office/drawing/2010/main" val="0"/>
+                  </a:ext>
+                </a:extLst>
+              </a:blip>
+              <a:srcRect l="23198" t="16338" r="25365" b="18619"/>
+              <a:stretch/>
+            </p:blipFill>
+            <p:spPr bwMode="auto">
+              <a:xfrm>
+                <a:off x="590756" y="854277"/>
+                <a:ext cx="3409950" cy="2354234"/>
               </a:xfrm>
               <a:prstGeom prst="roundRect">
                 <a:avLst/>
               </a:prstGeom>
-              <a:solidFill>
-                <a:srgbClr val="FFC000"/>
-              </a:solidFill>
-              <a:ln>
-                <a:noFill/>
-              </a:ln>
-            </p:spPr>
-            <p:style>
-              <a:lnRef idx="2">
-                <a:schemeClr val="accent1">
-                  <a:shade val="50000"/>
-                </a:schemeClr>
-              </a:lnRef>
-              <a:fillRef idx="1">
-                <a:schemeClr val="accent1"/>
-              </a:fillRef>
-              <a:effectRef idx="0">
-                <a:schemeClr val="accent1"/>
-              </a:effectRef>
-              <a:fontRef idx="minor">
-                <a:schemeClr val="lt1"/>
-              </a:fontRef>
-            </p:style>
-            <p:txBody>
-              <a:bodyPr rtlCol="0" anchor="ctr"/>
-              <a:lstStyle/>
-              <a:p>
-                <a:pPr algn="ctr"/>
-                <a:endParaRPr lang="fr-FR" dirty="0"/>
-              </a:p>
-            </p:txBody>
-          </p:sp>
-          <p:sp>
-            <p:nvSpPr>
-              <p:cNvPr id="14" name="ZoneTexte 13">
-                <a:extLst>
-                  <a:ext uri="{FF2B5EF4-FFF2-40B4-BE49-F238E27FC236}">
-                    <a16:creationId xmlns:a16="http://schemas.microsoft.com/office/drawing/2014/main" id="{D6E3EC0B-2537-40BD-BE36-8C1134B54F00}"/>
-                  </a:ext>
-                </a:extLst>
-              </p:cNvPr>
-              <p:cNvSpPr txBox="1"/>
-              <p:nvPr/>
-            </p:nvSpPr>
-            <p:spPr>
-              <a:xfrm>
-                <a:off x="571039" y="3278679"/>
-                <a:ext cx="3409950" cy="369332"/>
-              </a:xfrm>
-              <a:prstGeom prst="rect">
-                <a:avLst/>
-              </a:prstGeom>
               <a:noFill/>
-            </p:spPr>
-            <p:txBody>
-              <a:bodyPr wrap="square" rtlCol="0">
-                <a:spAutoFit/>
-              </a:bodyPr>
-              <a:lstStyle/>
-              <a:p>
-                <a:pPr algn="ctr"/>
-                <a:r>
-                  <a:rPr lang="fr-FR" dirty="0"/>
-                  <a:t>SUSPECT : contrôleur</a:t>
-                </a:r>
-              </a:p>
-            </p:txBody>
-          </p:sp>
-        </p:grpSp>
-        <p:pic>
-          <p:nvPicPr>
-            <p:cNvPr id="4098" name="Picture 2" descr="Pourquoi c’est cool de prendre le métro à Paris">
               <a:extLst>
-                <a:ext uri="{FF2B5EF4-FFF2-40B4-BE49-F238E27FC236}">
-                  <a16:creationId xmlns:a16="http://schemas.microsoft.com/office/drawing/2014/main" id="{1AF0A569-603F-486C-B5F3-B1A40589BEFB}"/>
+                <a:ext uri="{909E8E84-426E-40DD-AFC4-6F175D3DCCD1}">
+                  <a14:hiddenFill xmlns:a14="http://schemas.microsoft.com/office/drawing/2010/main">
+                    <a:solidFill>
+                      <a:srgbClr val="FFFFFF"/>
+                    </a:solidFill>
+                  </a14:hiddenFill>
                 </a:ext>
               </a:extLst>
-            </p:cNvPr>
-            <p:cNvPicPr>
-              <a:picLocks noChangeAspect="1" noChangeArrowheads="1"/>
-            </p:cNvPicPr>
-            <p:nvPr/>
-          </p:nvPicPr>
-          <p:blipFill rotWithShape="1">
-            <a:blip r:embed="rId2">
-              <a:extLst>
-                <a:ext uri="{28A0092B-C50C-407E-A947-70E740481C1C}">
-                  <a14:useLocalDpi xmlns:a14="http://schemas.microsoft.com/office/drawing/2010/main" val="0"/>
-                </a:ext>
-              </a:extLst>
-            </a:blip>
-            <a:srcRect l="23198" t="16338" r="25365" b="18619"/>
-            <a:stretch/>
-          </p:blipFill>
-          <p:spPr bwMode="auto">
-            <a:xfrm>
-              <a:off x="590756" y="854277"/>
-              <a:ext cx="3409950" cy="2354234"/>
-            </a:xfrm>
-            <a:prstGeom prst="roundRect">
-              <a:avLst/>
-            </a:prstGeom>
-            <a:noFill/>
-            <a:extLst>
-              <a:ext uri="{909E8E84-426E-40DD-AFC4-6F175D3DCCD1}">
-                <a14:hiddenFill xmlns:a14="http://schemas.microsoft.com/office/drawing/2010/main">
-                  <a:solidFill>
-                    <a:srgbClr val="FFFFFF"/>
-                  </a:solidFill>
-                </a14:hiddenFill>
-              </a:ext>
-            </a:extLst>
-          </p:spPr>
-        </p:pic>
+            </p:spPr>
+          </p:pic>
+        </p:grpSp>
       </p:grpSp>
       <p:grpSp>
         <p:nvGrpSpPr>
-          <p:cNvPr id="8" name="Groupe 7">
+          <p:cNvPr id="16" name="Groupe 15">
             <a:extLst>
               <a:ext uri="{FF2B5EF4-FFF2-40B4-BE49-F238E27FC236}">
-                <a16:creationId xmlns:a16="http://schemas.microsoft.com/office/drawing/2014/main" id="{E20B2545-0F4C-4700-9F05-69D1D7B27CB6}"/>
+                <a16:creationId xmlns:a16="http://schemas.microsoft.com/office/drawing/2014/main" id="{B74425E8-A2A6-4519-8C07-F556E04597A9}"/>
               </a:ext>
             </a:extLst>
           </p:cNvPr>
@@ -18566,12 +19490,64 @@
             <a:chExt cx="3409950" cy="2782332"/>
           </a:xfrm>
         </p:grpSpPr>
+        <p:sp>
+          <p:nvSpPr>
+            <p:cNvPr id="49" name="Rectangle 48">
+              <a:extLst>
+                <a:ext uri="{FF2B5EF4-FFF2-40B4-BE49-F238E27FC236}">
+                  <a16:creationId xmlns:a16="http://schemas.microsoft.com/office/drawing/2014/main" id="{D9BC97DC-C869-4274-9606-EBA3042A4BC5}"/>
+                </a:ext>
+              </a:extLst>
+            </p:cNvPr>
+            <p:cNvSpPr/>
+            <p:nvPr/>
+          </p:nvSpPr>
+          <p:spPr>
+            <a:xfrm>
+              <a:off x="8389404" y="854277"/>
+              <a:ext cx="3409950" cy="2782332"/>
+            </a:xfrm>
+            <a:prstGeom prst="rect">
+              <a:avLst/>
+            </a:prstGeom>
+            <a:solidFill>
+              <a:srgbClr val="FF00FF"/>
+            </a:solidFill>
+            <a:ln>
+              <a:noFill/>
+            </a:ln>
+          </p:spPr>
+          <p:style>
+            <a:lnRef idx="2">
+              <a:schemeClr val="accent1">
+                <a:shade val="50000"/>
+              </a:schemeClr>
+            </a:lnRef>
+            <a:fillRef idx="1">
+              <a:schemeClr val="accent1"/>
+            </a:fillRef>
+            <a:effectRef idx="0">
+              <a:schemeClr val="accent1"/>
+            </a:effectRef>
+            <a:fontRef idx="minor">
+              <a:schemeClr val="lt1"/>
+            </a:fontRef>
+          </p:style>
+          <p:txBody>
+            <a:bodyPr rtlCol="0" anchor="ctr"/>
+            <a:lstStyle/>
+            <a:p>
+              <a:pPr algn="ctr"/>
+              <a:endParaRPr lang="fr-FR"/>
+            </a:p>
+          </p:txBody>
+        </p:sp>
         <p:grpSp>
           <p:nvGrpSpPr>
-            <p:cNvPr id="42" name="Groupe 41">
+            <p:cNvPr id="8" name="Groupe 7">
               <a:extLst>
                 <a:ext uri="{FF2B5EF4-FFF2-40B4-BE49-F238E27FC236}">
-                  <a16:creationId xmlns:a16="http://schemas.microsoft.com/office/drawing/2014/main" id="{EDB3F3DE-483F-49D2-8458-7D8B26ACD87B}"/>
+                  <a16:creationId xmlns:a16="http://schemas.microsoft.com/office/drawing/2014/main" id="{E20B2545-0F4C-4700-9F05-69D1D7B27CB6}"/>
                 </a:ext>
               </a:extLst>
             </p:cNvPr>
@@ -18582,151 +19558,172 @@
             <a:xfrm>
               <a:off x="8389404" y="854277"/>
               <a:ext cx="3409950" cy="2782332"/>
-              <a:chOff x="571039" y="865679"/>
+              <a:chOff x="8389404" y="854277"/>
               <a:chExt cx="3409950" cy="2782332"/>
             </a:xfrm>
           </p:grpSpPr>
-          <p:sp>
-            <p:nvSpPr>
-              <p:cNvPr id="43" name="Rectangle : coins arrondis 42">
+          <p:grpSp>
+            <p:nvGrpSpPr>
+              <p:cNvPr id="42" name="Groupe 41">
                 <a:extLst>
                   <a:ext uri="{FF2B5EF4-FFF2-40B4-BE49-F238E27FC236}">
-                    <a16:creationId xmlns:a16="http://schemas.microsoft.com/office/drawing/2014/main" id="{88558424-66F2-49B6-AFC5-03B2EDEADC04}"/>
+                    <a16:creationId xmlns:a16="http://schemas.microsoft.com/office/drawing/2014/main" id="{EDB3F3DE-483F-49D2-8458-7D8B26ACD87B}"/>
                   </a:ext>
                 </a:extLst>
               </p:cNvPr>
-              <p:cNvSpPr/>
+              <p:cNvGrpSpPr/>
               <p:nvPr/>
-            </p:nvSpPr>
-            <p:spPr>
+            </p:nvGrpSpPr>
+            <p:grpSpPr>
               <a:xfrm>
-                <a:off x="571039" y="865679"/>
+                <a:off x="8389404" y="854277"/>
                 <a:ext cx="3409950" cy="2782332"/>
+                <a:chOff x="571039" y="865679"/>
+                <a:chExt cx="3409950" cy="2782332"/>
+              </a:xfrm>
+            </p:grpSpPr>
+            <p:sp>
+              <p:nvSpPr>
+                <p:cNvPr id="43" name="Rectangle : coins arrondis 42">
+                  <a:extLst>
+                    <a:ext uri="{FF2B5EF4-FFF2-40B4-BE49-F238E27FC236}">
+                      <a16:creationId xmlns:a16="http://schemas.microsoft.com/office/drawing/2014/main" id="{88558424-66F2-49B6-AFC5-03B2EDEADC04}"/>
+                    </a:ext>
+                  </a:extLst>
+                </p:cNvPr>
+                <p:cNvSpPr/>
+                <p:nvPr/>
+              </p:nvSpPr>
+              <p:spPr>
+                <a:xfrm>
+                  <a:off x="571039" y="865679"/>
+                  <a:ext cx="3409950" cy="2782332"/>
+                </a:xfrm>
+                <a:prstGeom prst="roundRect">
+                  <a:avLst/>
+                </a:prstGeom>
+                <a:solidFill>
+                  <a:srgbClr val="FFC000"/>
+                </a:solidFill>
+                <a:ln>
+                  <a:noFill/>
+                </a:ln>
+              </p:spPr>
+              <p:style>
+                <a:lnRef idx="2">
+                  <a:schemeClr val="accent1">
+                    <a:shade val="50000"/>
+                  </a:schemeClr>
+                </a:lnRef>
+                <a:fillRef idx="1">
+                  <a:schemeClr val="accent1"/>
+                </a:fillRef>
+                <a:effectRef idx="0">
+                  <a:schemeClr val="accent1"/>
+                </a:effectRef>
+                <a:fontRef idx="minor">
+                  <a:schemeClr val="lt1"/>
+                </a:fontRef>
+              </p:style>
+              <p:txBody>
+                <a:bodyPr rtlCol="0" anchor="ctr"/>
+                <a:lstStyle/>
+                <a:p>
+                  <a:pPr algn="ctr"/>
+                  <a:endParaRPr lang="fr-FR" dirty="0"/>
+                </a:p>
+              </p:txBody>
+            </p:sp>
+            <p:sp>
+              <p:nvSpPr>
+                <p:cNvPr id="44" name="ZoneTexte 43">
+                  <a:extLst>
+                    <a:ext uri="{FF2B5EF4-FFF2-40B4-BE49-F238E27FC236}">
+                      <a16:creationId xmlns:a16="http://schemas.microsoft.com/office/drawing/2014/main" id="{D78933E8-EC20-4677-9BDA-EAC88534F7A6}"/>
+                    </a:ext>
+                  </a:extLst>
+                </p:cNvPr>
+                <p:cNvSpPr txBox="1"/>
+                <p:nvPr/>
+              </p:nvSpPr>
+              <p:spPr>
+                <a:xfrm>
+                  <a:off x="571039" y="3278679"/>
+                  <a:ext cx="3409950" cy="369332"/>
+                </a:xfrm>
+                <a:prstGeom prst="rect">
+                  <a:avLst/>
+                </a:prstGeom>
+                <a:noFill/>
+              </p:spPr>
+              <p:txBody>
+                <a:bodyPr wrap="square" rtlCol="0">
+                  <a:spAutoFit/>
+                </a:bodyPr>
+                <a:lstStyle/>
+                <a:p>
+                  <a:pPr algn="ctr"/>
+                  <a:r>
+                    <a:rPr lang="fr-FR" dirty="0"/>
+                    <a:t>SUSPECT : agent de sécurité</a:t>
+                  </a:r>
+                </a:p>
+              </p:txBody>
+            </p:sp>
+          </p:grpSp>
+          <p:pic>
+            <p:nvPicPr>
+              <p:cNvPr id="4100" name="Picture 4" descr="Paris: les agents de la RATP sûreté bientôt équipés d ...">
+                <a:extLst>
+                  <a:ext uri="{FF2B5EF4-FFF2-40B4-BE49-F238E27FC236}">
+                    <a16:creationId xmlns:a16="http://schemas.microsoft.com/office/drawing/2014/main" id="{5142EDEF-B252-471A-B1A1-EA1BC17754DD}"/>
+                  </a:ext>
+                </a:extLst>
+              </p:cNvPr>
+              <p:cNvPicPr>
+                <a:picLocks noChangeAspect="1" noChangeArrowheads="1"/>
+              </p:cNvPicPr>
+              <p:nvPr/>
+            </p:nvPicPr>
+            <p:blipFill rotWithShape="1">
+              <a:blip r:embed="rId3">
+                <a:extLst>
+                  <a:ext uri="{28A0092B-C50C-407E-A947-70E740481C1C}">
+                    <a14:useLocalDpi xmlns:a14="http://schemas.microsoft.com/office/drawing/2010/main" val="0"/>
+                  </a:ext>
+                </a:extLst>
+              </a:blip>
+              <a:srcRect l="38810" t="1637" r="8074" b="32437"/>
+              <a:stretch/>
+            </p:blipFill>
+            <p:spPr bwMode="auto">
+              <a:xfrm>
+                <a:off x="8389404" y="854277"/>
+                <a:ext cx="3409950" cy="2386176"/>
               </a:xfrm>
               <a:prstGeom prst="roundRect">
                 <a:avLst/>
               </a:prstGeom>
-              <a:solidFill>
-                <a:srgbClr val="FFC000"/>
-              </a:solidFill>
-              <a:ln>
-                <a:noFill/>
-              </a:ln>
-            </p:spPr>
-            <p:style>
-              <a:lnRef idx="2">
-                <a:schemeClr val="accent1">
-                  <a:shade val="50000"/>
-                </a:schemeClr>
-              </a:lnRef>
-              <a:fillRef idx="1">
-                <a:schemeClr val="accent1"/>
-              </a:fillRef>
-              <a:effectRef idx="0">
-                <a:schemeClr val="accent1"/>
-              </a:effectRef>
-              <a:fontRef idx="minor">
-                <a:schemeClr val="lt1"/>
-              </a:fontRef>
-            </p:style>
-            <p:txBody>
-              <a:bodyPr rtlCol="0" anchor="ctr"/>
-              <a:lstStyle/>
-              <a:p>
-                <a:pPr algn="ctr"/>
-                <a:endParaRPr lang="fr-FR" dirty="0"/>
-              </a:p>
-            </p:txBody>
-          </p:sp>
-          <p:sp>
-            <p:nvSpPr>
-              <p:cNvPr id="44" name="ZoneTexte 43">
-                <a:extLst>
-                  <a:ext uri="{FF2B5EF4-FFF2-40B4-BE49-F238E27FC236}">
-                    <a16:creationId xmlns:a16="http://schemas.microsoft.com/office/drawing/2014/main" id="{D78933E8-EC20-4677-9BDA-EAC88534F7A6}"/>
-                  </a:ext>
-                </a:extLst>
-              </p:cNvPr>
-              <p:cNvSpPr txBox="1"/>
-              <p:nvPr/>
-            </p:nvSpPr>
-            <p:spPr>
-              <a:xfrm>
-                <a:off x="571039" y="3278679"/>
-                <a:ext cx="3409950" cy="369332"/>
-              </a:xfrm>
-              <a:prstGeom prst="rect">
-                <a:avLst/>
-              </a:prstGeom>
               <a:noFill/>
-            </p:spPr>
-            <p:txBody>
-              <a:bodyPr wrap="square" rtlCol="0">
-                <a:spAutoFit/>
-              </a:bodyPr>
-              <a:lstStyle/>
-              <a:p>
-                <a:pPr algn="ctr"/>
-                <a:r>
-                  <a:rPr lang="fr-FR" dirty="0"/>
-                  <a:t>SUSPECT : agent de sécurité</a:t>
-                </a:r>
-              </a:p>
-            </p:txBody>
-          </p:sp>
-        </p:grpSp>
-        <p:pic>
-          <p:nvPicPr>
-            <p:cNvPr id="4100" name="Picture 4" descr="Paris: les agents de la RATP sûreté bientôt équipés d ...">
               <a:extLst>
-                <a:ext uri="{FF2B5EF4-FFF2-40B4-BE49-F238E27FC236}">
-                  <a16:creationId xmlns:a16="http://schemas.microsoft.com/office/drawing/2014/main" id="{5142EDEF-B252-471A-B1A1-EA1BC17754DD}"/>
+                <a:ext uri="{909E8E84-426E-40DD-AFC4-6F175D3DCCD1}">
+                  <a14:hiddenFill xmlns:a14="http://schemas.microsoft.com/office/drawing/2010/main">
+                    <a:solidFill>
+                      <a:srgbClr val="FFFFFF"/>
+                    </a:solidFill>
+                  </a14:hiddenFill>
                 </a:ext>
               </a:extLst>
-            </p:cNvPr>
-            <p:cNvPicPr>
-              <a:picLocks noChangeAspect="1" noChangeArrowheads="1"/>
-            </p:cNvPicPr>
-            <p:nvPr/>
-          </p:nvPicPr>
-          <p:blipFill rotWithShape="1">
-            <a:blip r:embed="rId3">
-              <a:extLst>
-                <a:ext uri="{28A0092B-C50C-407E-A947-70E740481C1C}">
-                  <a14:useLocalDpi xmlns:a14="http://schemas.microsoft.com/office/drawing/2010/main" val="0"/>
-                </a:ext>
-              </a:extLst>
-            </a:blip>
-            <a:srcRect l="38810" t="1637" r="8074" b="32437"/>
-            <a:stretch/>
-          </p:blipFill>
-          <p:spPr bwMode="auto">
-            <a:xfrm>
-              <a:off x="8389404" y="854277"/>
-              <a:ext cx="3409950" cy="2386176"/>
-            </a:xfrm>
-            <a:prstGeom prst="roundRect">
-              <a:avLst/>
-            </a:prstGeom>
-            <a:noFill/>
-            <a:extLst>
-              <a:ext uri="{909E8E84-426E-40DD-AFC4-6F175D3DCCD1}">
-                <a14:hiddenFill xmlns:a14="http://schemas.microsoft.com/office/drawing/2010/main">
-                  <a:solidFill>
-                    <a:srgbClr val="FFFFFF"/>
-                  </a:solidFill>
-                </a14:hiddenFill>
-              </a:ext>
-            </a:extLst>
-          </p:spPr>
-        </p:pic>
+            </p:spPr>
+          </p:pic>
+        </p:grpSp>
       </p:grpSp>
       <p:grpSp>
         <p:nvGrpSpPr>
-          <p:cNvPr id="11" name="Groupe 10">
+          <p:cNvPr id="3" name="Groupe 2">
             <a:extLst>
               <a:ext uri="{FF2B5EF4-FFF2-40B4-BE49-F238E27FC236}">
-                <a16:creationId xmlns:a16="http://schemas.microsoft.com/office/drawing/2014/main" id="{6DDD52BD-A565-474A-AC37-0121186A9C71}"/>
+                <a16:creationId xmlns:a16="http://schemas.microsoft.com/office/drawing/2014/main" id="{2CF7A541-1269-4073-B50D-F6B274C4CA23}"/>
               </a:ext>
             </a:extLst>
           </p:cNvPr>
@@ -18735,18 +19732,70 @@
         </p:nvGrpSpPr>
         <p:grpSpPr>
           <a:xfrm>
-            <a:off x="489008" y="3955742"/>
-            <a:ext cx="3409950" cy="2782332"/>
-            <a:chOff x="489008" y="3955742"/>
-            <a:chExt cx="3409950" cy="2782332"/>
+            <a:off x="489008" y="3954635"/>
+            <a:ext cx="3409950" cy="2783439"/>
+            <a:chOff x="489008" y="3954635"/>
+            <a:chExt cx="3409950" cy="2783439"/>
           </a:xfrm>
         </p:grpSpPr>
+        <p:sp>
+          <p:nvSpPr>
+            <p:cNvPr id="51" name="Rectangle 50">
+              <a:extLst>
+                <a:ext uri="{FF2B5EF4-FFF2-40B4-BE49-F238E27FC236}">
+                  <a16:creationId xmlns:a16="http://schemas.microsoft.com/office/drawing/2014/main" id="{6AF743D2-8C42-4029-A855-5BAEA5AE919D}"/>
+                </a:ext>
+              </a:extLst>
+            </p:cNvPr>
+            <p:cNvSpPr/>
+            <p:nvPr/>
+          </p:nvSpPr>
+          <p:spPr>
+            <a:xfrm>
+              <a:off x="489008" y="3954635"/>
+              <a:ext cx="3409950" cy="2782332"/>
+            </a:xfrm>
+            <a:prstGeom prst="rect">
+              <a:avLst/>
+            </a:prstGeom>
+            <a:solidFill>
+              <a:srgbClr val="FF00FF"/>
+            </a:solidFill>
+            <a:ln>
+              <a:noFill/>
+            </a:ln>
+          </p:spPr>
+          <p:style>
+            <a:lnRef idx="2">
+              <a:schemeClr val="accent1">
+                <a:shade val="50000"/>
+              </a:schemeClr>
+            </a:lnRef>
+            <a:fillRef idx="1">
+              <a:schemeClr val="accent1"/>
+            </a:fillRef>
+            <a:effectRef idx="0">
+              <a:schemeClr val="accent1"/>
+            </a:effectRef>
+            <a:fontRef idx="minor">
+              <a:schemeClr val="lt1"/>
+            </a:fontRef>
+          </p:style>
+          <p:txBody>
+            <a:bodyPr rtlCol="0" anchor="ctr"/>
+            <a:lstStyle/>
+            <a:p>
+              <a:pPr algn="ctr"/>
+              <a:endParaRPr lang="fr-FR"/>
+            </a:p>
+          </p:txBody>
+        </p:sp>
         <p:grpSp>
           <p:nvGrpSpPr>
-            <p:cNvPr id="39" name="Groupe 38">
+            <p:cNvPr id="11" name="Groupe 10">
               <a:extLst>
                 <a:ext uri="{FF2B5EF4-FFF2-40B4-BE49-F238E27FC236}">
-                  <a16:creationId xmlns:a16="http://schemas.microsoft.com/office/drawing/2014/main" id="{78F50E9C-2336-4DAF-9D91-771652E343AE}"/>
+                  <a16:creationId xmlns:a16="http://schemas.microsoft.com/office/drawing/2014/main" id="{6DDD52BD-A565-474A-AC37-0121186A9C71}"/>
                 </a:ext>
               </a:extLst>
             </p:cNvPr>
@@ -18757,151 +19806,172 @@
             <a:xfrm>
               <a:off x="489008" y="3955742"/>
               <a:ext cx="3409950" cy="2782332"/>
-              <a:chOff x="571039" y="865679"/>
+              <a:chOff x="489008" y="3955742"/>
               <a:chExt cx="3409950" cy="2782332"/>
             </a:xfrm>
           </p:grpSpPr>
-          <p:sp>
-            <p:nvSpPr>
-              <p:cNvPr id="40" name="Rectangle : coins arrondis 39">
+          <p:grpSp>
+            <p:nvGrpSpPr>
+              <p:cNvPr id="39" name="Groupe 38">
                 <a:extLst>
                   <a:ext uri="{FF2B5EF4-FFF2-40B4-BE49-F238E27FC236}">
-                    <a16:creationId xmlns:a16="http://schemas.microsoft.com/office/drawing/2014/main" id="{0F185DFF-A371-45EF-BDED-8DF89BCF1E9E}"/>
+                    <a16:creationId xmlns:a16="http://schemas.microsoft.com/office/drawing/2014/main" id="{78F50E9C-2336-4DAF-9D91-771652E343AE}"/>
                   </a:ext>
                 </a:extLst>
               </p:cNvPr>
-              <p:cNvSpPr/>
+              <p:cNvGrpSpPr/>
               <p:nvPr/>
-            </p:nvSpPr>
-            <p:spPr>
+            </p:nvGrpSpPr>
+            <p:grpSpPr>
               <a:xfrm>
-                <a:off x="571039" y="865679"/>
+                <a:off x="489008" y="3955742"/>
                 <a:ext cx="3409950" cy="2782332"/>
+                <a:chOff x="571039" y="865679"/>
+                <a:chExt cx="3409950" cy="2782332"/>
+              </a:xfrm>
+            </p:grpSpPr>
+            <p:sp>
+              <p:nvSpPr>
+                <p:cNvPr id="40" name="Rectangle : coins arrondis 39">
+                  <a:extLst>
+                    <a:ext uri="{FF2B5EF4-FFF2-40B4-BE49-F238E27FC236}">
+                      <a16:creationId xmlns:a16="http://schemas.microsoft.com/office/drawing/2014/main" id="{0F185DFF-A371-45EF-BDED-8DF89BCF1E9E}"/>
+                    </a:ext>
+                  </a:extLst>
+                </p:cNvPr>
+                <p:cNvSpPr/>
+                <p:nvPr/>
+              </p:nvSpPr>
+              <p:spPr>
+                <a:xfrm>
+                  <a:off x="571039" y="865679"/>
+                  <a:ext cx="3409950" cy="2782332"/>
+                </a:xfrm>
+                <a:prstGeom prst="roundRect">
+                  <a:avLst/>
+                </a:prstGeom>
+                <a:solidFill>
+                  <a:srgbClr val="FFC000"/>
+                </a:solidFill>
+                <a:ln>
+                  <a:noFill/>
+                </a:ln>
+              </p:spPr>
+              <p:style>
+                <a:lnRef idx="2">
+                  <a:schemeClr val="accent1">
+                    <a:shade val="50000"/>
+                  </a:schemeClr>
+                </a:lnRef>
+                <a:fillRef idx="1">
+                  <a:schemeClr val="accent1"/>
+                </a:fillRef>
+                <a:effectRef idx="0">
+                  <a:schemeClr val="accent1"/>
+                </a:effectRef>
+                <a:fontRef idx="minor">
+                  <a:schemeClr val="lt1"/>
+                </a:fontRef>
+              </p:style>
+              <p:txBody>
+                <a:bodyPr rtlCol="0" anchor="ctr"/>
+                <a:lstStyle/>
+                <a:p>
+                  <a:pPr algn="ctr"/>
+                  <a:endParaRPr lang="fr-FR" dirty="0"/>
+                </a:p>
+              </p:txBody>
+            </p:sp>
+            <p:sp>
+              <p:nvSpPr>
+                <p:cNvPr id="41" name="ZoneTexte 40">
+                  <a:extLst>
+                    <a:ext uri="{FF2B5EF4-FFF2-40B4-BE49-F238E27FC236}">
+                      <a16:creationId xmlns:a16="http://schemas.microsoft.com/office/drawing/2014/main" id="{AB16B035-5A02-4B49-A7A6-6EFB11ABAEB3}"/>
+                    </a:ext>
+                  </a:extLst>
+                </p:cNvPr>
+                <p:cNvSpPr txBox="1"/>
+                <p:nvPr/>
+              </p:nvSpPr>
+              <p:spPr>
+                <a:xfrm>
+                  <a:off x="571039" y="3278679"/>
+                  <a:ext cx="3409950" cy="369332"/>
+                </a:xfrm>
+                <a:prstGeom prst="rect">
+                  <a:avLst/>
+                </a:prstGeom>
+                <a:noFill/>
+              </p:spPr>
+              <p:txBody>
+                <a:bodyPr wrap="square" rtlCol="0">
+                  <a:spAutoFit/>
+                </a:bodyPr>
+                <a:lstStyle/>
+                <a:p>
+                  <a:pPr algn="ctr"/>
+                  <a:r>
+                    <a:rPr lang="fr-FR" dirty="0"/>
+                    <a:t>SUSPECT : passager</a:t>
+                  </a:r>
+                </a:p>
+              </p:txBody>
+            </p:sp>
+          </p:grpSp>
+          <p:pic>
+            <p:nvPicPr>
+              <p:cNvPr id="4102" name="Picture 6" descr="Retraites: trafic RATP et SNCF toujours perturbé dimanche ...">
+                <a:extLst>
+                  <a:ext uri="{FF2B5EF4-FFF2-40B4-BE49-F238E27FC236}">
+                    <a16:creationId xmlns:a16="http://schemas.microsoft.com/office/drawing/2014/main" id="{532D9ACE-0F12-4151-A33F-06ACE69A230A}"/>
+                  </a:ext>
+                </a:extLst>
+              </p:cNvPr>
+              <p:cNvPicPr>
+                <a:picLocks noChangeAspect="1" noChangeArrowheads="1"/>
+              </p:cNvPicPr>
+              <p:nvPr/>
+            </p:nvPicPr>
+            <p:blipFill rotWithShape="1">
+              <a:blip r:embed="rId4">
+                <a:extLst>
+                  <a:ext uri="{28A0092B-C50C-407E-A947-70E740481C1C}">
+                    <a14:useLocalDpi xmlns:a14="http://schemas.microsoft.com/office/drawing/2010/main" val="0"/>
+                  </a:ext>
+                </a:extLst>
+              </a:blip>
+              <a:srcRect l="18626" t="32927" r="18762" b="2030"/>
+              <a:stretch/>
+            </p:blipFill>
+            <p:spPr bwMode="auto">
+              <a:xfrm>
+                <a:off x="489008" y="3955742"/>
+                <a:ext cx="3409950" cy="2354234"/>
               </a:xfrm>
               <a:prstGeom prst="roundRect">
                 <a:avLst/>
               </a:prstGeom>
-              <a:solidFill>
-                <a:srgbClr val="FFC000"/>
-              </a:solidFill>
-              <a:ln>
-                <a:noFill/>
-              </a:ln>
-            </p:spPr>
-            <p:style>
-              <a:lnRef idx="2">
-                <a:schemeClr val="accent1">
-                  <a:shade val="50000"/>
-                </a:schemeClr>
-              </a:lnRef>
-              <a:fillRef idx="1">
-                <a:schemeClr val="accent1"/>
-              </a:fillRef>
-              <a:effectRef idx="0">
-                <a:schemeClr val="accent1"/>
-              </a:effectRef>
-              <a:fontRef idx="minor">
-                <a:schemeClr val="lt1"/>
-              </a:fontRef>
-            </p:style>
-            <p:txBody>
-              <a:bodyPr rtlCol="0" anchor="ctr"/>
-              <a:lstStyle/>
-              <a:p>
-                <a:pPr algn="ctr"/>
-                <a:endParaRPr lang="fr-FR" dirty="0"/>
-              </a:p>
-            </p:txBody>
-          </p:sp>
-          <p:sp>
-            <p:nvSpPr>
-              <p:cNvPr id="41" name="ZoneTexte 40">
-                <a:extLst>
-                  <a:ext uri="{FF2B5EF4-FFF2-40B4-BE49-F238E27FC236}">
-                    <a16:creationId xmlns:a16="http://schemas.microsoft.com/office/drawing/2014/main" id="{AB16B035-5A02-4B49-A7A6-6EFB11ABAEB3}"/>
-                  </a:ext>
-                </a:extLst>
-              </p:cNvPr>
-              <p:cNvSpPr txBox="1"/>
-              <p:nvPr/>
-            </p:nvSpPr>
-            <p:spPr>
-              <a:xfrm>
-                <a:off x="571039" y="3278679"/>
-                <a:ext cx="3409950" cy="369332"/>
-              </a:xfrm>
-              <a:prstGeom prst="rect">
-                <a:avLst/>
-              </a:prstGeom>
               <a:noFill/>
-            </p:spPr>
-            <p:txBody>
-              <a:bodyPr wrap="square" rtlCol="0">
-                <a:spAutoFit/>
-              </a:bodyPr>
-              <a:lstStyle/>
-              <a:p>
-                <a:pPr algn="ctr"/>
-                <a:r>
-                  <a:rPr lang="fr-FR" dirty="0"/>
-                  <a:t>SUSPECT : passager</a:t>
-                </a:r>
-              </a:p>
-            </p:txBody>
-          </p:sp>
-        </p:grpSp>
-        <p:pic>
-          <p:nvPicPr>
-            <p:cNvPr id="4102" name="Picture 6" descr="Retraites: trafic RATP et SNCF toujours perturbé dimanche ...">
               <a:extLst>
-                <a:ext uri="{FF2B5EF4-FFF2-40B4-BE49-F238E27FC236}">
-                  <a16:creationId xmlns:a16="http://schemas.microsoft.com/office/drawing/2014/main" id="{532D9ACE-0F12-4151-A33F-06ACE69A230A}"/>
+                <a:ext uri="{909E8E84-426E-40DD-AFC4-6F175D3DCCD1}">
+                  <a14:hiddenFill xmlns:a14="http://schemas.microsoft.com/office/drawing/2010/main">
+                    <a:solidFill>
+                      <a:srgbClr val="FFFFFF"/>
+                    </a:solidFill>
+                  </a14:hiddenFill>
                 </a:ext>
               </a:extLst>
-            </p:cNvPr>
-            <p:cNvPicPr>
-              <a:picLocks noChangeAspect="1" noChangeArrowheads="1"/>
-            </p:cNvPicPr>
-            <p:nvPr/>
-          </p:nvPicPr>
-          <p:blipFill rotWithShape="1">
-            <a:blip r:embed="rId4">
-              <a:extLst>
-                <a:ext uri="{28A0092B-C50C-407E-A947-70E740481C1C}">
-                  <a14:useLocalDpi xmlns:a14="http://schemas.microsoft.com/office/drawing/2010/main" val="0"/>
-                </a:ext>
-              </a:extLst>
-            </a:blip>
-            <a:srcRect l="18626" t="32927" r="18762" b="2030"/>
-            <a:stretch/>
-          </p:blipFill>
-          <p:spPr bwMode="auto">
-            <a:xfrm>
-              <a:off x="489008" y="3955742"/>
-              <a:ext cx="3409950" cy="2354234"/>
-            </a:xfrm>
-            <a:prstGeom prst="roundRect">
-              <a:avLst/>
-            </a:prstGeom>
-            <a:noFill/>
-            <a:extLst>
-              <a:ext uri="{909E8E84-426E-40DD-AFC4-6F175D3DCCD1}">
-                <a14:hiddenFill xmlns:a14="http://schemas.microsoft.com/office/drawing/2010/main">
-                  <a:solidFill>
-                    <a:srgbClr val="FFFFFF"/>
-                  </a:solidFill>
-                </a14:hiddenFill>
-              </a:ext>
-            </a:extLst>
-          </p:spPr>
-        </p:pic>
+            </p:spPr>
+          </p:pic>
+        </p:grpSp>
       </p:grpSp>
       <p:grpSp>
         <p:nvGrpSpPr>
-          <p:cNvPr id="9" name="Groupe 8">
+          <p:cNvPr id="15" name="Groupe 14">
             <a:extLst>
               <a:ext uri="{FF2B5EF4-FFF2-40B4-BE49-F238E27FC236}">
-                <a16:creationId xmlns:a16="http://schemas.microsoft.com/office/drawing/2014/main" id="{6F330687-F36C-4A1D-9E78-C01C7587DBA2}"/>
+                <a16:creationId xmlns:a16="http://schemas.microsoft.com/office/drawing/2014/main" id="{5B93BA78-0EB6-49F0-A0BF-3C055A5C744F}"/>
               </a:ext>
             </a:extLst>
           </p:cNvPr>
@@ -18910,18 +19980,70 @@
         </p:nvGrpSpPr>
         <p:grpSpPr>
           <a:xfrm>
-            <a:off x="8500471" y="3945072"/>
-            <a:ext cx="3409950" cy="2803671"/>
-            <a:chOff x="8389404" y="3955742"/>
-            <a:chExt cx="3409950" cy="2803671"/>
+            <a:off x="8500471" y="3942861"/>
+            <a:ext cx="3409950" cy="2805882"/>
+            <a:chOff x="8500471" y="3942861"/>
+            <a:chExt cx="3409950" cy="2805882"/>
           </a:xfrm>
         </p:grpSpPr>
+        <p:sp>
+          <p:nvSpPr>
+            <p:cNvPr id="52" name="Rectangle 51">
+              <a:extLst>
+                <a:ext uri="{FF2B5EF4-FFF2-40B4-BE49-F238E27FC236}">
+                  <a16:creationId xmlns:a16="http://schemas.microsoft.com/office/drawing/2014/main" id="{5FD21BC0-90DD-4E45-8A29-A7007F106088}"/>
+                </a:ext>
+              </a:extLst>
+            </p:cNvPr>
+            <p:cNvSpPr/>
+            <p:nvPr/>
+          </p:nvSpPr>
+          <p:spPr>
+            <a:xfrm>
+              <a:off x="8500471" y="3942861"/>
+              <a:ext cx="3409950" cy="2805881"/>
+            </a:xfrm>
+            <a:prstGeom prst="rect">
+              <a:avLst/>
+            </a:prstGeom>
+            <a:solidFill>
+              <a:srgbClr val="FF00FF"/>
+            </a:solidFill>
+            <a:ln>
+              <a:noFill/>
+            </a:ln>
+          </p:spPr>
+          <p:style>
+            <a:lnRef idx="2">
+              <a:schemeClr val="accent1">
+                <a:shade val="50000"/>
+              </a:schemeClr>
+            </a:lnRef>
+            <a:fillRef idx="1">
+              <a:schemeClr val="accent1"/>
+            </a:fillRef>
+            <a:effectRef idx="0">
+              <a:schemeClr val="accent1"/>
+            </a:effectRef>
+            <a:fontRef idx="minor">
+              <a:schemeClr val="lt1"/>
+            </a:fontRef>
+          </p:style>
+          <p:txBody>
+            <a:bodyPr rtlCol="0" anchor="ctr"/>
+            <a:lstStyle/>
+            <a:p>
+              <a:pPr algn="ctr"/>
+              <a:endParaRPr lang="fr-FR"/>
+            </a:p>
+          </p:txBody>
+        </p:sp>
         <p:grpSp>
           <p:nvGrpSpPr>
-            <p:cNvPr id="45" name="Groupe 44">
+            <p:cNvPr id="9" name="Groupe 8">
               <a:extLst>
                 <a:ext uri="{FF2B5EF4-FFF2-40B4-BE49-F238E27FC236}">
-                  <a16:creationId xmlns:a16="http://schemas.microsoft.com/office/drawing/2014/main" id="{2E6472CB-3564-4336-BA4C-B11C5C3AE614}"/>
+                  <a16:creationId xmlns:a16="http://schemas.microsoft.com/office/drawing/2014/main" id="{6F330687-F36C-4A1D-9E78-C01C7587DBA2}"/>
                 </a:ext>
               </a:extLst>
             </p:cNvPr>
@@ -18930,153 +20052,174 @@
           </p:nvGrpSpPr>
           <p:grpSpPr>
             <a:xfrm>
-              <a:off x="8389404" y="3977081"/>
-              <a:ext cx="3409950" cy="2782332"/>
-              <a:chOff x="571039" y="865679"/>
-              <a:chExt cx="3409950" cy="2782332"/>
+              <a:off x="8500471" y="3945072"/>
+              <a:ext cx="3409950" cy="2803671"/>
+              <a:chOff x="8389404" y="3955742"/>
+              <a:chExt cx="3409950" cy="2803671"/>
             </a:xfrm>
           </p:grpSpPr>
-          <p:sp>
-            <p:nvSpPr>
-              <p:cNvPr id="46" name="Rectangle : coins arrondis 45">
+          <p:grpSp>
+            <p:nvGrpSpPr>
+              <p:cNvPr id="45" name="Groupe 44">
                 <a:extLst>
                   <a:ext uri="{FF2B5EF4-FFF2-40B4-BE49-F238E27FC236}">
-                    <a16:creationId xmlns:a16="http://schemas.microsoft.com/office/drawing/2014/main" id="{AB903718-9ED7-4339-A351-93ED526FBB0C}"/>
+                    <a16:creationId xmlns:a16="http://schemas.microsoft.com/office/drawing/2014/main" id="{2E6472CB-3564-4336-BA4C-B11C5C3AE614}"/>
                   </a:ext>
                 </a:extLst>
               </p:cNvPr>
-              <p:cNvSpPr/>
+              <p:cNvGrpSpPr/>
               <p:nvPr/>
-            </p:nvSpPr>
-            <p:spPr>
+            </p:nvGrpSpPr>
+            <p:grpSpPr>
               <a:xfrm>
-                <a:off x="571039" y="865679"/>
+                <a:off x="8389404" y="3977081"/>
                 <a:ext cx="3409950" cy="2782332"/>
+                <a:chOff x="571039" y="865679"/>
+                <a:chExt cx="3409950" cy="2782332"/>
+              </a:xfrm>
+            </p:grpSpPr>
+            <p:sp>
+              <p:nvSpPr>
+                <p:cNvPr id="46" name="Rectangle : coins arrondis 45">
+                  <a:extLst>
+                    <a:ext uri="{FF2B5EF4-FFF2-40B4-BE49-F238E27FC236}">
+                      <a16:creationId xmlns:a16="http://schemas.microsoft.com/office/drawing/2014/main" id="{AB903718-9ED7-4339-A351-93ED526FBB0C}"/>
+                    </a:ext>
+                  </a:extLst>
+                </p:cNvPr>
+                <p:cNvSpPr/>
+                <p:nvPr/>
+              </p:nvSpPr>
+              <p:spPr>
+                <a:xfrm>
+                  <a:off x="571039" y="865679"/>
+                  <a:ext cx="3409950" cy="2782332"/>
+                </a:xfrm>
+                <a:prstGeom prst="roundRect">
+                  <a:avLst/>
+                </a:prstGeom>
+                <a:solidFill>
+                  <a:srgbClr val="FFC000"/>
+                </a:solidFill>
+                <a:ln>
+                  <a:noFill/>
+                </a:ln>
+              </p:spPr>
+              <p:style>
+                <a:lnRef idx="2">
+                  <a:schemeClr val="accent1">
+                    <a:shade val="50000"/>
+                  </a:schemeClr>
+                </a:lnRef>
+                <a:fillRef idx="1">
+                  <a:schemeClr val="accent1"/>
+                </a:fillRef>
+                <a:effectRef idx="0">
+                  <a:schemeClr val="accent1"/>
+                </a:effectRef>
+                <a:fontRef idx="minor">
+                  <a:schemeClr val="lt1"/>
+                </a:fontRef>
+              </p:style>
+              <p:txBody>
+                <a:bodyPr rtlCol="0" anchor="ctr"/>
+                <a:lstStyle/>
+                <a:p>
+                  <a:pPr algn="ctr"/>
+                  <a:endParaRPr lang="fr-FR" dirty="0"/>
+                </a:p>
+              </p:txBody>
+            </p:sp>
+            <p:sp>
+              <p:nvSpPr>
+                <p:cNvPr id="47" name="ZoneTexte 46">
+                  <a:extLst>
+                    <a:ext uri="{FF2B5EF4-FFF2-40B4-BE49-F238E27FC236}">
+                      <a16:creationId xmlns:a16="http://schemas.microsoft.com/office/drawing/2014/main" id="{5240AE49-7DD2-4114-94AD-F32952D74CBD}"/>
+                    </a:ext>
+                  </a:extLst>
+                </p:cNvPr>
+                <p:cNvSpPr txBox="1"/>
+                <p:nvPr/>
+              </p:nvSpPr>
+              <p:spPr>
+                <a:xfrm>
+                  <a:off x="571039" y="3278679"/>
+                  <a:ext cx="3409950" cy="369332"/>
+                </a:xfrm>
+                <a:prstGeom prst="rect">
+                  <a:avLst/>
+                </a:prstGeom>
+                <a:noFill/>
+              </p:spPr>
+              <p:txBody>
+                <a:bodyPr wrap="square" rtlCol="0">
+                  <a:spAutoFit/>
+                </a:bodyPr>
+                <a:lstStyle/>
+                <a:p>
+                  <a:pPr algn="ctr"/>
+                  <a:r>
+                    <a:rPr lang="fr-FR" dirty="0"/>
+                    <a:t>SUSPECT : SDF</a:t>
+                  </a:r>
+                </a:p>
+              </p:txBody>
+            </p:sp>
+          </p:grpSp>
+          <p:pic>
+            <p:nvPicPr>
+              <p:cNvPr id="4104" name="Picture 8" descr="Les SDF de la gare Centrale “sont orphelins” - DH Les Sports+">
+                <a:extLst>
+                  <a:ext uri="{FF2B5EF4-FFF2-40B4-BE49-F238E27FC236}">
+                    <a16:creationId xmlns:a16="http://schemas.microsoft.com/office/drawing/2014/main" id="{17E789C8-E974-4D84-9E8B-B37835B0376C}"/>
+                  </a:ext>
+                </a:extLst>
+              </p:cNvPr>
+              <p:cNvPicPr>
+                <a:picLocks noChangeAspect="1" noChangeArrowheads="1"/>
+              </p:cNvPicPr>
+              <p:nvPr/>
+            </p:nvPicPr>
+            <p:blipFill rotWithShape="1">
+              <a:blip r:embed="rId5">
+                <a:extLst>
+                  <a:ext uri="{28A0092B-C50C-407E-A947-70E740481C1C}">
+                    <a14:useLocalDpi xmlns:a14="http://schemas.microsoft.com/office/drawing/2010/main" val="0"/>
+                  </a:ext>
+                </a:extLst>
+              </a:blip>
+              <a:srcRect l="23629" t="20269" r="18630"/>
+              <a:stretch/>
+            </p:blipFill>
+            <p:spPr bwMode="auto">
+              <a:xfrm>
+                <a:off x="8389404" y="3955742"/>
+                <a:ext cx="3409950" cy="2354234"/>
               </a:xfrm>
               <a:prstGeom prst="roundRect">
                 <a:avLst/>
               </a:prstGeom>
-              <a:solidFill>
-                <a:srgbClr val="FFC000"/>
-              </a:solidFill>
-              <a:ln>
-                <a:noFill/>
-              </a:ln>
-            </p:spPr>
-            <p:style>
-              <a:lnRef idx="2">
-                <a:schemeClr val="accent1">
-                  <a:shade val="50000"/>
-                </a:schemeClr>
-              </a:lnRef>
-              <a:fillRef idx="1">
-                <a:schemeClr val="accent1"/>
-              </a:fillRef>
-              <a:effectRef idx="0">
-                <a:schemeClr val="accent1"/>
-              </a:effectRef>
-              <a:fontRef idx="minor">
-                <a:schemeClr val="lt1"/>
-              </a:fontRef>
-            </p:style>
-            <p:txBody>
-              <a:bodyPr rtlCol="0" anchor="ctr"/>
-              <a:lstStyle/>
-              <a:p>
-                <a:pPr algn="ctr"/>
-                <a:endParaRPr lang="fr-FR" dirty="0"/>
-              </a:p>
-            </p:txBody>
-          </p:sp>
-          <p:sp>
-            <p:nvSpPr>
-              <p:cNvPr id="47" name="ZoneTexte 46">
-                <a:extLst>
-                  <a:ext uri="{FF2B5EF4-FFF2-40B4-BE49-F238E27FC236}">
-                    <a16:creationId xmlns:a16="http://schemas.microsoft.com/office/drawing/2014/main" id="{5240AE49-7DD2-4114-94AD-F32952D74CBD}"/>
-                  </a:ext>
-                </a:extLst>
-              </p:cNvPr>
-              <p:cNvSpPr txBox="1"/>
-              <p:nvPr/>
-            </p:nvSpPr>
-            <p:spPr>
-              <a:xfrm>
-                <a:off x="571039" y="3278679"/>
-                <a:ext cx="3409950" cy="369332"/>
-              </a:xfrm>
-              <a:prstGeom prst="rect">
-                <a:avLst/>
-              </a:prstGeom>
               <a:noFill/>
-            </p:spPr>
-            <p:txBody>
-              <a:bodyPr wrap="square" rtlCol="0">
-                <a:spAutoFit/>
-              </a:bodyPr>
-              <a:lstStyle/>
-              <a:p>
-                <a:pPr algn="ctr"/>
-                <a:r>
-                  <a:rPr lang="fr-FR" dirty="0"/>
-                  <a:t>SUSPECT : SDF</a:t>
-                </a:r>
-              </a:p>
-            </p:txBody>
-          </p:sp>
-        </p:grpSp>
-        <p:pic>
-          <p:nvPicPr>
-            <p:cNvPr id="4104" name="Picture 8" descr="Les SDF de la gare Centrale “sont orphelins” - DH Les Sports+">
               <a:extLst>
-                <a:ext uri="{FF2B5EF4-FFF2-40B4-BE49-F238E27FC236}">
-                  <a16:creationId xmlns:a16="http://schemas.microsoft.com/office/drawing/2014/main" id="{17E789C8-E974-4D84-9E8B-B37835B0376C}"/>
+                <a:ext uri="{909E8E84-426E-40DD-AFC4-6F175D3DCCD1}">
+                  <a14:hiddenFill xmlns:a14="http://schemas.microsoft.com/office/drawing/2010/main">
+                    <a:solidFill>
+                      <a:srgbClr val="FFFFFF"/>
+                    </a:solidFill>
+                  </a14:hiddenFill>
                 </a:ext>
               </a:extLst>
-            </p:cNvPr>
-            <p:cNvPicPr>
-              <a:picLocks noChangeAspect="1" noChangeArrowheads="1"/>
-            </p:cNvPicPr>
-            <p:nvPr/>
-          </p:nvPicPr>
-          <p:blipFill rotWithShape="1">
-            <a:blip r:embed="rId5">
-              <a:extLst>
-                <a:ext uri="{28A0092B-C50C-407E-A947-70E740481C1C}">
-                  <a14:useLocalDpi xmlns:a14="http://schemas.microsoft.com/office/drawing/2010/main" val="0"/>
-                </a:ext>
-              </a:extLst>
-            </a:blip>
-            <a:srcRect l="23629" t="20269" r="18630"/>
-            <a:stretch/>
-          </p:blipFill>
-          <p:spPr bwMode="auto">
-            <a:xfrm>
-              <a:off x="8389404" y="3955742"/>
-              <a:ext cx="3409950" cy="2354234"/>
-            </a:xfrm>
-            <a:prstGeom prst="roundRect">
-              <a:avLst/>
-            </a:prstGeom>
-            <a:noFill/>
-            <a:extLst>
-              <a:ext uri="{909E8E84-426E-40DD-AFC4-6F175D3DCCD1}">
-                <a14:hiddenFill xmlns:a14="http://schemas.microsoft.com/office/drawing/2010/main">
-                  <a:solidFill>
-                    <a:srgbClr val="FFFFFF"/>
-                  </a:solidFill>
-                </a14:hiddenFill>
-              </a:ext>
-            </a:extLst>
-          </p:spPr>
-        </p:pic>
+            </p:spPr>
+          </p:pic>
+        </p:grpSp>
       </p:grpSp>
       <p:grpSp>
         <p:nvGrpSpPr>
-          <p:cNvPr id="7" name="Groupe 6">
+          <p:cNvPr id="17" name="Groupe 16">
             <a:extLst>
               <a:ext uri="{FF2B5EF4-FFF2-40B4-BE49-F238E27FC236}">
-                <a16:creationId xmlns:a16="http://schemas.microsoft.com/office/drawing/2014/main" id="{9F4516A6-1801-4DED-8EC3-78CF59EC2E9A}"/>
+                <a16:creationId xmlns:a16="http://schemas.microsoft.com/office/drawing/2014/main" id="{A835F14D-B89A-4501-8C1E-6F4342D6AFB0}"/>
               </a:ext>
             </a:extLst>
           </p:cNvPr>
@@ -19087,16 +20230,68 @@
           <a:xfrm>
             <a:off x="4594855" y="854277"/>
             <a:ext cx="3409950" cy="2782332"/>
-            <a:chOff x="4490080" y="854277"/>
+            <a:chOff x="4594855" y="854277"/>
             <a:chExt cx="3409950" cy="2782332"/>
           </a:xfrm>
         </p:grpSpPr>
+        <p:sp>
+          <p:nvSpPr>
+            <p:cNvPr id="48" name="Rectangle 47">
+              <a:extLst>
+                <a:ext uri="{FF2B5EF4-FFF2-40B4-BE49-F238E27FC236}">
+                  <a16:creationId xmlns:a16="http://schemas.microsoft.com/office/drawing/2014/main" id="{D2581EFE-A528-4EB2-BBDD-3567F188A1FA}"/>
+                </a:ext>
+              </a:extLst>
+            </p:cNvPr>
+            <p:cNvSpPr/>
+            <p:nvPr/>
+          </p:nvSpPr>
+          <p:spPr>
+            <a:xfrm>
+              <a:off x="4594855" y="854277"/>
+              <a:ext cx="3409950" cy="2782332"/>
+            </a:xfrm>
+            <a:prstGeom prst="rect">
+              <a:avLst/>
+            </a:prstGeom>
+            <a:solidFill>
+              <a:srgbClr val="FF00FF"/>
+            </a:solidFill>
+            <a:ln>
+              <a:noFill/>
+            </a:ln>
+          </p:spPr>
+          <p:style>
+            <a:lnRef idx="2">
+              <a:schemeClr val="accent1">
+                <a:shade val="50000"/>
+              </a:schemeClr>
+            </a:lnRef>
+            <a:fillRef idx="1">
+              <a:schemeClr val="accent1"/>
+            </a:fillRef>
+            <a:effectRef idx="0">
+              <a:schemeClr val="accent1"/>
+            </a:effectRef>
+            <a:fontRef idx="minor">
+              <a:schemeClr val="lt1"/>
+            </a:fontRef>
+          </p:style>
+          <p:txBody>
+            <a:bodyPr rtlCol="0" anchor="ctr"/>
+            <a:lstStyle/>
+            <a:p>
+              <a:pPr algn="ctr"/>
+              <a:endParaRPr lang="fr-FR"/>
+            </a:p>
+          </p:txBody>
+        </p:sp>
         <p:grpSp>
           <p:nvGrpSpPr>
-            <p:cNvPr id="33" name="Groupe 32">
+            <p:cNvPr id="7" name="Groupe 6">
               <a:extLst>
                 <a:ext uri="{FF2B5EF4-FFF2-40B4-BE49-F238E27FC236}">
-                  <a16:creationId xmlns:a16="http://schemas.microsoft.com/office/drawing/2014/main" id="{9FEC46DF-76BC-4FD2-ACB0-4A5DB8602453}"/>
+                  <a16:creationId xmlns:a16="http://schemas.microsoft.com/office/drawing/2014/main" id="{9F4516A6-1801-4DED-8EC3-78CF59EC2E9A}"/>
                 </a:ext>
               </a:extLst>
             </p:cNvPr>
@@ -19105,153 +20300,174 @@
           </p:nvGrpSpPr>
           <p:grpSpPr>
             <a:xfrm>
-              <a:off x="4490080" y="854277"/>
+              <a:off x="4594855" y="854277"/>
               <a:ext cx="3409950" cy="2782332"/>
-              <a:chOff x="571039" y="865679"/>
+              <a:chOff x="4490080" y="854277"/>
               <a:chExt cx="3409950" cy="2782332"/>
             </a:xfrm>
           </p:grpSpPr>
-          <p:sp>
-            <p:nvSpPr>
-              <p:cNvPr id="34" name="Rectangle : coins arrondis 33">
+          <p:grpSp>
+            <p:nvGrpSpPr>
+              <p:cNvPr id="33" name="Groupe 32">
                 <a:extLst>
                   <a:ext uri="{FF2B5EF4-FFF2-40B4-BE49-F238E27FC236}">
-                    <a16:creationId xmlns:a16="http://schemas.microsoft.com/office/drawing/2014/main" id="{31DBC8AA-5271-4372-A803-8B4F5FBBE0A9}"/>
+                    <a16:creationId xmlns:a16="http://schemas.microsoft.com/office/drawing/2014/main" id="{9FEC46DF-76BC-4FD2-ACB0-4A5DB8602453}"/>
                   </a:ext>
                 </a:extLst>
               </p:cNvPr>
-              <p:cNvSpPr/>
+              <p:cNvGrpSpPr/>
               <p:nvPr/>
-            </p:nvSpPr>
-            <p:spPr>
+            </p:nvGrpSpPr>
+            <p:grpSpPr>
               <a:xfrm>
-                <a:off x="571039" y="865679"/>
+                <a:off x="4490080" y="854277"/>
                 <a:ext cx="3409950" cy="2782332"/>
+                <a:chOff x="571039" y="865679"/>
+                <a:chExt cx="3409950" cy="2782332"/>
+              </a:xfrm>
+            </p:grpSpPr>
+            <p:sp>
+              <p:nvSpPr>
+                <p:cNvPr id="34" name="Rectangle : coins arrondis 33">
+                  <a:extLst>
+                    <a:ext uri="{FF2B5EF4-FFF2-40B4-BE49-F238E27FC236}">
+                      <a16:creationId xmlns:a16="http://schemas.microsoft.com/office/drawing/2014/main" id="{31DBC8AA-5271-4372-A803-8B4F5FBBE0A9}"/>
+                    </a:ext>
+                  </a:extLst>
+                </p:cNvPr>
+                <p:cNvSpPr/>
+                <p:nvPr/>
+              </p:nvSpPr>
+              <p:spPr>
+                <a:xfrm>
+                  <a:off x="571039" y="865679"/>
+                  <a:ext cx="3409950" cy="2782332"/>
+                </a:xfrm>
+                <a:prstGeom prst="roundRect">
+                  <a:avLst/>
+                </a:prstGeom>
+                <a:solidFill>
+                  <a:srgbClr val="FFC000"/>
+                </a:solidFill>
+                <a:ln>
+                  <a:noFill/>
+                </a:ln>
+              </p:spPr>
+              <p:style>
+                <a:lnRef idx="2">
+                  <a:schemeClr val="accent1">
+                    <a:shade val="50000"/>
+                  </a:schemeClr>
+                </a:lnRef>
+                <a:fillRef idx="1">
+                  <a:schemeClr val="accent1"/>
+                </a:fillRef>
+                <a:effectRef idx="0">
+                  <a:schemeClr val="accent1"/>
+                </a:effectRef>
+                <a:fontRef idx="minor">
+                  <a:schemeClr val="lt1"/>
+                </a:fontRef>
+              </p:style>
+              <p:txBody>
+                <a:bodyPr rtlCol="0" anchor="ctr"/>
+                <a:lstStyle/>
+                <a:p>
+                  <a:pPr algn="ctr"/>
+                  <a:endParaRPr lang="fr-FR" dirty="0"/>
+                </a:p>
+              </p:txBody>
+            </p:sp>
+            <p:sp>
+              <p:nvSpPr>
+                <p:cNvPr id="35" name="ZoneTexte 34">
+                  <a:extLst>
+                    <a:ext uri="{FF2B5EF4-FFF2-40B4-BE49-F238E27FC236}">
+                      <a16:creationId xmlns:a16="http://schemas.microsoft.com/office/drawing/2014/main" id="{E6CDEBC8-E17A-47C1-8928-B223907F35A3}"/>
+                    </a:ext>
+                  </a:extLst>
+                </p:cNvPr>
+                <p:cNvSpPr txBox="1"/>
+                <p:nvPr/>
+              </p:nvSpPr>
+              <p:spPr>
+                <a:xfrm>
+                  <a:off x="571039" y="3278679"/>
+                  <a:ext cx="3409950" cy="369332"/>
+                </a:xfrm>
+                <a:prstGeom prst="rect">
+                  <a:avLst/>
+                </a:prstGeom>
+                <a:noFill/>
+              </p:spPr>
+              <p:txBody>
+                <a:bodyPr wrap="square" rtlCol="0">
+                  <a:spAutoFit/>
+                </a:bodyPr>
+                <a:lstStyle/>
+                <a:p>
+                  <a:pPr algn="ctr"/>
+                  <a:r>
+                    <a:rPr lang="fr-FR" dirty="0"/>
+                    <a:t>SUSPECT : musicien ambulant</a:t>
+                  </a:r>
+                </a:p>
+              </p:txBody>
+            </p:sp>
+          </p:grpSp>
+          <p:pic>
+            <p:nvPicPr>
+              <p:cNvPr id="4106" name="Picture 10" descr="Yordan - musiciens dans le métro parisien - Concert ...">
+                <a:extLst>
+                  <a:ext uri="{FF2B5EF4-FFF2-40B4-BE49-F238E27FC236}">
+                    <a16:creationId xmlns:a16="http://schemas.microsoft.com/office/drawing/2014/main" id="{971434A9-0621-47D5-9501-32592D60A94D}"/>
+                  </a:ext>
+                </a:extLst>
+              </p:cNvPr>
+              <p:cNvPicPr>
+                <a:picLocks noChangeAspect="1" noChangeArrowheads="1"/>
+              </p:cNvPicPr>
+              <p:nvPr/>
+            </p:nvPicPr>
+            <p:blipFill rotWithShape="1">
+              <a:blip r:embed="rId6">
+                <a:extLst>
+                  <a:ext uri="{28A0092B-C50C-407E-A947-70E740481C1C}">
+                    <a14:useLocalDpi xmlns:a14="http://schemas.microsoft.com/office/drawing/2010/main" val="0"/>
+                  </a:ext>
+                </a:extLst>
+              </a:blip>
+              <a:srcRect l="41026" t="25196" r="6015" b="9760"/>
+              <a:stretch/>
+            </p:blipFill>
+            <p:spPr bwMode="auto">
+              <a:xfrm>
+                <a:off x="4490080" y="854277"/>
+                <a:ext cx="3409950" cy="2354234"/>
               </a:xfrm>
               <a:prstGeom prst="roundRect">
                 <a:avLst/>
               </a:prstGeom>
-              <a:solidFill>
-                <a:srgbClr val="FFC000"/>
-              </a:solidFill>
-              <a:ln>
-                <a:noFill/>
-              </a:ln>
-            </p:spPr>
-            <p:style>
-              <a:lnRef idx="2">
-                <a:schemeClr val="accent1">
-                  <a:shade val="50000"/>
-                </a:schemeClr>
-              </a:lnRef>
-              <a:fillRef idx="1">
-                <a:schemeClr val="accent1"/>
-              </a:fillRef>
-              <a:effectRef idx="0">
-                <a:schemeClr val="accent1"/>
-              </a:effectRef>
-              <a:fontRef idx="minor">
-                <a:schemeClr val="lt1"/>
-              </a:fontRef>
-            </p:style>
-            <p:txBody>
-              <a:bodyPr rtlCol="0" anchor="ctr"/>
-              <a:lstStyle/>
-              <a:p>
-                <a:pPr algn="ctr"/>
-                <a:endParaRPr lang="fr-FR" dirty="0"/>
-              </a:p>
-            </p:txBody>
-          </p:sp>
-          <p:sp>
-            <p:nvSpPr>
-              <p:cNvPr id="35" name="ZoneTexte 34">
-                <a:extLst>
-                  <a:ext uri="{FF2B5EF4-FFF2-40B4-BE49-F238E27FC236}">
-                    <a16:creationId xmlns:a16="http://schemas.microsoft.com/office/drawing/2014/main" id="{E6CDEBC8-E17A-47C1-8928-B223907F35A3}"/>
-                  </a:ext>
-                </a:extLst>
-              </p:cNvPr>
-              <p:cNvSpPr txBox="1"/>
-              <p:nvPr/>
-            </p:nvSpPr>
-            <p:spPr>
-              <a:xfrm>
-                <a:off x="571039" y="3278679"/>
-                <a:ext cx="3409950" cy="369332"/>
-              </a:xfrm>
-              <a:prstGeom prst="rect">
-                <a:avLst/>
-              </a:prstGeom>
               <a:noFill/>
-            </p:spPr>
-            <p:txBody>
-              <a:bodyPr wrap="square" rtlCol="0">
-                <a:spAutoFit/>
-              </a:bodyPr>
-              <a:lstStyle/>
-              <a:p>
-                <a:pPr algn="ctr"/>
-                <a:r>
-                  <a:rPr lang="fr-FR" dirty="0"/>
-                  <a:t>SUSPECT : musicien ambulant</a:t>
-                </a:r>
-              </a:p>
-            </p:txBody>
-          </p:sp>
-        </p:grpSp>
-        <p:pic>
-          <p:nvPicPr>
-            <p:cNvPr id="4106" name="Picture 10" descr="Yordan - musiciens dans le métro parisien - Concert ...">
               <a:extLst>
-                <a:ext uri="{FF2B5EF4-FFF2-40B4-BE49-F238E27FC236}">
-                  <a16:creationId xmlns:a16="http://schemas.microsoft.com/office/drawing/2014/main" id="{971434A9-0621-47D5-9501-32592D60A94D}"/>
+                <a:ext uri="{909E8E84-426E-40DD-AFC4-6F175D3DCCD1}">
+                  <a14:hiddenFill xmlns:a14="http://schemas.microsoft.com/office/drawing/2010/main">
+                    <a:solidFill>
+                      <a:srgbClr val="FFFFFF"/>
+                    </a:solidFill>
+                  </a14:hiddenFill>
                 </a:ext>
               </a:extLst>
-            </p:cNvPr>
-            <p:cNvPicPr>
-              <a:picLocks noChangeAspect="1" noChangeArrowheads="1"/>
-            </p:cNvPicPr>
-            <p:nvPr/>
-          </p:nvPicPr>
-          <p:blipFill rotWithShape="1">
-            <a:blip r:embed="rId6">
-              <a:extLst>
-                <a:ext uri="{28A0092B-C50C-407E-A947-70E740481C1C}">
-                  <a14:useLocalDpi xmlns:a14="http://schemas.microsoft.com/office/drawing/2010/main" val="0"/>
-                </a:ext>
-              </a:extLst>
-            </a:blip>
-            <a:srcRect l="41026" t="25196" r="6015" b="9760"/>
-            <a:stretch/>
-          </p:blipFill>
-          <p:spPr bwMode="auto">
-            <a:xfrm>
-              <a:off x="4490080" y="854277"/>
-              <a:ext cx="3409950" cy="2354234"/>
-            </a:xfrm>
-            <a:prstGeom prst="roundRect">
-              <a:avLst/>
-            </a:prstGeom>
-            <a:noFill/>
-            <a:extLst>
-              <a:ext uri="{909E8E84-426E-40DD-AFC4-6F175D3DCCD1}">
-                <a14:hiddenFill xmlns:a14="http://schemas.microsoft.com/office/drawing/2010/main">
-                  <a:solidFill>
-                    <a:srgbClr val="FFFFFF"/>
-                  </a:solidFill>
-                </a14:hiddenFill>
-              </a:ext>
-            </a:extLst>
-          </p:spPr>
-        </p:pic>
+            </p:spPr>
+          </p:pic>
+        </p:grpSp>
       </p:grpSp>
       <p:grpSp>
         <p:nvGrpSpPr>
-          <p:cNvPr id="10" name="Groupe 9">
+          <p:cNvPr id="5" name="Groupe 4">
             <a:extLst>
               <a:ext uri="{FF2B5EF4-FFF2-40B4-BE49-F238E27FC236}">
-                <a16:creationId xmlns:a16="http://schemas.microsoft.com/office/drawing/2014/main" id="{2FCC740B-9FA6-4782-9E09-A453C2DF4281}"/>
+                <a16:creationId xmlns:a16="http://schemas.microsoft.com/office/drawing/2014/main" id="{D9A7CAF1-2D3A-4B4E-9C97-884CE57DC785}"/>
               </a:ext>
             </a:extLst>
           </p:cNvPr>
@@ -19266,12 +20482,64 @@
             <a:chExt cx="3409950" cy="2782332"/>
           </a:xfrm>
         </p:grpSpPr>
+        <p:sp>
+          <p:nvSpPr>
+            <p:cNvPr id="50" name="Rectangle 49">
+              <a:extLst>
+                <a:ext uri="{FF2B5EF4-FFF2-40B4-BE49-F238E27FC236}">
+                  <a16:creationId xmlns:a16="http://schemas.microsoft.com/office/drawing/2014/main" id="{7902E6B5-5310-48C5-8F99-1632AC9515FE}"/>
+                </a:ext>
+              </a:extLst>
+            </p:cNvPr>
+            <p:cNvSpPr/>
+            <p:nvPr/>
+          </p:nvSpPr>
+          <p:spPr>
+            <a:xfrm>
+              <a:off x="4391025" y="3955742"/>
+              <a:ext cx="3409950" cy="2782332"/>
+            </a:xfrm>
+            <a:prstGeom prst="rect">
+              <a:avLst/>
+            </a:prstGeom>
+            <a:solidFill>
+              <a:srgbClr val="FF00FF"/>
+            </a:solidFill>
+            <a:ln>
+              <a:noFill/>
+            </a:ln>
+          </p:spPr>
+          <p:style>
+            <a:lnRef idx="2">
+              <a:schemeClr val="accent1">
+                <a:shade val="50000"/>
+              </a:schemeClr>
+            </a:lnRef>
+            <a:fillRef idx="1">
+              <a:schemeClr val="accent1"/>
+            </a:fillRef>
+            <a:effectRef idx="0">
+              <a:schemeClr val="accent1"/>
+            </a:effectRef>
+            <a:fontRef idx="minor">
+              <a:schemeClr val="lt1"/>
+            </a:fontRef>
+          </p:style>
+          <p:txBody>
+            <a:bodyPr rtlCol="0" anchor="ctr"/>
+            <a:lstStyle/>
+            <a:p>
+              <a:pPr algn="ctr"/>
+              <a:endParaRPr lang="fr-FR"/>
+            </a:p>
+          </p:txBody>
+        </p:sp>
         <p:grpSp>
           <p:nvGrpSpPr>
-            <p:cNvPr id="36" name="Groupe 35">
+            <p:cNvPr id="10" name="Groupe 9">
               <a:extLst>
                 <a:ext uri="{FF2B5EF4-FFF2-40B4-BE49-F238E27FC236}">
-                  <a16:creationId xmlns:a16="http://schemas.microsoft.com/office/drawing/2014/main" id="{F01B0594-544E-4B8E-B3EC-09057452E057}"/>
+                  <a16:creationId xmlns:a16="http://schemas.microsoft.com/office/drawing/2014/main" id="{2FCC740B-9FA6-4782-9E09-A453C2DF4281}"/>
                 </a:ext>
               </a:extLst>
             </p:cNvPr>
@@ -19282,144 +20550,165 @@
             <a:xfrm>
               <a:off x="4391025" y="3955742"/>
               <a:ext cx="3409950" cy="2782332"/>
-              <a:chOff x="571039" y="865679"/>
+              <a:chOff x="4391025" y="3955742"/>
               <a:chExt cx="3409950" cy="2782332"/>
             </a:xfrm>
           </p:grpSpPr>
-          <p:sp>
-            <p:nvSpPr>
-              <p:cNvPr id="37" name="Rectangle : coins arrondis 36">
+          <p:grpSp>
+            <p:nvGrpSpPr>
+              <p:cNvPr id="36" name="Groupe 35">
                 <a:extLst>
                   <a:ext uri="{FF2B5EF4-FFF2-40B4-BE49-F238E27FC236}">
-                    <a16:creationId xmlns:a16="http://schemas.microsoft.com/office/drawing/2014/main" id="{8D9614DB-D7D8-4337-9FDC-625D6E55ACED}"/>
+                    <a16:creationId xmlns:a16="http://schemas.microsoft.com/office/drawing/2014/main" id="{F01B0594-544E-4B8E-B3EC-09057452E057}"/>
                   </a:ext>
                 </a:extLst>
               </p:cNvPr>
-              <p:cNvSpPr/>
+              <p:cNvGrpSpPr/>
               <p:nvPr/>
-            </p:nvSpPr>
-            <p:spPr>
+            </p:nvGrpSpPr>
+            <p:grpSpPr>
               <a:xfrm>
-                <a:off x="571039" y="865679"/>
+                <a:off x="4391025" y="3955742"/>
                 <a:ext cx="3409950" cy="2782332"/>
+                <a:chOff x="571039" y="865679"/>
+                <a:chExt cx="3409950" cy="2782332"/>
+              </a:xfrm>
+            </p:grpSpPr>
+            <p:sp>
+              <p:nvSpPr>
+                <p:cNvPr id="37" name="Rectangle : coins arrondis 36">
+                  <a:extLst>
+                    <a:ext uri="{FF2B5EF4-FFF2-40B4-BE49-F238E27FC236}">
+                      <a16:creationId xmlns:a16="http://schemas.microsoft.com/office/drawing/2014/main" id="{8D9614DB-D7D8-4337-9FDC-625D6E55ACED}"/>
+                    </a:ext>
+                  </a:extLst>
+                </p:cNvPr>
+                <p:cNvSpPr/>
+                <p:nvPr/>
+              </p:nvSpPr>
+              <p:spPr>
+                <a:xfrm>
+                  <a:off x="571039" y="865679"/>
+                  <a:ext cx="3409950" cy="2782332"/>
+                </a:xfrm>
+                <a:prstGeom prst="roundRect">
+                  <a:avLst/>
+                </a:prstGeom>
+                <a:solidFill>
+                  <a:srgbClr val="FFC000"/>
+                </a:solidFill>
+                <a:ln>
+                  <a:noFill/>
+                </a:ln>
+              </p:spPr>
+              <p:style>
+                <a:lnRef idx="2">
+                  <a:schemeClr val="accent1">
+                    <a:shade val="50000"/>
+                  </a:schemeClr>
+                </a:lnRef>
+                <a:fillRef idx="1">
+                  <a:schemeClr val="accent1"/>
+                </a:fillRef>
+                <a:effectRef idx="0">
+                  <a:schemeClr val="accent1"/>
+                </a:effectRef>
+                <a:fontRef idx="minor">
+                  <a:schemeClr val="lt1"/>
+                </a:fontRef>
+              </p:style>
+              <p:txBody>
+                <a:bodyPr rtlCol="0" anchor="ctr"/>
+                <a:lstStyle/>
+                <a:p>
+                  <a:pPr algn="ctr"/>
+                  <a:endParaRPr lang="fr-FR" dirty="0"/>
+                </a:p>
+              </p:txBody>
+            </p:sp>
+            <p:sp>
+              <p:nvSpPr>
+                <p:cNvPr id="38" name="ZoneTexte 37">
+                  <a:extLst>
+                    <a:ext uri="{FF2B5EF4-FFF2-40B4-BE49-F238E27FC236}">
+                      <a16:creationId xmlns:a16="http://schemas.microsoft.com/office/drawing/2014/main" id="{CD04D6EC-90A8-4E01-9A9A-2AA8E1FED6C1}"/>
+                    </a:ext>
+                  </a:extLst>
+                </p:cNvPr>
+                <p:cNvSpPr txBox="1"/>
+                <p:nvPr/>
+              </p:nvSpPr>
+              <p:spPr>
+                <a:xfrm>
+                  <a:off x="571039" y="3278679"/>
+                  <a:ext cx="3409950" cy="369332"/>
+                </a:xfrm>
+                <a:prstGeom prst="rect">
+                  <a:avLst/>
+                </a:prstGeom>
+                <a:noFill/>
+              </p:spPr>
+              <p:txBody>
+                <a:bodyPr wrap="square" rtlCol="0">
+                  <a:spAutoFit/>
+                </a:bodyPr>
+                <a:lstStyle/>
+                <a:p>
+                  <a:pPr algn="ctr"/>
+                  <a:r>
+                    <a:rPr lang="fr-FR" dirty="0"/>
+                    <a:t>SUSPECT : conducteur </a:t>
+                  </a:r>
+                </a:p>
+              </p:txBody>
+            </p:sp>
+          </p:grpSp>
+          <p:pic>
+            <p:nvPicPr>
+              <p:cNvPr id="4108" name="Picture 12" descr="conducteur / conductrice de métro - Onisep">
+                <a:extLst>
+                  <a:ext uri="{FF2B5EF4-FFF2-40B4-BE49-F238E27FC236}">
+                    <a16:creationId xmlns:a16="http://schemas.microsoft.com/office/drawing/2014/main" id="{662BED3C-8AF3-4ADD-9E15-588B5ED0AAAD}"/>
+                  </a:ext>
+                </a:extLst>
+              </p:cNvPr>
+              <p:cNvPicPr>
+                <a:picLocks noChangeAspect="1" noChangeArrowheads="1"/>
+              </p:cNvPicPr>
+              <p:nvPr/>
+            </p:nvPicPr>
+            <p:blipFill rotWithShape="1">
+              <a:blip r:embed="rId7">
+                <a:extLst>
+                  <a:ext uri="{28A0092B-C50C-407E-A947-70E740481C1C}">
+                    <a14:useLocalDpi xmlns:a14="http://schemas.microsoft.com/office/drawing/2010/main" val="0"/>
+                  </a:ext>
+                </a:extLst>
+              </a:blip>
+              <a:srcRect l="8065" t="6253" r="16407" b="15531"/>
+              <a:stretch/>
+            </p:blipFill>
+            <p:spPr bwMode="auto">
+              <a:xfrm>
+                <a:off x="4391025" y="3955742"/>
+                <a:ext cx="3409950" cy="2354234"/>
               </a:xfrm>
               <a:prstGeom prst="roundRect">
                 <a:avLst/>
               </a:prstGeom>
-              <a:solidFill>
-                <a:srgbClr val="FFC000"/>
-              </a:solidFill>
-              <a:ln>
-                <a:noFill/>
-              </a:ln>
-            </p:spPr>
-            <p:style>
-              <a:lnRef idx="2">
-                <a:schemeClr val="accent1">
-                  <a:shade val="50000"/>
-                </a:schemeClr>
-              </a:lnRef>
-              <a:fillRef idx="1">
-                <a:schemeClr val="accent1"/>
-              </a:fillRef>
-              <a:effectRef idx="0">
-                <a:schemeClr val="accent1"/>
-              </a:effectRef>
-              <a:fontRef idx="minor">
-                <a:schemeClr val="lt1"/>
-              </a:fontRef>
-            </p:style>
-            <p:txBody>
-              <a:bodyPr rtlCol="0" anchor="ctr"/>
-              <a:lstStyle/>
-              <a:p>
-                <a:pPr algn="ctr"/>
-                <a:endParaRPr lang="fr-FR" dirty="0"/>
-              </a:p>
-            </p:txBody>
-          </p:sp>
-          <p:sp>
-            <p:nvSpPr>
-              <p:cNvPr id="38" name="ZoneTexte 37">
-                <a:extLst>
-                  <a:ext uri="{FF2B5EF4-FFF2-40B4-BE49-F238E27FC236}">
-                    <a16:creationId xmlns:a16="http://schemas.microsoft.com/office/drawing/2014/main" id="{CD04D6EC-90A8-4E01-9A9A-2AA8E1FED6C1}"/>
-                  </a:ext>
-                </a:extLst>
-              </p:cNvPr>
-              <p:cNvSpPr txBox="1"/>
-              <p:nvPr/>
-            </p:nvSpPr>
-            <p:spPr>
-              <a:xfrm>
-                <a:off x="571039" y="3278679"/>
-                <a:ext cx="3409950" cy="369332"/>
-              </a:xfrm>
-              <a:prstGeom prst="rect">
-                <a:avLst/>
-              </a:prstGeom>
               <a:noFill/>
-            </p:spPr>
-            <p:txBody>
-              <a:bodyPr wrap="square" rtlCol="0">
-                <a:spAutoFit/>
-              </a:bodyPr>
-              <a:lstStyle/>
-              <a:p>
-                <a:pPr algn="ctr"/>
-                <a:r>
-                  <a:rPr lang="fr-FR" dirty="0"/>
-                  <a:t>SUSPECT : conducteur </a:t>
-                </a:r>
-              </a:p>
-            </p:txBody>
-          </p:sp>
-        </p:grpSp>
-        <p:pic>
-          <p:nvPicPr>
-            <p:cNvPr id="4108" name="Picture 12" descr="conducteur / conductrice de métro - Onisep">
               <a:extLst>
-                <a:ext uri="{FF2B5EF4-FFF2-40B4-BE49-F238E27FC236}">
-                  <a16:creationId xmlns:a16="http://schemas.microsoft.com/office/drawing/2014/main" id="{662BED3C-8AF3-4ADD-9E15-588B5ED0AAAD}"/>
+                <a:ext uri="{909E8E84-426E-40DD-AFC4-6F175D3DCCD1}">
+                  <a14:hiddenFill xmlns:a14="http://schemas.microsoft.com/office/drawing/2010/main">
+                    <a:solidFill>
+                      <a:srgbClr val="FFFFFF"/>
+                    </a:solidFill>
+                  </a14:hiddenFill>
                 </a:ext>
               </a:extLst>
-            </p:cNvPr>
-            <p:cNvPicPr>
-              <a:picLocks noChangeAspect="1" noChangeArrowheads="1"/>
-            </p:cNvPicPr>
-            <p:nvPr/>
-          </p:nvPicPr>
-          <p:blipFill rotWithShape="1">
-            <a:blip r:embed="rId7">
-              <a:extLst>
-                <a:ext uri="{28A0092B-C50C-407E-A947-70E740481C1C}">
-                  <a14:useLocalDpi xmlns:a14="http://schemas.microsoft.com/office/drawing/2010/main" val="0"/>
-                </a:ext>
-              </a:extLst>
-            </a:blip>
-            <a:srcRect l="8065" t="6253" r="16407" b="15531"/>
-            <a:stretch/>
-          </p:blipFill>
-          <p:spPr bwMode="auto">
-            <a:xfrm>
-              <a:off x="4391025" y="3955742"/>
-              <a:ext cx="3409950" cy="2354234"/>
-            </a:xfrm>
-            <a:prstGeom prst="roundRect">
-              <a:avLst/>
-            </a:prstGeom>
-            <a:noFill/>
-            <a:extLst>
-              <a:ext uri="{909E8E84-426E-40DD-AFC4-6F175D3DCCD1}">
-                <a14:hiddenFill xmlns:a14="http://schemas.microsoft.com/office/drawing/2010/main">
-                  <a:solidFill>
-                    <a:srgbClr val="FFFFFF"/>
-                  </a:solidFill>
-                </a14:hiddenFill>
-              </a:ext>
-            </a:extLst>
-          </p:spPr>
-        </p:pic>
+            </p:spPr>
+          </p:pic>
+        </p:grpSp>
       </p:grpSp>
       <p:sp>
         <p:nvSpPr>
@@ -19460,86 +20749,6 @@
     <p:extLst>
       <p:ext uri="{BB962C8B-B14F-4D97-AF65-F5344CB8AC3E}">
         <p14:creationId xmlns:p14="http://schemas.microsoft.com/office/powerpoint/2010/main" val="1607036625"/>
-      </p:ext>
-    </p:extLst>
-  </p:cSld>
-  <p:clrMapOvr>
-    <a:masterClrMapping/>
-  </p:clrMapOvr>
-</p:sld>
-</file>
-
-<file path=ppt/slides/slide9.xml><?xml version="1.0" encoding="utf-8"?>
-<p:sld xmlns:a="http://schemas.openxmlformats.org/drawingml/2006/main" xmlns:r="http://schemas.openxmlformats.org/officeDocument/2006/relationships" xmlns:p="http://schemas.openxmlformats.org/presentationml/2006/main">
-  <p:cSld>
-    <p:spTree>
-      <p:nvGrpSpPr>
-        <p:cNvPr id="1" name=""/>
-        <p:cNvGrpSpPr/>
-        <p:nvPr/>
-      </p:nvGrpSpPr>
-      <p:grpSpPr>
-        <a:xfrm>
-          <a:off x="0" y="0"/>
-          <a:ext cx="0" cy="0"/>
-          <a:chOff x="0" y="0"/>
-          <a:chExt cx="0" cy="0"/>
-        </a:xfrm>
-      </p:grpSpPr>
-      <p:sp>
-        <p:nvSpPr>
-          <p:cNvPr id="2" name="Titre 1">
-            <a:extLst>
-              <a:ext uri="{FF2B5EF4-FFF2-40B4-BE49-F238E27FC236}">
-                <a16:creationId xmlns:a16="http://schemas.microsoft.com/office/drawing/2014/main" id="{A1ECD297-8C81-4D5A-909B-2248F71B8967}"/>
-              </a:ext>
-            </a:extLst>
-          </p:cNvPr>
-          <p:cNvSpPr>
-            <a:spLocks noGrp="1"/>
-          </p:cNvSpPr>
-          <p:nvPr>
-            <p:ph type="title"/>
-          </p:nvPr>
-        </p:nvSpPr>
-        <p:spPr/>
-        <p:txBody>
-          <a:bodyPr/>
-          <a:lstStyle/>
-          <a:p>
-            <a:endParaRPr lang="fr-FR"/>
-          </a:p>
-        </p:txBody>
-      </p:sp>
-      <p:sp>
-        <p:nvSpPr>
-          <p:cNvPr id="3" name="Espace réservé du contenu 2">
-            <a:extLst>
-              <a:ext uri="{FF2B5EF4-FFF2-40B4-BE49-F238E27FC236}">
-                <a16:creationId xmlns:a16="http://schemas.microsoft.com/office/drawing/2014/main" id="{0E70394A-35F6-4242-BD2F-EB5FF26F1BE2}"/>
-              </a:ext>
-            </a:extLst>
-          </p:cNvPr>
-          <p:cNvSpPr>
-            <a:spLocks noGrp="1"/>
-          </p:cNvSpPr>
-          <p:nvPr>
-            <p:ph idx="1"/>
-          </p:nvPr>
-        </p:nvSpPr>
-        <p:spPr/>
-        <p:txBody>
-          <a:bodyPr/>
-          <a:lstStyle/>
-          <a:p>
-            <a:endParaRPr lang="fr-FR"/>
-          </a:p>
-        </p:txBody>
-      </p:sp>
-    </p:spTree>
-    <p:extLst>
-      <p:ext uri="{BB962C8B-B14F-4D97-AF65-F5344CB8AC3E}">
-        <p14:creationId xmlns:p14="http://schemas.microsoft.com/office/powerpoint/2010/main" val="4064733446"/>
       </p:ext>
     </p:extLst>
   </p:cSld>
